--- a/Figure-4-5/Figure45/Figure45_blog.pptx
+++ b/Figure-4-5/Figure45/Figure45_blog.pptx
@@ -516,6 +516,126 @@
               <a:rPr/>
               <a:t>Title:</a:t>
             </a:r>
+            <a:r>
+              <a:rPr/>
+              <a:t> </a:t>
+            </a:r>
+            <a:r>
+              <a:rPr/>
+              <a:t>Voluntary</a:t>
+            </a:r>
+            <a:r>
+              <a:rPr/>
+              <a:t> </a:t>
+            </a:r>
+            <a:r>
+              <a:rPr/>
+              <a:t>pre-tax</a:t>
+            </a:r>
+            <a:r>
+              <a:rPr/>
+              <a:t> </a:t>
+            </a:r>
+            <a:r>
+              <a:rPr/>
+              <a:t>contributions</a:t>
+            </a:r>
+            <a:r>
+              <a:rPr/>
+              <a:t> </a:t>
+            </a:r>
+            <a:r>
+              <a:rPr/>
+              <a:t>are</a:t>
+            </a:r>
+            <a:r>
+              <a:rPr/>
+              <a:t> </a:t>
+            </a:r>
+            <a:r>
+              <a:rPr/>
+              <a:t>mostly</a:t>
+            </a:r>
+            <a:r>
+              <a:rPr/>
+              <a:t> </a:t>
+            </a:r>
+            <a:r>
+              <a:rPr/>
+              <a:t>made</a:t>
+            </a:r>
+            <a:r>
+              <a:rPr/>
+              <a:t> </a:t>
+            </a:r>
+            <a:r>
+              <a:rPr/>
+              <a:t>by</a:t>
+            </a:r>
+            <a:r>
+              <a:rPr/>
+              <a:t> </a:t>
+            </a:r>
+            <a:r>
+              <a:rPr/>
+              <a:t>those</a:t>
+            </a:r>
+            <a:r>
+              <a:rPr/>
+              <a:t> </a:t>
+            </a:r>
+            <a:r>
+              <a:rPr/>
+              <a:t>who</a:t>
+            </a:r>
+            <a:r>
+              <a:rPr/>
+              <a:t> </a:t>
+            </a:r>
+            <a:r>
+              <a:rPr/>
+              <a:t>are</a:t>
+            </a:r>
+            <a:r>
+              <a:rPr/>
+              <a:t> </a:t>
+            </a:r>
+            <a:r>
+              <a:rPr/>
+              <a:t>older</a:t>
+            </a:r>
+            <a:r>
+              <a:rPr/>
+              <a:t> </a:t>
+            </a:r>
+            <a:r>
+              <a:rPr/>
+              <a:t>and</a:t>
+            </a:r>
+            <a:r>
+              <a:rPr/>
+              <a:t> </a:t>
+            </a:r>
+            <a:r>
+              <a:rPr/>
+              <a:t>on</a:t>
+            </a:r>
+            <a:r>
+              <a:rPr/>
+              <a:t> </a:t>
+            </a:r>
+            <a:r>
+              <a:rPr/>
+              <a:t>high</a:t>
+            </a:r>
+            <a:r>
+              <a:rPr/>
+              <a:t> </a:t>
+            </a:r>
+            <a:r>
+              <a:rPr/>
+              <a:t>incomes</a:t>
+            </a:r>
           </a:p>
           <a:p>
             <a:pPr lvl="0" marL="0" indent="0">
@@ -529,6 +649,340 @@
             <a:r>
               <a:rPr/>
               <a:t>Subtitle:</a:t>
+            </a:r>
+            <a:r>
+              <a:rPr/>
+              <a:t> </a:t>
+            </a:r>
+            <a:r>
+              <a:rPr/>
+              <a:t>Percentage</a:t>
+            </a:r>
+            <a:r>
+              <a:rPr/>
+              <a:t> </a:t>
+            </a:r>
+            <a:r>
+              <a:rPr/>
+              <a:t>of</a:t>
+            </a:r>
+            <a:r>
+              <a:rPr/>
+              <a:t> </a:t>
+            </a:r>
+            <a:r>
+              <a:rPr/>
+              <a:t>voluntary</a:t>
+            </a:r>
+            <a:r>
+              <a:rPr/>
+              <a:t> </a:t>
+            </a:r>
+            <a:r>
+              <a:rPr/>
+              <a:t>pre-tax</a:t>
+            </a:r>
+            <a:r>
+              <a:rPr/>
+              <a:t> </a:t>
+            </a:r>
+            <a:r>
+              <a:rPr/>
+              <a:t>contributions,</a:t>
+            </a:r>
+            <a:r>
+              <a:rPr/>
+              <a:t> </a:t>
+            </a:r>
+            <a:r>
+              <a:rPr/>
+              <a:t>(2020-21)</a:t>
+            </a:r>
+          </a:p>
+          <a:p>
+            <a:pPr lvl="0" marL="0" indent="0">
+              <a:buNone/>
+            </a:pPr>
+          </a:p>
+          <a:p>
+            <a:pPr lvl="0" marL="0" indent="0">
+              <a:buNone/>
+            </a:pPr>
+            <a:r>
+              <a:rPr/>
+              <a:t>Notes:</a:t>
+            </a:r>
+            <a:r>
+              <a:rPr/>
+              <a:t> </a:t>
+            </a:r>
+            <a:r>
+              <a:rPr/>
+              <a:t>Projections</a:t>
+            </a:r>
+            <a:r>
+              <a:rPr/>
+              <a:t> </a:t>
+            </a:r>
+            <a:r>
+              <a:rPr/>
+              <a:t>to</a:t>
+            </a:r>
+            <a:r>
+              <a:rPr/>
+              <a:t> </a:t>
+            </a:r>
+            <a:r>
+              <a:rPr/>
+              <a:t>2020-21</a:t>
+            </a:r>
+            <a:r>
+              <a:rPr/>
+              <a:t> </a:t>
+            </a:r>
+            <a:r>
+              <a:rPr/>
+              <a:t>assume</a:t>
+            </a:r>
+            <a:r>
+              <a:rPr/>
+              <a:t> </a:t>
+            </a:r>
+            <a:r>
+              <a:rPr/>
+              <a:t>2%</a:t>
+            </a:r>
+            <a:r>
+              <a:rPr/>
+              <a:t> </a:t>
+            </a:r>
+            <a:r>
+              <a:rPr/>
+              <a:t>wage</a:t>
+            </a:r>
+            <a:r>
+              <a:rPr/>
+              <a:t> </a:t>
+            </a:r>
+            <a:r>
+              <a:rPr/>
+              <a:t>growth</a:t>
+            </a:r>
+            <a:r>
+              <a:rPr/>
+              <a:t> </a:t>
+            </a:r>
+            <a:r>
+              <a:rPr/>
+              <a:t>and</a:t>
+            </a:r>
+            <a:r>
+              <a:rPr/>
+              <a:t> </a:t>
+            </a:r>
+            <a:r>
+              <a:rPr/>
+              <a:t>0%</a:t>
+            </a:r>
+            <a:r>
+              <a:rPr/>
+              <a:t> </a:t>
+            </a:r>
+            <a:r>
+              <a:rPr/>
+              <a:t>growth</a:t>
+            </a:r>
+            <a:r>
+              <a:rPr/>
+              <a:t> </a:t>
+            </a:r>
+            <a:r>
+              <a:rPr/>
+              <a:t>in</a:t>
+            </a:r>
+            <a:r>
+              <a:rPr/>
+              <a:t> </a:t>
+            </a:r>
+            <a:r>
+              <a:rPr/>
+              <a:t>the</a:t>
+            </a:r>
+            <a:r>
+              <a:rPr/>
+              <a:t> </a:t>
+            </a:r>
+            <a:r>
+              <a:rPr/>
+              <a:t>number</a:t>
+            </a:r>
+            <a:r>
+              <a:rPr/>
+              <a:t> </a:t>
+            </a:r>
+            <a:r>
+              <a:rPr/>
+              <a:t>of</a:t>
+            </a:r>
+            <a:r>
+              <a:rPr/>
+              <a:t> </a:t>
+            </a:r>
+            <a:r>
+              <a:rPr/>
+              <a:t>taxfilers</a:t>
+            </a:r>
+            <a:r>
+              <a:rPr/>
+              <a:t> </a:t>
+            </a:r>
+            <a:r>
+              <a:rPr/>
+              <a:t>from</a:t>
+            </a:r>
+            <a:r>
+              <a:rPr/>
+              <a:t> </a:t>
+            </a:r>
+            <a:r>
+              <a:rPr/>
+              <a:t>2019-20</a:t>
+            </a:r>
+            <a:r>
+              <a:rPr/>
+              <a:t> </a:t>
+            </a:r>
+            <a:r>
+              <a:rPr/>
+              <a:t>to</a:t>
+            </a:r>
+            <a:r>
+              <a:rPr/>
+              <a:t> </a:t>
+            </a:r>
+            <a:r>
+              <a:rPr/>
+              <a:t>2020-21.</a:t>
+            </a:r>
+            <a:r>
+              <a:rPr/>
+              <a:t> </a:t>
+            </a:r>
+            <a:r>
+              <a:rPr/>
+              <a:t>Voluntary</a:t>
+            </a:r>
+            <a:r>
+              <a:rPr/>
+              <a:t> </a:t>
+            </a:r>
+            <a:r>
+              <a:rPr/>
+              <a:t>pre-tax</a:t>
+            </a:r>
+            <a:r>
+              <a:rPr/>
+              <a:t> </a:t>
+            </a:r>
+            <a:r>
+              <a:rPr/>
+              <a:t>contributions</a:t>
+            </a:r>
+            <a:r>
+              <a:rPr/>
+              <a:t> </a:t>
+            </a:r>
+            <a:r>
+              <a:rPr/>
+              <a:t>means</a:t>
+            </a:r>
+            <a:r>
+              <a:rPr/>
+              <a:t> </a:t>
+            </a:r>
+            <a:r>
+              <a:rPr/>
+              <a:t>concessional</a:t>
+            </a:r>
+            <a:r>
+              <a:rPr/>
+              <a:t> </a:t>
+            </a:r>
+            <a:r>
+              <a:rPr/>
+              <a:t>contributions</a:t>
+            </a:r>
+            <a:r>
+              <a:rPr/>
+              <a:t> </a:t>
+            </a:r>
+            <a:r>
+              <a:rPr/>
+              <a:t>less</a:t>
+            </a:r>
+            <a:r>
+              <a:rPr/>
+              <a:t> </a:t>
+            </a:r>
+            <a:r>
+              <a:rPr/>
+              <a:t>SG</a:t>
+            </a:r>
+            <a:r>
+              <a:rPr/>
+              <a:t> </a:t>
+            </a:r>
+            <a:r>
+              <a:rPr/>
+              <a:t>contributions.</a:t>
+            </a:r>
+            <a:r>
+              <a:rPr/>
+              <a:t> </a:t>
+            </a:r>
+            <a:r>
+              <a:rPr/>
+              <a:t>Source:</a:t>
+            </a:r>
+            <a:r>
+              <a:rPr/>
+              <a:t> </a:t>
+            </a:r>
+            <a:r>
+              <a:rPr/>
+              <a:t>ATO</a:t>
+            </a:r>
+            <a:r>
+              <a:rPr/>
+              <a:t> </a:t>
+            </a:r>
+            <a:r>
+              <a:rPr/>
+              <a:t>2017-18</a:t>
+            </a:r>
+            <a:r>
+              <a:rPr/>
+              <a:t> </a:t>
+            </a:r>
+            <a:r>
+              <a:rPr/>
+              <a:t>2%</a:t>
+            </a:r>
+            <a:r>
+              <a:rPr/>
+              <a:t> </a:t>
+            </a:r>
+            <a:r>
+              <a:rPr/>
+              <a:t>sample</a:t>
+            </a:r>
+            <a:r>
+              <a:rPr/>
+              <a:t> </a:t>
+            </a:r>
+            <a:r>
+              <a:rPr/>
+              <a:t>file</a:t>
             </a:r>
           </a:p>
           <a:p>
@@ -3937,7 +4391,7 @@
           <a:p>
             <a:r>
               <a:rPr/>
-              <a:t> </a:t>
+              <a:t>Voluntary pre-tax contributions are mostly made by those who are older and on high incomes</a:t>
             </a:r>
           </a:p>
         </p:txBody>
@@ -3964,7 +4418,7 @@
           <a:p>
             <a:r>
               <a:rPr/>
-              <a:t> </a:t>
+              <a:t>Percentage of voluntary pre-tax contributions, (2020-21)</a:t>
             </a:r>
           </a:p>
         </p:txBody>
@@ -4026,8 +4480,8 @@
           </p:nvSpPr>
           <p:spPr>
             <a:xfrm>
-              <a:off x="1842314" y="1231200"/>
-              <a:ext cx="5444970" cy="5536800"/>
+              <a:off x="2132990" y="1231200"/>
+              <a:ext cx="4863618" cy="5536800"/>
             </a:xfrm>
             <a:prstGeom prst="rect">
               <a:avLst/>
@@ -4052,8 +4506,8 @@
           </p:nvSpPr>
           <p:spPr>
             <a:xfrm>
-              <a:off x="1901079" y="1322639"/>
-              <a:ext cx="5276477" cy="5276477"/>
+              <a:off x="2191756" y="1322639"/>
+              <a:ext cx="4695125" cy="4695125"/>
             </a:xfrm>
             <a:prstGeom prst="rect">
               <a:avLst/>
@@ -4078,189 +4532,189 @@
           </p:nvSpPr>
           <p:spPr>
             <a:xfrm>
-              <a:off x="4539318" y="1850287"/>
-              <a:ext cx="94463" cy="2110591"/>
+              <a:off x="4539318" y="1792152"/>
+              <a:ext cx="84055" cy="1878050"/>
             </a:xfrm>
             <a:custGeom>
               <a:avLst/>
               <a:pathLst>
-                <a:path w="94463" h="2110591">
+                <a:path w="84055" h="1878050">
                   <a:moveTo>
-                    <a:pt x="0" y="2110591"/>
+                    <a:pt x="0" y="1878050"/>
                   </a:moveTo>
                   <a:lnTo>
-                    <a:pt x="3257" y="2037884"/>
-                  </a:lnTo>
-                  <a:lnTo>
-                    <a:pt x="6514" y="1965178"/>
-                  </a:lnTo>
-                  <a:lnTo>
-                    <a:pt x="9772" y="1892472"/>
-                  </a:lnTo>
-                  <a:lnTo>
-                    <a:pt x="13029" y="1819766"/>
-                  </a:lnTo>
-                  <a:lnTo>
-                    <a:pt x="16286" y="1747060"/>
-                  </a:lnTo>
-                  <a:lnTo>
-                    <a:pt x="19544" y="1674354"/>
-                  </a:lnTo>
-                  <a:lnTo>
-                    <a:pt x="22801" y="1601648"/>
-                  </a:lnTo>
-                  <a:lnTo>
-                    <a:pt x="26058" y="1528942"/>
-                  </a:lnTo>
-                  <a:lnTo>
-                    <a:pt x="29316" y="1456236"/>
-                  </a:lnTo>
-                  <a:lnTo>
-                    <a:pt x="32573" y="1383530"/>
-                  </a:lnTo>
-                  <a:lnTo>
-                    <a:pt x="35831" y="1310824"/>
-                  </a:lnTo>
-                  <a:lnTo>
-                    <a:pt x="39088" y="1238118"/>
-                  </a:lnTo>
-                  <a:lnTo>
-                    <a:pt x="42345" y="1165412"/>
-                  </a:lnTo>
-                  <a:lnTo>
-                    <a:pt x="45603" y="1092706"/>
-                  </a:lnTo>
-                  <a:lnTo>
-                    <a:pt x="48860" y="1019999"/>
-                  </a:lnTo>
-                  <a:lnTo>
-                    <a:pt x="52117" y="947293"/>
-                  </a:lnTo>
-                  <a:lnTo>
-                    <a:pt x="55375" y="874587"/>
-                  </a:lnTo>
-                  <a:lnTo>
-                    <a:pt x="58632" y="801881"/>
-                  </a:lnTo>
-                  <a:lnTo>
-                    <a:pt x="61889" y="729175"/>
-                  </a:lnTo>
-                  <a:lnTo>
-                    <a:pt x="65147" y="656469"/>
-                  </a:lnTo>
-                  <a:lnTo>
-                    <a:pt x="68404" y="583763"/>
-                  </a:lnTo>
-                  <a:lnTo>
-                    <a:pt x="71662" y="511057"/>
-                  </a:lnTo>
-                  <a:lnTo>
-                    <a:pt x="74919" y="438351"/>
-                  </a:lnTo>
-                  <a:lnTo>
-                    <a:pt x="78176" y="365645"/>
-                  </a:lnTo>
-                  <a:lnTo>
-                    <a:pt x="81434" y="292939"/>
-                  </a:lnTo>
-                  <a:lnTo>
-                    <a:pt x="84691" y="220233"/>
-                  </a:lnTo>
-                  <a:lnTo>
-                    <a:pt x="87948" y="147527"/>
-                  </a:lnTo>
-                  <a:lnTo>
-                    <a:pt x="91206" y="74821"/>
-                  </a:lnTo>
-                  <a:lnTo>
-                    <a:pt x="94463" y="2115"/>
+                    <a:pt x="2898" y="1813354"/>
+                  </a:lnTo>
+                  <a:lnTo>
+                    <a:pt x="5796" y="1748659"/>
+                  </a:lnTo>
+                  <a:lnTo>
+                    <a:pt x="8695" y="1683963"/>
+                  </a:lnTo>
+                  <a:lnTo>
+                    <a:pt x="11593" y="1619268"/>
+                  </a:lnTo>
+                  <a:lnTo>
+                    <a:pt x="14492" y="1554572"/>
+                  </a:lnTo>
+                  <a:lnTo>
+                    <a:pt x="17390" y="1489877"/>
+                  </a:lnTo>
+                  <a:lnTo>
+                    <a:pt x="20289" y="1425181"/>
+                  </a:lnTo>
+                  <a:lnTo>
+                    <a:pt x="23187" y="1360486"/>
+                  </a:lnTo>
+                  <a:lnTo>
+                    <a:pt x="26086" y="1295790"/>
+                  </a:lnTo>
+                  <a:lnTo>
+                    <a:pt x="28984" y="1231095"/>
+                  </a:lnTo>
+                  <a:lnTo>
+                    <a:pt x="31883" y="1166400"/>
+                  </a:lnTo>
+                  <a:lnTo>
+                    <a:pt x="34781" y="1101704"/>
+                  </a:lnTo>
+                  <a:lnTo>
+                    <a:pt x="37680" y="1037009"/>
+                  </a:lnTo>
+                  <a:lnTo>
+                    <a:pt x="40578" y="972313"/>
+                  </a:lnTo>
+                  <a:lnTo>
+                    <a:pt x="43477" y="907618"/>
+                  </a:lnTo>
+                  <a:lnTo>
+                    <a:pt x="46375" y="842922"/>
+                  </a:lnTo>
+                  <a:lnTo>
+                    <a:pt x="49274" y="778227"/>
+                  </a:lnTo>
+                  <a:lnTo>
+                    <a:pt x="52172" y="713531"/>
+                  </a:lnTo>
+                  <a:lnTo>
+                    <a:pt x="55071" y="648836"/>
+                  </a:lnTo>
+                  <a:lnTo>
+                    <a:pt x="57969" y="584141"/>
+                  </a:lnTo>
+                  <a:lnTo>
+                    <a:pt x="60867" y="519445"/>
+                  </a:lnTo>
+                  <a:lnTo>
+                    <a:pt x="63766" y="454750"/>
+                  </a:lnTo>
+                  <a:lnTo>
+                    <a:pt x="66664" y="390054"/>
+                  </a:lnTo>
+                  <a:lnTo>
+                    <a:pt x="69563" y="325359"/>
+                  </a:lnTo>
+                  <a:lnTo>
+                    <a:pt x="72461" y="260663"/>
+                  </a:lnTo>
+                  <a:lnTo>
+                    <a:pt x="75360" y="195968"/>
+                  </a:lnTo>
+                  <a:lnTo>
+                    <a:pt x="78258" y="131272"/>
+                  </a:lnTo>
+                  <a:lnTo>
+                    <a:pt x="81157" y="66577"/>
+                  </a:lnTo>
+                  <a:lnTo>
+                    <a:pt x="84055" y="1881"/>
                   </a:lnTo>
                   <a:lnTo>
                     <a:pt x="0" y="0"/>
                   </a:lnTo>
                   <a:lnTo>
-                    <a:pt x="0" y="72779"/>
-                  </a:lnTo>
-                  <a:lnTo>
-                    <a:pt x="0" y="145558"/>
-                  </a:lnTo>
-                  <a:lnTo>
-                    <a:pt x="0" y="218337"/>
-                  </a:lnTo>
-                  <a:lnTo>
-                    <a:pt x="0" y="291116"/>
-                  </a:lnTo>
-                  <a:lnTo>
-                    <a:pt x="0" y="363895"/>
-                  </a:lnTo>
-                  <a:lnTo>
-                    <a:pt x="0" y="436674"/>
-                  </a:lnTo>
-                  <a:lnTo>
-                    <a:pt x="0" y="509453"/>
-                  </a:lnTo>
-                  <a:lnTo>
-                    <a:pt x="0" y="582232"/>
-                  </a:lnTo>
-                  <a:lnTo>
-                    <a:pt x="0" y="655011"/>
-                  </a:lnTo>
-                  <a:lnTo>
-                    <a:pt x="0" y="727790"/>
-                  </a:lnTo>
-                  <a:lnTo>
-                    <a:pt x="0" y="800569"/>
-                  </a:lnTo>
-                  <a:lnTo>
-                    <a:pt x="0" y="873348"/>
-                  </a:lnTo>
-                  <a:lnTo>
-                    <a:pt x="0" y="946127"/>
-                  </a:lnTo>
-                  <a:lnTo>
-                    <a:pt x="0" y="1018906"/>
-                  </a:lnTo>
-                  <a:lnTo>
-                    <a:pt x="0" y="1091685"/>
-                  </a:lnTo>
-                  <a:lnTo>
-                    <a:pt x="0" y="1164464"/>
-                  </a:lnTo>
-                  <a:lnTo>
-                    <a:pt x="0" y="1237243"/>
-                  </a:lnTo>
-                  <a:lnTo>
-                    <a:pt x="0" y="1310022"/>
-                  </a:lnTo>
-                  <a:lnTo>
-                    <a:pt x="0" y="1382801"/>
-                  </a:lnTo>
-                  <a:lnTo>
-                    <a:pt x="0" y="1455580"/>
-                  </a:lnTo>
-                  <a:lnTo>
-                    <a:pt x="0" y="1528359"/>
-                  </a:lnTo>
-                  <a:lnTo>
-                    <a:pt x="0" y="1601138"/>
-                  </a:lnTo>
-                  <a:lnTo>
-                    <a:pt x="0" y="1673917"/>
-                  </a:lnTo>
-                  <a:lnTo>
-                    <a:pt x="0" y="1746696"/>
-                  </a:lnTo>
-                  <a:lnTo>
-                    <a:pt x="0" y="1819475"/>
-                  </a:lnTo>
-                  <a:lnTo>
-                    <a:pt x="0" y="1892254"/>
-                  </a:lnTo>
-                  <a:lnTo>
-                    <a:pt x="0" y="1965033"/>
-                  </a:lnTo>
-                  <a:lnTo>
-                    <a:pt x="0" y="2037812"/>
+                    <a:pt x="0" y="64760"/>
+                  </a:lnTo>
+                  <a:lnTo>
+                    <a:pt x="0" y="129520"/>
+                  </a:lnTo>
+                  <a:lnTo>
+                    <a:pt x="0" y="194281"/>
+                  </a:lnTo>
+                  <a:lnTo>
+                    <a:pt x="0" y="259041"/>
+                  </a:lnTo>
+                  <a:lnTo>
+                    <a:pt x="0" y="323801"/>
+                  </a:lnTo>
+                  <a:lnTo>
+                    <a:pt x="0" y="388562"/>
+                  </a:lnTo>
+                  <a:lnTo>
+                    <a:pt x="0" y="453322"/>
+                  </a:lnTo>
+                  <a:lnTo>
+                    <a:pt x="0" y="518082"/>
+                  </a:lnTo>
+                  <a:lnTo>
+                    <a:pt x="0" y="582843"/>
+                  </a:lnTo>
+                  <a:lnTo>
+                    <a:pt x="0" y="647603"/>
+                  </a:lnTo>
+                  <a:lnTo>
+                    <a:pt x="0" y="712363"/>
+                  </a:lnTo>
+                  <a:lnTo>
+                    <a:pt x="0" y="777124"/>
+                  </a:lnTo>
+                  <a:lnTo>
+                    <a:pt x="0" y="841884"/>
+                  </a:lnTo>
+                  <a:lnTo>
+                    <a:pt x="0" y="906644"/>
+                  </a:lnTo>
+                  <a:lnTo>
+                    <a:pt x="0" y="971405"/>
+                  </a:lnTo>
+                  <a:lnTo>
+                    <a:pt x="0" y="1036165"/>
+                  </a:lnTo>
+                  <a:lnTo>
+                    <a:pt x="0" y="1100925"/>
+                  </a:lnTo>
+                  <a:lnTo>
+                    <a:pt x="0" y="1165686"/>
+                  </a:lnTo>
+                  <a:lnTo>
+                    <a:pt x="0" y="1230446"/>
+                  </a:lnTo>
+                  <a:lnTo>
+                    <a:pt x="0" y="1295206"/>
+                  </a:lnTo>
+                  <a:lnTo>
+                    <a:pt x="0" y="1359967"/>
+                  </a:lnTo>
+                  <a:lnTo>
+                    <a:pt x="0" y="1424727"/>
+                  </a:lnTo>
+                  <a:lnTo>
+                    <a:pt x="0" y="1489487"/>
+                  </a:lnTo>
+                  <a:lnTo>
+                    <a:pt x="0" y="1554248"/>
+                  </a:lnTo>
+                  <a:lnTo>
+                    <a:pt x="0" y="1619008"/>
+                  </a:lnTo>
+                  <a:lnTo>
+                    <a:pt x="0" y="1683768"/>
+                  </a:lnTo>
+                  <a:lnTo>
+                    <a:pt x="0" y="1748529"/>
+                  </a:lnTo>
+                  <a:lnTo>
+                    <a:pt x="0" y="1813289"/>
                   </a:lnTo>
                   <a:close/>
                 </a:path>
@@ -4295,195 +4749,195 @@
           </p:nvSpPr>
           <p:spPr>
             <a:xfrm>
-              <a:off x="4539318" y="1852402"/>
-              <a:ext cx="320799" cy="2108476"/>
+              <a:off x="4539318" y="1794034"/>
+              <a:ext cx="285454" cy="1876168"/>
             </a:xfrm>
             <a:custGeom>
               <a:avLst/>
               <a:pathLst>
-                <a:path w="320799" h="2108476">
+                <a:path w="285454" h="1876168">
                   <a:moveTo>
-                    <a:pt x="0" y="2108476"/>
+                    <a:pt x="0" y="1876168"/>
                   </a:moveTo>
                   <a:lnTo>
-                    <a:pt x="11062" y="2036542"/>
-                  </a:lnTo>
-                  <a:lnTo>
-                    <a:pt x="22124" y="1964609"/>
-                  </a:lnTo>
-                  <a:lnTo>
-                    <a:pt x="33186" y="1892675"/>
-                  </a:lnTo>
-                  <a:lnTo>
-                    <a:pt x="44248" y="1820742"/>
-                  </a:lnTo>
-                  <a:lnTo>
-                    <a:pt x="55310" y="1748809"/>
-                  </a:lnTo>
-                  <a:lnTo>
-                    <a:pt x="66372" y="1676875"/>
-                  </a:lnTo>
-                  <a:lnTo>
-                    <a:pt x="77434" y="1604942"/>
-                  </a:lnTo>
-                  <a:lnTo>
-                    <a:pt x="88496" y="1533008"/>
-                  </a:lnTo>
-                  <a:lnTo>
-                    <a:pt x="99558" y="1461075"/>
-                  </a:lnTo>
-                  <a:lnTo>
-                    <a:pt x="110620" y="1389142"/>
-                  </a:lnTo>
-                  <a:lnTo>
-                    <a:pt x="121682" y="1317208"/>
-                  </a:lnTo>
-                  <a:lnTo>
-                    <a:pt x="132744" y="1245275"/>
-                  </a:lnTo>
-                  <a:lnTo>
-                    <a:pt x="143806" y="1173341"/>
-                  </a:lnTo>
-                  <a:lnTo>
-                    <a:pt x="154868" y="1101408"/>
-                  </a:lnTo>
-                  <a:lnTo>
-                    <a:pt x="165931" y="1029475"/>
-                  </a:lnTo>
-                  <a:lnTo>
-                    <a:pt x="176993" y="957541"/>
-                  </a:lnTo>
-                  <a:lnTo>
-                    <a:pt x="188055" y="885608"/>
-                  </a:lnTo>
-                  <a:lnTo>
-                    <a:pt x="199117" y="813674"/>
-                  </a:lnTo>
-                  <a:lnTo>
-                    <a:pt x="210179" y="741741"/>
-                  </a:lnTo>
-                  <a:lnTo>
-                    <a:pt x="221241" y="669808"/>
-                  </a:lnTo>
-                  <a:lnTo>
-                    <a:pt x="232303" y="597874"/>
-                  </a:lnTo>
-                  <a:lnTo>
-                    <a:pt x="243365" y="525941"/>
-                  </a:lnTo>
-                  <a:lnTo>
-                    <a:pt x="254427" y="454007"/>
-                  </a:lnTo>
-                  <a:lnTo>
-                    <a:pt x="265489" y="382074"/>
-                  </a:lnTo>
-                  <a:lnTo>
-                    <a:pt x="276551" y="310141"/>
-                  </a:lnTo>
-                  <a:lnTo>
-                    <a:pt x="287613" y="238207"/>
-                  </a:lnTo>
-                  <a:lnTo>
-                    <a:pt x="298675" y="166274"/>
-                  </a:lnTo>
-                  <a:lnTo>
-                    <a:pt x="309737" y="94340"/>
-                  </a:lnTo>
-                  <a:lnTo>
-                    <a:pt x="320799" y="22407"/>
-                  </a:lnTo>
-                  <a:lnTo>
-                    <a:pt x="245639" y="12227"/>
-                  </a:lnTo>
-                  <a:lnTo>
-                    <a:pt x="170161" y="4755"/>
-                  </a:lnTo>
-                  <a:lnTo>
-                    <a:pt x="94463" y="0"/>
-                  </a:lnTo>
-                  <a:lnTo>
-                    <a:pt x="91206" y="72706"/>
-                  </a:lnTo>
-                  <a:lnTo>
-                    <a:pt x="87948" y="145412"/>
-                  </a:lnTo>
-                  <a:lnTo>
-                    <a:pt x="84691" y="218118"/>
-                  </a:lnTo>
-                  <a:lnTo>
-                    <a:pt x="81434" y="290824"/>
-                  </a:lnTo>
-                  <a:lnTo>
-                    <a:pt x="78176" y="363530"/>
-                  </a:lnTo>
-                  <a:lnTo>
-                    <a:pt x="74919" y="436236"/>
-                  </a:lnTo>
-                  <a:lnTo>
-                    <a:pt x="71662" y="508942"/>
-                  </a:lnTo>
-                  <a:lnTo>
-                    <a:pt x="68404" y="581648"/>
-                  </a:lnTo>
-                  <a:lnTo>
-                    <a:pt x="65147" y="654354"/>
-                  </a:lnTo>
-                  <a:lnTo>
-                    <a:pt x="61889" y="727060"/>
-                  </a:lnTo>
-                  <a:lnTo>
-                    <a:pt x="58632" y="799766"/>
-                  </a:lnTo>
-                  <a:lnTo>
-                    <a:pt x="55375" y="872472"/>
-                  </a:lnTo>
-                  <a:lnTo>
-                    <a:pt x="52117" y="945178"/>
-                  </a:lnTo>
-                  <a:lnTo>
-                    <a:pt x="48860" y="1017884"/>
-                  </a:lnTo>
-                  <a:lnTo>
-                    <a:pt x="45603" y="1090591"/>
-                  </a:lnTo>
-                  <a:lnTo>
-                    <a:pt x="42345" y="1163297"/>
-                  </a:lnTo>
-                  <a:lnTo>
-                    <a:pt x="39088" y="1236003"/>
-                  </a:lnTo>
-                  <a:lnTo>
-                    <a:pt x="35831" y="1308709"/>
-                  </a:lnTo>
-                  <a:lnTo>
-                    <a:pt x="32573" y="1381415"/>
-                  </a:lnTo>
-                  <a:lnTo>
-                    <a:pt x="29316" y="1454121"/>
-                  </a:lnTo>
-                  <a:lnTo>
-                    <a:pt x="26058" y="1526827"/>
-                  </a:lnTo>
-                  <a:lnTo>
-                    <a:pt x="22801" y="1599533"/>
-                  </a:lnTo>
-                  <a:lnTo>
-                    <a:pt x="19544" y="1672239"/>
-                  </a:lnTo>
-                  <a:lnTo>
-                    <a:pt x="16286" y="1744945"/>
-                  </a:lnTo>
-                  <a:lnTo>
-                    <a:pt x="13029" y="1817651"/>
-                  </a:lnTo>
-                  <a:lnTo>
-                    <a:pt x="9772" y="1890357"/>
-                  </a:lnTo>
-                  <a:lnTo>
-                    <a:pt x="6514" y="1963063"/>
-                  </a:lnTo>
-                  <a:lnTo>
-                    <a:pt x="3257" y="2035769"/>
+                    <a:pt x="9843" y="1812160"/>
+                  </a:lnTo>
+                  <a:lnTo>
+                    <a:pt x="19686" y="1748152"/>
+                  </a:lnTo>
+                  <a:lnTo>
+                    <a:pt x="29529" y="1684144"/>
+                  </a:lnTo>
+                  <a:lnTo>
+                    <a:pt x="39373" y="1620136"/>
+                  </a:lnTo>
+                  <a:lnTo>
+                    <a:pt x="49216" y="1556128"/>
+                  </a:lnTo>
+                  <a:lnTo>
+                    <a:pt x="59059" y="1492120"/>
+                  </a:lnTo>
+                  <a:lnTo>
+                    <a:pt x="68902" y="1428112"/>
+                  </a:lnTo>
+                  <a:lnTo>
+                    <a:pt x="78746" y="1364104"/>
+                  </a:lnTo>
+                  <a:lnTo>
+                    <a:pt x="88589" y="1300096"/>
+                  </a:lnTo>
+                  <a:lnTo>
+                    <a:pt x="98432" y="1236088"/>
+                  </a:lnTo>
+                  <a:lnTo>
+                    <a:pt x="108275" y="1172081"/>
+                  </a:lnTo>
+                  <a:lnTo>
+                    <a:pt x="118119" y="1108073"/>
+                  </a:lnTo>
+                  <a:lnTo>
+                    <a:pt x="127962" y="1044065"/>
+                  </a:lnTo>
+                  <a:lnTo>
+                    <a:pt x="137805" y="980057"/>
+                  </a:lnTo>
+                  <a:lnTo>
+                    <a:pt x="147649" y="916049"/>
+                  </a:lnTo>
+                  <a:lnTo>
+                    <a:pt x="157492" y="852041"/>
+                  </a:lnTo>
+                  <a:lnTo>
+                    <a:pt x="167335" y="788033"/>
+                  </a:lnTo>
+                  <a:lnTo>
+                    <a:pt x="177178" y="724025"/>
+                  </a:lnTo>
+                  <a:lnTo>
+                    <a:pt x="187022" y="660017"/>
+                  </a:lnTo>
+                  <a:lnTo>
+                    <a:pt x="196865" y="596009"/>
+                  </a:lnTo>
+                  <a:lnTo>
+                    <a:pt x="206708" y="532001"/>
+                  </a:lnTo>
+                  <a:lnTo>
+                    <a:pt x="216551" y="467994"/>
+                  </a:lnTo>
+                  <a:lnTo>
+                    <a:pt x="226395" y="403986"/>
+                  </a:lnTo>
+                  <a:lnTo>
+                    <a:pt x="236238" y="339978"/>
+                  </a:lnTo>
+                  <a:lnTo>
+                    <a:pt x="246081" y="275970"/>
+                  </a:lnTo>
+                  <a:lnTo>
+                    <a:pt x="255925" y="211962"/>
+                  </a:lnTo>
+                  <a:lnTo>
+                    <a:pt x="265768" y="147954"/>
+                  </a:lnTo>
+                  <a:lnTo>
+                    <a:pt x="275611" y="83946"/>
+                  </a:lnTo>
+                  <a:lnTo>
+                    <a:pt x="285454" y="19938"/>
+                  </a:lnTo>
+                  <a:lnTo>
+                    <a:pt x="218575" y="10880"/>
+                  </a:lnTo>
+                  <a:lnTo>
+                    <a:pt x="151413" y="4231"/>
+                  </a:lnTo>
+                  <a:lnTo>
+                    <a:pt x="84055" y="0"/>
+                  </a:lnTo>
+                  <a:lnTo>
+                    <a:pt x="81157" y="64695"/>
+                  </a:lnTo>
+                  <a:lnTo>
+                    <a:pt x="78258" y="129390"/>
+                  </a:lnTo>
+                  <a:lnTo>
+                    <a:pt x="75360" y="194086"/>
+                  </a:lnTo>
+                  <a:lnTo>
+                    <a:pt x="72461" y="258781"/>
+                  </a:lnTo>
+                  <a:lnTo>
+                    <a:pt x="69563" y="323477"/>
+                  </a:lnTo>
+                  <a:lnTo>
+                    <a:pt x="66664" y="388172"/>
+                  </a:lnTo>
+                  <a:lnTo>
+                    <a:pt x="63766" y="452868"/>
+                  </a:lnTo>
+                  <a:lnTo>
+                    <a:pt x="60867" y="517563"/>
+                  </a:lnTo>
+                  <a:lnTo>
+                    <a:pt x="57969" y="582259"/>
+                  </a:lnTo>
+                  <a:lnTo>
+                    <a:pt x="55071" y="646954"/>
+                  </a:lnTo>
+                  <a:lnTo>
+                    <a:pt x="52172" y="711649"/>
+                  </a:lnTo>
+                  <a:lnTo>
+                    <a:pt x="49274" y="776345"/>
+                  </a:lnTo>
+                  <a:lnTo>
+                    <a:pt x="46375" y="841040"/>
+                  </a:lnTo>
+                  <a:lnTo>
+                    <a:pt x="43477" y="905736"/>
+                  </a:lnTo>
+                  <a:lnTo>
+                    <a:pt x="40578" y="970431"/>
+                  </a:lnTo>
+                  <a:lnTo>
+                    <a:pt x="37680" y="1035127"/>
+                  </a:lnTo>
+                  <a:lnTo>
+                    <a:pt x="34781" y="1099822"/>
+                  </a:lnTo>
+                  <a:lnTo>
+                    <a:pt x="31883" y="1164518"/>
+                  </a:lnTo>
+                  <a:lnTo>
+                    <a:pt x="28984" y="1229213"/>
+                  </a:lnTo>
+                  <a:lnTo>
+                    <a:pt x="26086" y="1293908"/>
+                  </a:lnTo>
+                  <a:lnTo>
+                    <a:pt x="23187" y="1358604"/>
+                  </a:lnTo>
+                  <a:lnTo>
+                    <a:pt x="20289" y="1423299"/>
+                  </a:lnTo>
+                  <a:lnTo>
+                    <a:pt x="17390" y="1487995"/>
+                  </a:lnTo>
+                  <a:lnTo>
+                    <a:pt x="14492" y="1552690"/>
+                  </a:lnTo>
+                  <a:lnTo>
+                    <a:pt x="11593" y="1617386"/>
+                  </a:lnTo>
+                  <a:lnTo>
+                    <a:pt x="8695" y="1682081"/>
+                  </a:lnTo>
+                  <a:lnTo>
+                    <a:pt x="5796" y="1746777"/>
+                  </a:lnTo>
+                  <a:lnTo>
+                    <a:pt x="2898" y="1811472"/>
                   </a:lnTo>
                   <a:close/>
                 </a:path>
@@ -4518,201 +4972,201 @@
           </p:nvSpPr>
           <p:spPr>
             <a:xfrm>
-              <a:off x="4539318" y="1874810"/>
-              <a:ext cx="730238" cy="2086068"/>
+              <a:off x="4539318" y="1813973"/>
+              <a:ext cx="649782" cy="1856229"/>
             </a:xfrm>
             <a:custGeom>
               <a:avLst/>
               <a:pathLst>
-                <a:path w="730238" h="2086068">
+                <a:path w="649782" h="1856229">
                   <a:moveTo>
-                    <a:pt x="0" y="2086068"/>
+                    <a:pt x="0" y="1856229"/>
                   </a:moveTo>
                   <a:lnTo>
-                    <a:pt x="25180" y="2017784"/>
-                  </a:lnTo>
-                  <a:lnTo>
-                    <a:pt x="50361" y="1949500"/>
-                  </a:lnTo>
-                  <a:lnTo>
-                    <a:pt x="75541" y="1881216"/>
-                  </a:lnTo>
-                  <a:lnTo>
-                    <a:pt x="100722" y="1812932"/>
-                  </a:lnTo>
-                  <a:lnTo>
-                    <a:pt x="125903" y="1744648"/>
-                  </a:lnTo>
-                  <a:lnTo>
-                    <a:pt x="151083" y="1676363"/>
-                  </a:lnTo>
-                  <a:lnTo>
-                    <a:pt x="176264" y="1608079"/>
-                  </a:lnTo>
-                  <a:lnTo>
-                    <a:pt x="201445" y="1539795"/>
-                  </a:lnTo>
-                  <a:lnTo>
-                    <a:pt x="226625" y="1471511"/>
-                  </a:lnTo>
-                  <a:lnTo>
-                    <a:pt x="251806" y="1403227"/>
-                  </a:lnTo>
-                  <a:lnTo>
-                    <a:pt x="276986" y="1334943"/>
-                  </a:lnTo>
-                  <a:lnTo>
-                    <a:pt x="302167" y="1266659"/>
-                  </a:lnTo>
-                  <a:lnTo>
-                    <a:pt x="327348" y="1198375"/>
-                  </a:lnTo>
-                  <a:lnTo>
-                    <a:pt x="352528" y="1130091"/>
-                  </a:lnTo>
-                  <a:lnTo>
-                    <a:pt x="377709" y="1061806"/>
-                  </a:lnTo>
-                  <a:lnTo>
-                    <a:pt x="402890" y="993522"/>
-                  </a:lnTo>
-                  <a:lnTo>
-                    <a:pt x="428070" y="925238"/>
-                  </a:lnTo>
-                  <a:lnTo>
-                    <a:pt x="453251" y="856954"/>
-                  </a:lnTo>
-                  <a:lnTo>
-                    <a:pt x="478432" y="788670"/>
-                  </a:lnTo>
-                  <a:lnTo>
-                    <a:pt x="503612" y="720386"/>
-                  </a:lnTo>
-                  <a:lnTo>
-                    <a:pt x="528793" y="652102"/>
-                  </a:lnTo>
-                  <a:lnTo>
-                    <a:pt x="553973" y="583818"/>
-                  </a:lnTo>
-                  <a:lnTo>
-                    <a:pt x="579154" y="515534"/>
-                  </a:lnTo>
-                  <a:lnTo>
-                    <a:pt x="604335" y="447250"/>
-                  </a:lnTo>
-                  <a:lnTo>
-                    <a:pt x="629515" y="378965"/>
-                  </a:lnTo>
-                  <a:lnTo>
-                    <a:pt x="654696" y="310681"/>
-                  </a:lnTo>
-                  <a:lnTo>
-                    <a:pt x="679877" y="242397"/>
-                  </a:lnTo>
-                  <a:lnTo>
-                    <a:pt x="705057" y="174113"/>
-                  </a:lnTo>
-                  <a:lnTo>
-                    <a:pt x="730238" y="105829"/>
-                  </a:lnTo>
-                  <a:lnTo>
-                    <a:pt x="650182" y="78120"/>
-                  </a:lnTo>
-                  <a:lnTo>
-                    <a:pt x="569079" y="53645"/>
-                  </a:lnTo>
-                  <a:lnTo>
-                    <a:pt x="487060" y="32445"/>
-                  </a:lnTo>
-                  <a:lnTo>
-                    <a:pt x="404255" y="14554"/>
-                  </a:lnTo>
-                  <a:lnTo>
-                    <a:pt x="320799" y="0"/>
-                  </a:lnTo>
-                  <a:lnTo>
-                    <a:pt x="309737" y="71933"/>
-                  </a:lnTo>
-                  <a:lnTo>
-                    <a:pt x="298675" y="143866"/>
-                  </a:lnTo>
-                  <a:lnTo>
-                    <a:pt x="287613" y="215800"/>
-                  </a:lnTo>
-                  <a:lnTo>
-                    <a:pt x="276551" y="287733"/>
-                  </a:lnTo>
-                  <a:lnTo>
-                    <a:pt x="265489" y="359666"/>
-                  </a:lnTo>
-                  <a:lnTo>
-                    <a:pt x="254427" y="431600"/>
-                  </a:lnTo>
-                  <a:lnTo>
-                    <a:pt x="243365" y="503533"/>
-                  </a:lnTo>
-                  <a:lnTo>
-                    <a:pt x="232303" y="575467"/>
-                  </a:lnTo>
-                  <a:lnTo>
-                    <a:pt x="221241" y="647400"/>
-                  </a:lnTo>
-                  <a:lnTo>
-                    <a:pt x="210179" y="719333"/>
-                  </a:lnTo>
-                  <a:lnTo>
-                    <a:pt x="199117" y="791267"/>
-                  </a:lnTo>
-                  <a:lnTo>
-                    <a:pt x="188055" y="863200"/>
-                  </a:lnTo>
-                  <a:lnTo>
-                    <a:pt x="176993" y="935134"/>
-                  </a:lnTo>
-                  <a:lnTo>
-                    <a:pt x="165931" y="1007067"/>
-                  </a:lnTo>
-                  <a:lnTo>
-                    <a:pt x="154868" y="1079000"/>
-                  </a:lnTo>
-                  <a:lnTo>
-                    <a:pt x="143806" y="1150934"/>
-                  </a:lnTo>
-                  <a:lnTo>
-                    <a:pt x="132744" y="1222867"/>
-                  </a:lnTo>
-                  <a:lnTo>
-                    <a:pt x="121682" y="1294801"/>
-                  </a:lnTo>
-                  <a:lnTo>
-                    <a:pt x="110620" y="1366734"/>
-                  </a:lnTo>
-                  <a:lnTo>
-                    <a:pt x="99558" y="1438667"/>
-                  </a:lnTo>
-                  <a:lnTo>
-                    <a:pt x="88496" y="1510601"/>
-                  </a:lnTo>
-                  <a:lnTo>
-                    <a:pt x="77434" y="1582534"/>
-                  </a:lnTo>
-                  <a:lnTo>
-                    <a:pt x="66372" y="1654468"/>
-                  </a:lnTo>
-                  <a:lnTo>
-                    <a:pt x="55310" y="1726401"/>
-                  </a:lnTo>
-                  <a:lnTo>
-                    <a:pt x="44248" y="1798334"/>
-                  </a:lnTo>
-                  <a:lnTo>
-                    <a:pt x="33186" y="1870268"/>
-                  </a:lnTo>
-                  <a:lnTo>
-                    <a:pt x="22124" y="1942201"/>
-                  </a:lnTo>
-                  <a:lnTo>
-                    <a:pt x="11062" y="2014135"/>
+                    <a:pt x="22406" y="1795468"/>
+                  </a:lnTo>
+                  <a:lnTo>
+                    <a:pt x="44812" y="1734707"/>
+                  </a:lnTo>
+                  <a:lnTo>
+                    <a:pt x="67218" y="1673947"/>
+                  </a:lnTo>
+                  <a:lnTo>
+                    <a:pt x="89625" y="1613186"/>
+                  </a:lnTo>
+                  <a:lnTo>
+                    <a:pt x="112031" y="1552425"/>
+                  </a:lnTo>
+                  <a:lnTo>
+                    <a:pt x="134437" y="1491665"/>
+                  </a:lnTo>
+                  <a:lnTo>
+                    <a:pt x="156843" y="1430904"/>
+                  </a:lnTo>
+                  <a:lnTo>
+                    <a:pt x="179250" y="1370143"/>
+                  </a:lnTo>
+                  <a:lnTo>
+                    <a:pt x="201656" y="1309383"/>
+                  </a:lnTo>
+                  <a:lnTo>
+                    <a:pt x="224062" y="1248622"/>
+                  </a:lnTo>
+                  <a:lnTo>
+                    <a:pt x="246469" y="1187861"/>
+                  </a:lnTo>
+                  <a:lnTo>
+                    <a:pt x="268875" y="1127101"/>
+                  </a:lnTo>
+                  <a:lnTo>
+                    <a:pt x="291281" y="1066340"/>
+                  </a:lnTo>
+                  <a:lnTo>
+                    <a:pt x="313687" y="1005579"/>
+                  </a:lnTo>
+                  <a:lnTo>
+                    <a:pt x="336094" y="944819"/>
+                  </a:lnTo>
+                  <a:lnTo>
+                    <a:pt x="358500" y="884058"/>
+                  </a:lnTo>
+                  <a:lnTo>
+                    <a:pt x="380906" y="823297"/>
+                  </a:lnTo>
+                  <a:lnTo>
+                    <a:pt x="403312" y="762536"/>
+                  </a:lnTo>
+                  <a:lnTo>
+                    <a:pt x="425719" y="701776"/>
+                  </a:lnTo>
+                  <a:lnTo>
+                    <a:pt x="448125" y="641015"/>
+                  </a:lnTo>
+                  <a:lnTo>
+                    <a:pt x="470531" y="580254"/>
+                  </a:lnTo>
+                  <a:lnTo>
+                    <a:pt x="492938" y="519494"/>
+                  </a:lnTo>
+                  <a:lnTo>
+                    <a:pt x="515344" y="458733"/>
+                  </a:lnTo>
+                  <a:lnTo>
+                    <a:pt x="537750" y="397972"/>
+                  </a:lnTo>
+                  <a:lnTo>
+                    <a:pt x="560156" y="337212"/>
+                  </a:lnTo>
+                  <a:lnTo>
+                    <a:pt x="582563" y="276451"/>
+                  </a:lnTo>
+                  <a:lnTo>
+                    <a:pt x="604969" y="215690"/>
+                  </a:lnTo>
+                  <a:lnTo>
+                    <a:pt x="627375" y="154930"/>
+                  </a:lnTo>
+                  <a:lnTo>
+                    <a:pt x="649782" y="94169"/>
+                  </a:lnTo>
+                  <a:lnTo>
+                    <a:pt x="578546" y="69513"/>
+                  </a:lnTo>
+                  <a:lnTo>
+                    <a:pt x="506379" y="47735"/>
+                  </a:lnTo>
+                  <a:lnTo>
+                    <a:pt x="433396" y="28870"/>
+                  </a:lnTo>
+                  <a:lnTo>
+                    <a:pt x="359715" y="12950"/>
+                  </a:lnTo>
+                  <a:lnTo>
+                    <a:pt x="285454" y="0"/>
+                  </a:lnTo>
+                  <a:lnTo>
+                    <a:pt x="275611" y="64007"/>
+                  </a:lnTo>
+                  <a:lnTo>
+                    <a:pt x="265768" y="128015"/>
+                  </a:lnTo>
+                  <a:lnTo>
+                    <a:pt x="255925" y="192023"/>
+                  </a:lnTo>
+                  <a:lnTo>
+                    <a:pt x="246081" y="256031"/>
+                  </a:lnTo>
+                  <a:lnTo>
+                    <a:pt x="236238" y="320039"/>
+                  </a:lnTo>
+                  <a:lnTo>
+                    <a:pt x="226395" y="384047"/>
+                  </a:lnTo>
+                  <a:lnTo>
+                    <a:pt x="216551" y="448055"/>
+                  </a:lnTo>
+                  <a:lnTo>
+                    <a:pt x="206708" y="512063"/>
+                  </a:lnTo>
+                  <a:lnTo>
+                    <a:pt x="196865" y="576071"/>
+                  </a:lnTo>
+                  <a:lnTo>
+                    <a:pt x="187022" y="640079"/>
+                  </a:lnTo>
+                  <a:lnTo>
+                    <a:pt x="177178" y="704086"/>
+                  </a:lnTo>
+                  <a:lnTo>
+                    <a:pt x="167335" y="768094"/>
+                  </a:lnTo>
+                  <a:lnTo>
+                    <a:pt x="157492" y="832102"/>
+                  </a:lnTo>
+                  <a:lnTo>
+                    <a:pt x="147649" y="896110"/>
+                  </a:lnTo>
+                  <a:lnTo>
+                    <a:pt x="137805" y="960118"/>
+                  </a:lnTo>
+                  <a:lnTo>
+                    <a:pt x="127962" y="1024126"/>
+                  </a:lnTo>
+                  <a:lnTo>
+                    <a:pt x="118119" y="1088134"/>
+                  </a:lnTo>
+                  <a:lnTo>
+                    <a:pt x="108275" y="1152142"/>
+                  </a:lnTo>
+                  <a:lnTo>
+                    <a:pt x="98432" y="1216150"/>
+                  </a:lnTo>
+                  <a:lnTo>
+                    <a:pt x="88589" y="1280158"/>
+                  </a:lnTo>
+                  <a:lnTo>
+                    <a:pt x="78746" y="1344166"/>
+                  </a:lnTo>
+                  <a:lnTo>
+                    <a:pt x="68902" y="1408173"/>
+                  </a:lnTo>
+                  <a:lnTo>
+                    <a:pt x="59059" y="1472181"/>
+                  </a:lnTo>
+                  <a:lnTo>
+                    <a:pt x="49216" y="1536189"/>
+                  </a:lnTo>
+                  <a:lnTo>
+                    <a:pt x="39373" y="1600197"/>
+                  </a:lnTo>
+                  <a:lnTo>
+                    <a:pt x="29529" y="1664205"/>
+                  </a:lnTo>
+                  <a:lnTo>
+                    <a:pt x="19686" y="1728213"/>
+                  </a:lnTo>
+                  <a:lnTo>
+                    <a:pt x="9843" y="1792221"/>
                   </a:lnTo>
                   <a:close/>
                 </a:path>
@@ -4747,213 +5201,213 @@
           </p:nvSpPr>
           <p:spPr>
             <a:xfrm>
-              <a:off x="4539318" y="1980639"/>
-              <a:ext cx="1291062" cy="1980239"/>
+              <a:off x="4539318" y="1908142"/>
+              <a:ext cx="1148815" cy="1762059"/>
             </a:xfrm>
             <a:custGeom>
               <a:avLst/>
               <a:pathLst>
-                <a:path w="1291062" h="1980239">
+                <a:path w="1148815" h="1762059">
                   <a:moveTo>
-                    <a:pt x="0" y="1980239"/>
+                    <a:pt x="0" y="1762059"/>
                   </a:moveTo>
                   <a:lnTo>
-                    <a:pt x="44519" y="1922664"/>
-                  </a:lnTo>
-                  <a:lnTo>
-                    <a:pt x="89038" y="1865090"/>
-                  </a:lnTo>
-                  <a:lnTo>
-                    <a:pt x="133558" y="1807515"/>
-                  </a:lnTo>
-                  <a:lnTo>
-                    <a:pt x="178077" y="1749941"/>
-                  </a:lnTo>
-                  <a:lnTo>
-                    <a:pt x="222597" y="1692367"/>
-                  </a:lnTo>
-                  <a:lnTo>
-                    <a:pt x="267116" y="1634792"/>
-                  </a:lnTo>
-                  <a:lnTo>
-                    <a:pt x="311635" y="1577218"/>
-                  </a:lnTo>
-                  <a:lnTo>
-                    <a:pt x="356155" y="1519644"/>
-                  </a:lnTo>
-                  <a:lnTo>
-                    <a:pt x="400674" y="1462069"/>
-                  </a:lnTo>
-                  <a:lnTo>
-                    <a:pt x="445194" y="1404495"/>
-                  </a:lnTo>
-                  <a:lnTo>
-                    <a:pt x="489713" y="1346921"/>
-                  </a:lnTo>
-                  <a:lnTo>
-                    <a:pt x="534232" y="1289346"/>
-                  </a:lnTo>
-                  <a:lnTo>
-                    <a:pt x="578752" y="1231772"/>
-                  </a:lnTo>
-                  <a:lnTo>
-                    <a:pt x="623271" y="1174198"/>
-                  </a:lnTo>
-                  <a:lnTo>
-                    <a:pt x="667791" y="1116623"/>
-                  </a:lnTo>
-                  <a:lnTo>
-                    <a:pt x="712310" y="1059049"/>
-                  </a:lnTo>
-                  <a:lnTo>
-                    <a:pt x="756829" y="1001475"/>
-                  </a:lnTo>
-                  <a:lnTo>
-                    <a:pt x="801349" y="943900"/>
-                  </a:lnTo>
-                  <a:lnTo>
-                    <a:pt x="845868" y="886326"/>
-                  </a:lnTo>
-                  <a:lnTo>
-                    <a:pt x="890388" y="828752"/>
-                  </a:lnTo>
-                  <a:lnTo>
-                    <a:pt x="934907" y="771177"/>
-                  </a:lnTo>
-                  <a:lnTo>
-                    <a:pt x="979426" y="713603"/>
-                  </a:lnTo>
-                  <a:lnTo>
-                    <a:pt x="1023946" y="656028"/>
-                  </a:lnTo>
-                  <a:lnTo>
-                    <a:pt x="1068465" y="598454"/>
-                  </a:lnTo>
-                  <a:lnTo>
-                    <a:pt x="1112985" y="540880"/>
-                  </a:lnTo>
-                  <a:lnTo>
-                    <a:pt x="1157504" y="483305"/>
-                  </a:lnTo>
-                  <a:lnTo>
-                    <a:pt x="1202023" y="425731"/>
-                  </a:lnTo>
-                  <a:lnTo>
-                    <a:pt x="1246543" y="368157"/>
-                  </a:lnTo>
-                  <a:lnTo>
-                    <a:pt x="1291062" y="310582"/>
-                  </a:lnTo>
-                  <a:lnTo>
-                    <a:pt x="1233763" y="267807"/>
-                  </a:lnTo>
-                  <a:lnTo>
-                    <a:pt x="1175048" y="226997"/>
-                  </a:lnTo>
-                  <a:lnTo>
-                    <a:pt x="1114984" y="188200"/>
-                  </a:lnTo>
-                  <a:lnTo>
-                    <a:pt x="1053641" y="151459"/>
-                  </a:lnTo>
-                  <a:lnTo>
-                    <a:pt x="991088" y="116817"/>
-                  </a:lnTo>
-                  <a:lnTo>
-                    <a:pt x="927397" y="84315"/>
-                  </a:lnTo>
-                  <a:lnTo>
-                    <a:pt x="862643" y="53988"/>
-                  </a:lnTo>
-                  <a:lnTo>
-                    <a:pt x="796898" y="25872"/>
-                  </a:lnTo>
-                  <a:lnTo>
-                    <a:pt x="730238" y="0"/>
-                  </a:lnTo>
-                  <a:lnTo>
-                    <a:pt x="705057" y="68284"/>
-                  </a:lnTo>
-                  <a:lnTo>
-                    <a:pt x="679877" y="136568"/>
-                  </a:lnTo>
-                  <a:lnTo>
-                    <a:pt x="654696" y="204852"/>
-                  </a:lnTo>
-                  <a:lnTo>
-                    <a:pt x="629515" y="273136"/>
-                  </a:lnTo>
-                  <a:lnTo>
-                    <a:pt x="604335" y="341420"/>
-                  </a:lnTo>
-                  <a:lnTo>
-                    <a:pt x="579154" y="409704"/>
-                  </a:lnTo>
-                  <a:lnTo>
-                    <a:pt x="553973" y="477988"/>
-                  </a:lnTo>
-                  <a:lnTo>
-                    <a:pt x="528793" y="546272"/>
-                  </a:lnTo>
-                  <a:lnTo>
-                    <a:pt x="503612" y="614556"/>
-                  </a:lnTo>
-                  <a:lnTo>
-                    <a:pt x="478432" y="682841"/>
-                  </a:lnTo>
-                  <a:lnTo>
-                    <a:pt x="453251" y="751125"/>
-                  </a:lnTo>
-                  <a:lnTo>
-                    <a:pt x="428070" y="819409"/>
-                  </a:lnTo>
-                  <a:lnTo>
-                    <a:pt x="402890" y="887693"/>
-                  </a:lnTo>
-                  <a:lnTo>
-                    <a:pt x="377709" y="955977"/>
-                  </a:lnTo>
-                  <a:lnTo>
-                    <a:pt x="352528" y="1024261"/>
-                  </a:lnTo>
-                  <a:lnTo>
-                    <a:pt x="327348" y="1092545"/>
-                  </a:lnTo>
-                  <a:lnTo>
-                    <a:pt x="302167" y="1160829"/>
-                  </a:lnTo>
-                  <a:lnTo>
-                    <a:pt x="276986" y="1229113"/>
-                  </a:lnTo>
-                  <a:lnTo>
-                    <a:pt x="251806" y="1297397"/>
-                  </a:lnTo>
-                  <a:lnTo>
-                    <a:pt x="226625" y="1365682"/>
-                  </a:lnTo>
-                  <a:lnTo>
-                    <a:pt x="201445" y="1433966"/>
-                  </a:lnTo>
-                  <a:lnTo>
-                    <a:pt x="176264" y="1502250"/>
-                  </a:lnTo>
-                  <a:lnTo>
-                    <a:pt x="151083" y="1570534"/>
-                  </a:lnTo>
-                  <a:lnTo>
-                    <a:pt x="125903" y="1638818"/>
-                  </a:lnTo>
-                  <a:lnTo>
-                    <a:pt x="100722" y="1707102"/>
-                  </a:lnTo>
-                  <a:lnTo>
-                    <a:pt x="75541" y="1775386"/>
-                  </a:lnTo>
-                  <a:lnTo>
-                    <a:pt x="50361" y="1843670"/>
-                  </a:lnTo>
-                  <a:lnTo>
-                    <a:pt x="25180" y="1911954"/>
+                    <a:pt x="39614" y="1710829"/>
+                  </a:lnTo>
+                  <a:lnTo>
+                    <a:pt x="79228" y="1659598"/>
+                  </a:lnTo>
+                  <a:lnTo>
+                    <a:pt x="118843" y="1608367"/>
+                  </a:lnTo>
+                  <a:lnTo>
+                    <a:pt x="158457" y="1557136"/>
+                  </a:lnTo>
+                  <a:lnTo>
+                    <a:pt x="198071" y="1505905"/>
+                  </a:lnTo>
+                  <a:lnTo>
+                    <a:pt x="237686" y="1454674"/>
+                  </a:lnTo>
+                  <a:lnTo>
+                    <a:pt x="277300" y="1403443"/>
+                  </a:lnTo>
+                  <a:lnTo>
+                    <a:pt x="316914" y="1352212"/>
+                  </a:lnTo>
+                  <a:lnTo>
+                    <a:pt x="356529" y="1300981"/>
+                  </a:lnTo>
+                  <a:lnTo>
+                    <a:pt x="396143" y="1249750"/>
+                  </a:lnTo>
+                  <a:lnTo>
+                    <a:pt x="435757" y="1198519"/>
+                  </a:lnTo>
+                  <a:lnTo>
+                    <a:pt x="475372" y="1147288"/>
+                  </a:lnTo>
+                  <a:lnTo>
+                    <a:pt x="514986" y="1096058"/>
+                  </a:lnTo>
+                  <a:lnTo>
+                    <a:pt x="554600" y="1044827"/>
+                  </a:lnTo>
+                  <a:lnTo>
+                    <a:pt x="594215" y="993596"/>
+                  </a:lnTo>
+                  <a:lnTo>
+                    <a:pt x="633829" y="942365"/>
+                  </a:lnTo>
+                  <a:lnTo>
+                    <a:pt x="673443" y="891134"/>
+                  </a:lnTo>
+                  <a:lnTo>
+                    <a:pt x="713058" y="839903"/>
+                  </a:lnTo>
+                  <a:lnTo>
+                    <a:pt x="752672" y="788672"/>
+                  </a:lnTo>
+                  <a:lnTo>
+                    <a:pt x="792286" y="737441"/>
+                  </a:lnTo>
+                  <a:lnTo>
+                    <a:pt x="831901" y="686210"/>
+                  </a:lnTo>
+                  <a:lnTo>
+                    <a:pt x="871515" y="634979"/>
+                  </a:lnTo>
+                  <a:lnTo>
+                    <a:pt x="911129" y="583748"/>
+                  </a:lnTo>
+                  <a:lnTo>
+                    <a:pt x="950744" y="532517"/>
+                  </a:lnTo>
+                  <a:lnTo>
+                    <a:pt x="990358" y="481287"/>
+                  </a:lnTo>
+                  <a:lnTo>
+                    <a:pt x="1029972" y="430056"/>
+                  </a:lnTo>
+                  <a:lnTo>
+                    <a:pt x="1069587" y="378825"/>
+                  </a:lnTo>
+                  <a:lnTo>
+                    <a:pt x="1109201" y="327594"/>
+                  </a:lnTo>
+                  <a:lnTo>
+                    <a:pt x="1148815" y="276363"/>
+                  </a:lnTo>
+                  <a:lnTo>
+                    <a:pt x="1097829" y="238300"/>
+                  </a:lnTo>
+                  <a:lnTo>
+                    <a:pt x="1045583" y="201987"/>
+                  </a:lnTo>
+                  <a:lnTo>
+                    <a:pt x="992137" y="167464"/>
+                  </a:lnTo>
+                  <a:lnTo>
+                    <a:pt x="937553" y="134771"/>
+                  </a:lnTo>
+                  <a:lnTo>
+                    <a:pt x="881892" y="103947"/>
+                  </a:lnTo>
+                  <a:lnTo>
+                    <a:pt x="825218" y="75025"/>
+                  </a:lnTo>
+                  <a:lnTo>
+                    <a:pt x="767598" y="48040"/>
+                  </a:lnTo>
+                  <a:lnTo>
+                    <a:pt x="709097" y="23021"/>
+                  </a:lnTo>
+                  <a:lnTo>
+                    <a:pt x="649782" y="0"/>
+                  </a:lnTo>
+                  <a:lnTo>
+                    <a:pt x="627375" y="60760"/>
+                  </a:lnTo>
+                  <a:lnTo>
+                    <a:pt x="604969" y="121521"/>
+                  </a:lnTo>
+                  <a:lnTo>
+                    <a:pt x="582563" y="182282"/>
+                  </a:lnTo>
+                  <a:lnTo>
+                    <a:pt x="560156" y="243042"/>
+                  </a:lnTo>
+                  <a:lnTo>
+                    <a:pt x="537750" y="303803"/>
+                  </a:lnTo>
+                  <a:lnTo>
+                    <a:pt x="515344" y="364564"/>
+                  </a:lnTo>
+                  <a:lnTo>
+                    <a:pt x="492938" y="425324"/>
+                  </a:lnTo>
+                  <a:lnTo>
+                    <a:pt x="470531" y="486085"/>
+                  </a:lnTo>
+                  <a:lnTo>
+                    <a:pt x="448125" y="546846"/>
+                  </a:lnTo>
+                  <a:lnTo>
+                    <a:pt x="425719" y="607606"/>
+                  </a:lnTo>
+                  <a:lnTo>
+                    <a:pt x="403312" y="668367"/>
+                  </a:lnTo>
+                  <a:lnTo>
+                    <a:pt x="380906" y="729128"/>
+                  </a:lnTo>
+                  <a:lnTo>
+                    <a:pt x="358500" y="789888"/>
+                  </a:lnTo>
+                  <a:lnTo>
+                    <a:pt x="336094" y="850649"/>
+                  </a:lnTo>
+                  <a:lnTo>
+                    <a:pt x="313687" y="911410"/>
+                  </a:lnTo>
+                  <a:lnTo>
+                    <a:pt x="291281" y="972170"/>
+                  </a:lnTo>
+                  <a:lnTo>
+                    <a:pt x="268875" y="1032931"/>
+                  </a:lnTo>
+                  <a:lnTo>
+                    <a:pt x="246469" y="1093692"/>
+                  </a:lnTo>
+                  <a:lnTo>
+                    <a:pt x="224062" y="1154453"/>
+                  </a:lnTo>
+                  <a:lnTo>
+                    <a:pt x="201656" y="1215213"/>
+                  </a:lnTo>
+                  <a:lnTo>
+                    <a:pt x="179250" y="1275974"/>
+                  </a:lnTo>
+                  <a:lnTo>
+                    <a:pt x="156843" y="1336735"/>
+                  </a:lnTo>
+                  <a:lnTo>
+                    <a:pt x="134437" y="1397495"/>
+                  </a:lnTo>
+                  <a:lnTo>
+                    <a:pt x="112031" y="1458256"/>
+                  </a:lnTo>
+                  <a:lnTo>
+                    <a:pt x="89625" y="1519017"/>
+                  </a:lnTo>
+                  <a:lnTo>
+                    <a:pt x="67218" y="1579777"/>
+                  </a:lnTo>
+                  <a:lnTo>
+                    <a:pt x="44812" y="1640538"/>
+                  </a:lnTo>
+                  <a:lnTo>
+                    <a:pt x="22406" y="1701299"/>
                   </a:lnTo>
                   <a:close/>
                 </a:path>
@@ -4988,216 +5442,216 @@
           </p:nvSpPr>
           <p:spPr>
             <a:xfrm>
-              <a:off x="4539318" y="2291222"/>
-              <a:ext cx="1798773" cy="1669656"/>
+              <a:off x="4539318" y="2184506"/>
+              <a:ext cx="1600587" cy="1485696"/>
             </a:xfrm>
             <a:custGeom>
               <a:avLst/>
               <a:pathLst>
-                <a:path w="1798773" h="1669656">
+                <a:path w="1600587" h="1485696">
                   <a:moveTo>
-                    <a:pt x="0" y="1669656"/>
+                    <a:pt x="0" y="1485696"/>
                   </a:moveTo>
                   <a:lnTo>
-                    <a:pt x="62026" y="1631584"/>
-                  </a:lnTo>
-                  <a:lnTo>
-                    <a:pt x="124053" y="1593512"/>
-                  </a:lnTo>
-                  <a:lnTo>
-                    <a:pt x="186079" y="1555440"/>
-                  </a:lnTo>
-                  <a:lnTo>
-                    <a:pt x="248106" y="1517368"/>
-                  </a:lnTo>
-                  <a:lnTo>
-                    <a:pt x="310133" y="1479296"/>
-                  </a:lnTo>
-                  <a:lnTo>
-                    <a:pt x="372159" y="1441224"/>
-                  </a:lnTo>
-                  <a:lnTo>
-                    <a:pt x="434186" y="1403152"/>
-                  </a:lnTo>
-                  <a:lnTo>
-                    <a:pt x="496213" y="1365080"/>
-                  </a:lnTo>
-                  <a:lnTo>
-                    <a:pt x="558239" y="1327008"/>
-                  </a:lnTo>
-                  <a:lnTo>
-                    <a:pt x="620266" y="1288936"/>
-                  </a:lnTo>
-                  <a:lnTo>
-                    <a:pt x="682293" y="1250864"/>
-                  </a:lnTo>
-                  <a:lnTo>
-                    <a:pt x="744319" y="1212792"/>
-                  </a:lnTo>
-                  <a:lnTo>
-                    <a:pt x="806346" y="1174720"/>
-                  </a:lnTo>
-                  <a:lnTo>
-                    <a:pt x="868373" y="1136648"/>
-                  </a:lnTo>
-                  <a:lnTo>
-                    <a:pt x="930399" y="1098576"/>
-                  </a:lnTo>
-                  <a:lnTo>
-                    <a:pt x="992426" y="1060504"/>
-                  </a:lnTo>
-                  <a:lnTo>
-                    <a:pt x="1054453" y="1022432"/>
-                  </a:lnTo>
-                  <a:lnTo>
-                    <a:pt x="1116479" y="984360"/>
-                  </a:lnTo>
-                  <a:lnTo>
-                    <a:pt x="1178506" y="946288"/>
-                  </a:lnTo>
-                  <a:lnTo>
-                    <a:pt x="1240533" y="908216"/>
-                  </a:lnTo>
-                  <a:lnTo>
-                    <a:pt x="1302559" y="870144"/>
-                  </a:lnTo>
-                  <a:lnTo>
-                    <a:pt x="1364586" y="832072"/>
-                  </a:lnTo>
-                  <a:lnTo>
-                    <a:pt x="1426613" y="794000"/>
-                  </a:lnTo>
-                  <a:lnTo>
-                    <a:pt x="1488639" y="755928"/>
-                  </a:lnTo>
-                  <a:lnTo>
-                    <a:pt x="1550666" y="717856"/>
-                  </a:lnTo>
-                  <a:lnTo>
-                    <a:pt x="1612693" y="679784"/>
-                  </a:lnTo>
-                  <a:lnTo>
-                    <a:pt x="1674719" y="641712"/>
-                  </a:lnTo>
-                  <a:lnTo>
-                    <a:pt x="1736746" y="603640"/>
-                  </a:lnTo>
-                  <a:lnTo>
-                    <a:pt x="1798773" y="565568"/>
-                  </a:lnTo>
-                  <a:lnTo>
-                    <a:pt x="1757626" y="501177"/>
-                  </a:lnTo>
-                  <a:lnTo>
-                    <a:pt x="1714176" y="438317"/>
-                  </a:lnTo>
-                  <a:lnTo>
-                    <a:pt x="1668478" y="377072"/>
-                  </a:lnTo>
-                  <a:lnTo>
-                    <a:pt x="1620594" y="317521"/>
-                  </a:lnTo>
-                  <a:lnTo>
-                    <a:pt x="1570585" y="259742"/>
-                  </a:lnTo>
-                  <a:lnTo>
-                    <a:pt x="1518517" y="203812"/>
-                  </a:lnTo>
-                  <a:lnTo>
-                    <a:pt x="1464459" y="149803"/>
-                  </a:lnTo>
-                  <a:lnTo>
-                    <a:pt x="1408481" y="97786"/>
-                  </a:lnTo>
-                  <a:lnTo>
-                    <a:pt x="1350657" y="47830"/>
-                  </a:lnTo>
-                  <a:lnTo>
-                    <a:pt x="1291062" y="0"/>
-                  </a:lnTo>
-                  <a:lnTo>
-                    <a:pt x="1246543" y="57574"/>
-                  </a:lnTo>
-                  <a:lnTo>
-                    <a:pt x="1202023" y="115148"/>
-                  </a:lnTo>
-                  <a:lnTo>
-                    <a:pt x="1157504" y="172723"/>
-                  </a:lnTo>
-                  <a:lnTo>
-                    <a:pt x="1112985" y="230297"/>
-                  </a:lnTo>
-                  <a:lnTo>
-                    <a:pt x="1068465" y="287871"/>
-                  </a:lnTo>
-                  <a:lnTo>
-                    <a:pt x="1023946" y="345446"/>
-                  </a:lnTo>
-                  <a:lnTo>
-                    <a:pt x="979426" y="403020"/>
-                  </a:lnTo>
-                  <a:lnTo>
-                    <a:pt x="934907" y="460594"/>
-                  </a:lnTo>
-                  <a:lnTo>
-                    <a:pt x="890388" y="518169"/>
-                  </a:lnTo>
-                  <a:lnTo>
-                    <a:pt x="845868" y="575743"/>
-                  </a:lnTo>
-                  <a:lnTo>
-                    <a:pt x="801349" y="633317"/>
-                  </a:lnTo>
-                  <a:lnTo>
-                    <a:pt x="756829" y="690892"/>
-                  </a:lnTo>
-                  <a:lnTo>
-                    <a:pt x="712310" y="748466"/>
-                  </a:lnTo>
-                  <a:lnTo>
-                    <a:pt x="667791" y="806040"/>
-                  </a:lnTo>
-                  <a:lnTo>
-                    <a:pt x="623271" y="863615"/>
-                  </a:lnTo>
-                  <a:lnTo>
-                    <a:pt x="578752" y="921189"/>
-                  </a:lnTo>
-                  <a:lnTo>
-                    <a:pt x="534232" y="978763"/>
-                  </a:lnTo>
-                  <a:lnTo>
-                    <a:pt x="489713" y="1036338"/>
-                  </a:lnTo>
-                  <a:lnTo>
-                    <a:pt x="445194" y="1093912"/>
-                  </a:lnTo>
-                  <a:lnTo>
-                    <a:pt x="400674" y="1151487"/>
-                  </a:lnTo>
-                  <a:lnTo>
-                    <a:pt x="356155" y="1209061"/>
-                  </a:lnTo>
-                  <a:lnTo>
-                    <a:pt x="311635" y="1266635"/>
-                  </a:lnTo>
-                  <a:lnTo>
-                    <a:pt x="267116" y="1324210"/>
-                  </a:lnTo>
-                  <a:lnTo>
-                    <a:pt x="222597" y="1381784"/>
-                  </a:lnTo>
-                  <a:lnTo>
-                    <a:pt x="178077" y="1439358"/>
-                  </a:lnTo>
-                  <a:lnTo>
-                    <a:pt x="133558" y="1496933"/>
-                  </a:lnTo>
-                  <a:lnTo>
-                    <a:pt x="89038" y="1554507"/>
-                  </a:lnTo>
-                  <a:lnTo>
-                    <a:pt x="44519" y="1612081"/>
+                    <a:pt x="55192" y="1451819"/>
+                  </a:lnTo>
+                  <a:lnTo>
+                    <a:pt x="110385" y="1417941"/>
+                  </a:lnTo>
+                  <a:lnTo>
+                    <a:pt x="165578" y="1384064"/>
+                  </a:lnTo>
+                  <a:lnTo>
+                    <a:pt x="220770" y="1350187"/>
+                  </a:lnTo>
+                  <a:lnTo>
+                    <a:pt x="275963" y="1316310"/>
+                  </a:lnTo>
+                  <a:lnTo>
+                    <a:pt x="331156" y="1282432"/>
+                  </a:lnTo>
+                  <a:lnTo>
+                    <a:pt x="386348" y="1248555"/>
+                  </a:lnTo>
+                  <a:lnTo>
+                    <a:pt x="441541" y="1214678"/>
+                  </a:lnTo>
+                  <a:lnTo>
+                    <a:pt x="496734" y="1180800"/>
+                  </a:lnTo>
+                  <a:lnTo>
+                    <a:pt x="551926" y="1146923"/>
+                  </a:lnTo>
+                  <a:lnTo>
+                    <a:pt x="607119" y="1113046"/>
+                  </a:lnTo>
+                  <a:lnTo>
+                    <a:pt x="662312" y="1079168"/>
+                  </a:lnTo>
+                  <a:lnTo>
+                    <a:pt x="717504" y="1045291"/>
+                  </a:lnTo>
+                  <a:lnTo>
+                    <a:pt x="772697" y="1011414"/>
+                  </a:lnTo>
+                  <a:lnTo>
+                    <a:pt x="827890" y="977537"/>
+                  </a:lnTo>
+                  <a:lnTo>
+                    <a:pt x="883082" y="943659"/>
+                  </a:lnTo>
+                  <a:lnTo>
+                    <a:pt x="938275" y="909782"/>
+                  </a:lnTo>
+                  <a:lnTo>
+                    <a:pt x="993468" y="875905"/>
+                  </a:lnTo>
+                  <a:lnTo>
+                    <a:pt x="1048660" y="842027"/>
+                  </a:lnTo>
+                  <a:lnTo>
+                    <a:pt x="1103853" y="808150"/>
+                  </a:lnTo>
+                  <a:lnTo>
+                    <a:pt x="1159046" y="774273"/>
+                  </a:lnTo>
+                  <a:lnTo>
+                    <a:pt x="1214238" y="740396"/>
+                  </a:lnTo>
+                  <a:lnTo>
+                    <a:pt x="1269431" y="706518"/>
+                  </a:lnTo>
+                  <a:lnTo>
+                    <a:pt x="1324624" y="672641"/>
+                  </a:lnTo>
+                  <a:lnTo>
+                    <a:pt x="1379816" y="638764"/>
+                  </a:lnTo>
+                  <a:lnTo>
+                    <a:pt x="1435009" y="604886"/>
+                  </a:lnTo>
+                  <a:lnTo>
+                    <a:pt x="1490202" y="571009"/>
+                  </a:lnTo>
+                  <a:lnTo>
+                    <a:pt x="1545394" y="537132"/>
+                  </a:lnTo>
+                  <a:lnTo>
+                    <a:pt x="1600587" y="503254"/>
+                  </a:lnTo>
+                  <a:lnTo>
+                    <a:pt x="1563974" y="445958"/>
+                  </a:lnTo>
+                  <a:lnTo>
+                    <a:pt x="1525311" y="390024"/>
+                  </a:lnTo>
+                  <a:lnTo>
+                    <a:pt x="1484648" y="335527"/>
+                  </a:lnTo>
+                  <a:lnTo>
+                    <a:pt x="1442040" y="282537"/>
+                  </a:lnTo>
+                  <a:lnTo>
+                    <a:pt x="1397541" y="231124"/>
+                  </a:lnTo>
+                  <a:lnTo>
+                    <a:pt x="1351210" y="181356"/>
+                  </a:lnTo>
+                  <a:lnTo>
+                    <a:pt x="1303107" y="133298"/>
+                  </a:lnTo>
+                  <a:lnTo>
+                    <a:pt x="1253297" y="87012"/>
+                  </a:lnTo>
+                  <a:lnTo>
+                    <a:pt x="1201844" y="42560"/>
+                  </a:lnTo>
+                  <a:lnTo>
+                    <a:pt x="1148815" y="0"/>
+                  </a:lnTo>
+                  <a:lnTo>
+                    <a:pt x="1109201" y="51230"/>
+                  </a:lnTo>
+                  <a:lnTo>
+                    <a:pt x="1069587" y="102461"/>
+                  </a:lnTo>
+                  <a:lnTo>
+                    <a:pt x="1029972" y="153692"/>
+                  </a:lnTo>
+                  <a:lnTo>
+                    <a:pt x="990358" y="204923"/>
+                  </a:lnTo>
+                  <a:lnTo>
+                    <a:pt x="950744" y="256154"/>
+                  </a:lnTo>
+                  <a:lnTo>
+                    <a:pt x="911129" y="307385"/>
+                  </a:lnTo>
+                  <a:lnTo>
+                    <a:pt x="871515" y="358616"/>
+                  </a:lnTo>
+                  <a:lnTo>
+                    <a:pt x="831901" y="409847"/>
+                  </a:lnTo>
+                  <a:lnTo>
+                    <a:pt x="792286" y="461078"/>
+                  </a:lnTo>
+                  <a:lnTo>
+                    <a:pt x="752672" y="512309"/>
+                  </a:lnTo>
+                  <a:lnTo>
+                    <a:pt x="713058" y="563540"/>
+                  </a:lnTo>
+                  <a:lnTo>
+                    <a:pt x="673443" y="614770"/>
+                  </a:lnTo>
+                  <a:lnTo>
+                    <a:pt x="633829" y="666001"/>
+                  </a:lnTo>
+                  <a:lnTo>
+                    <a:pt x="594215" y="717232"/>
+                  </a:lnTo>
+                  <a:lnTo>
+                    <a:pt x="554600" y="768463"/>
+                  </a:lnTo>
+                  <a:lnTo>
+                    <a:pt x="514986" y="819694"/>
+                  </a:lnTo>
+                  <a:lnTo>
+                    <a:pt x="475372" y="870925"/>
+                  </a:lnTo>
+                  <a:lnTo>
+                    <a:pt x="435757" y="922156"/>
+                  </a:lnTo>
+                  <a:lnTo>
+                    <a:pt x="396143" y="973387"/>
+                  </a:lnTo>
+                  <a:lnTo>
+                    <a:pt x="356529" y="1024618"/>
+                  </a:lnTo>
+                  <a:lnTo>
+                    <a:pt x="316914" y="1075849"/>
+                  </a:lnTo>
+                  <a:lnTo>
+                    <a:pt x="277300" y="1127080"/>
+                  </a:lnTo>
+                  <a:lnTo>
+                    <a:pt x="237686" y="1178311"/>
+                  </a:lnTo>
+                  <a:lnTo>
+                    <a:pt x="198071" y="1229541"/>
+                  </a:lnTo>
+                  <a:lnTo>
+                    <a:pt x="158457" y="1280772"/>
+                  </a:lnTo>
+                  <a:lnTo>
+                    <a:pt x="118843" y="1332003"/>
+                  </a:lnTo>
+                  <a:lnTo>
+                    <a:pt x="79228" y="1383234"/>
+                  </a:lnTo>
+                  <a:lnTo>
+                    <a:pt x="39614" y="1434465"/>
                   </a:lnTo>
                   <a:close/>
                 </a:path>
@@ -5232,216 +5686,216 @@
           </p:nvSpPr>
           <p:spPr>
             <a:xfrm>
-              <a:off x="4539318" y="2856790"/>
-              <a:ext cx="2069997" cy="1104087"/>
+              <a:off x="4539318" y="2687760"/>
+              <a:ext cx="1841929" cy="982441"/>
             </a:xfrm>
             <a:custGeom>
               <a:avLst/>
               <a:pathLst>
-                <a:path w="2069997" h="1104087">
+                <a:path w="1841929" h="982441">
                   <a:moveTo>
-                    <a:pt x="0" y="1104087"/>
+                    <a:pt x="0" y="982441"/>
                   </a:moveTo>
                   <a:lnTo>
-                    <a:pt x="71379" y="1089882"/>
-                  </a:lnTo>
-                  <a:lnTo>
-                    <a:pt x="142758" y="1075677"/>
-                  </a:lnTo>
-                  <a:lnTo>
-                    <a:pt x="214137" y="1061472"/>
-                  </a:lnTo>
-                  <a:lnTo>
-                    <a:pt x="285516" y="1047267"/>
-                  </a:lnTo>
-                  <a:lnTo>
-                    <a:pt x="356896" y="1033061"/>
-                  </a:lnTo>
-                  <a:lnTo>
-                    <a:pt x="428275" y="1018856"/>
-                  </a:lnTo>
-                  <a:lnTo>
-                    <a:pt x="499654" y="1004651"/>
-                  </a:lnTo>
-                  <a:lnTo>
-                    <a:pt x="571033" y="990446"/>
-                  </a:lnTo>
-                  <a:lnTo>
-                    <a:pt x="642413" y="976240"/>
-                  </a:lnTo>
-                  <a:lnTo>
-                    <a:pt x="713792" y="962035"/>
-                  </a:lnTo>
-                  <a:lnTo>
-                    <a:pt x="785171" y="947830"/>
-                  </a:lnTo>
-                  <a:lnTo>
-                    <a:pt x="856550" y="933625"/>
-                  </a:lnTo>
-                  <a:lnTo>
-                    <a:pt x="927930" y="919420"/>
-                  </a:lnTo>
-                  <a:lnTo>
-                    <a:pt x="999309" y="905214"/>
-                  </a:lnTo>
-                  <a:lnTo>
-                    <a:pt x="1070688" y="891009"/>
-                  </a:lnTo>
-                  <a:lnTo>
-                    <a:pt x="1142067" y="876804"/>
-                  </a:lnTo>
-                  <a:lnTo>
-                    <a:pt x="1213446" y="862599"/>
-                  </a:lnTo>
-                  <a:lnTo>
-                    <a:pt x="1284826" y="848393"/>
-                  </a:lnTo>
-                  <a:lnTo>
-                    <a:pt x="1356205" y="834188"/>
-                  </a:lnTo>
-                  <a:lnTo>
-                    <a:pt x="1427584" y="819983"/>
-                  </a:lnTo>
-                  <a:lnTo>
-                    <a:pt x="1498963" y="805778"/>
-                  </a:lnTo>
-                  <a:lnTo>
-                    <a:pt x="1570343" y="791573"/>
-                  </a:lnTo>
-                  <a:lnTo>
-                    <a:pt x="1641722" y="777367"/>
-                  </a:lnTo>
-                  <a:lnTo>
-                    <a:pt x="1713101" y="763162"/>
-                  </a:lnTo>
-                  <a:lnTo>
-                    <a:pt x="1784480" y="748957"/>
-                  </a:lnTo>
-                  <a:lnTo>
-                    <a:pt x="1855860" y="734752"/>
-                  </a:lnTo>
-                  <a:lnTo>
-                    <a:pt x="1927239" y="720547"/>
-                  </a:lnTo>
-                  <a:lnTo>
-                    <a:pt x="1998618" y="706341"/>
-                  </a:lnTo>
-                  <a:lnTo>
-                    <a:pt x="2069997" y="692136"/>
-                  </a:lnTo>
-                  <a:lnTo>
-                    <a:pt x="2054117" y="619119"/>
-                  </a:lnTo>
-                  <a:lnTo>
-                    <a:pt x="2035663" y="546710"/>
-                  </a:lnTo>
-                  <a:lnTo>
-                    <a:pt x="2014656" y="474999"/>
-                  </a:lnTo>
-                  <a:lnTo>
-                    <a:pt x="1991125" y="404077"/>
-                  </a:lnTo>
-                  <a:lnTo>
-                    <a:pt x="1965097" y="334033"/>
-                  </a:lnTo>
-                  <a:lnTo>
-                    <a:pt x="1936607" y="264953"/>
-                  </a:lnTo>
-                  <a:lnTo>
-                    <a:pt x="1905689" y="196926"/>
-                  </a:lnTo>
-                  <a:lnTo>
-                    <a:pt x="1872382" y="130035"/>
-                  </a:lnTo>
-                  <a:lnTo>
-                    <a:pt x="1836728" y="64366"/>
-                  </a:lnTo>
-                  <a:lnTo>
-                    <a:pt x="1798773" y="0"/>
-                  </a:lnTo>
-                  <a:lnTo>
-                    <a:pt x="1736746" y="38071"/>
-                  </a:lnTo>
-                  <a:lnTo>
-                    <a:pt x="1674719" y="76143"/>
-                  </a:lnTo>
-                  <a:lnTo>
-                    <a:pt x="1612693" y="114215"/>
-                  </a:lnTo>
-                  <a:lnTo>
-                    <a:pt x="1550666" y="152287"/>
-                  </a:lnTo>
-                  <a:lnTo>
-                    <a:pt x="1488639" y="190359"/>
-                  </a:lnTo>
-                  <a:lnTo>
-                    <a:pt x="1426613" y="228431"/>
-                  </a:lnTo>
-                  <a:lnTo>
-                    <a:pt x="1364586" y="266503"/>
-                  </a:lnTo>
-                  <a:lnTo>
-                    <a:pt x="1302559" y="304575"/>
-                  </a:lnTo>
-                  <a:lnTo>
-                    <a:pt x="1240533" y="342647"/>
-                  </a:lnTo>
-                  <a:lnTo>
-                    <a:pt x="1178506" y="380719"/>
-                  </a:lnTo>
-                  <a:lnTo>
-                    <a:pt x="1116479" y="418791"/>
-                  </a:lnTo>
-                  <a:lnTo>
-                    <a:pt x="1054453" y="456863"/>
-                  </a:lnTo>
-                  <a:lnTo>
-                    <a:pt x="992426" y="494935"/>
-                  </a:lnTo>
-                  <a:lnTo>
-                    <a:pt x="930399" y="533007"/>
-                  </a:lnTo>
-                  <a:lnTo>
-                    <a:pt x="868373" y="571079"/>
-                  </a:lnTo>
-                  <a:lnTo>
-                    <a:pt x="806346" y="609151"/>
-                  </a:lnTo>
-                  <a:lnTo>
-                    <a:pt x="744319" y="647223"/>
-                  </a:lnTo>
-                  <a:lnTo>
-                    <a:pt x="682293" y="685295"/>
-                  </a:lnTo>
-                  <a:lnTo>
-                    <a:pt x="620266" y="723367"/>
-                  </a:lnTo>
-                  <a:lnTo>
-                    <a:pt x="558239" y="761439"/>
-                  </a:lnTo>
-                  <a:lnTo>
-                    <a:pt x="496213" y="799511"/>
-                  </a:lnTo>
-                  <a:lnTo>
-                    <a:pt x="434186" y="837583"/>
-                  </a:lnTo>
-                  <a:lnTo>
-                    <a:pt x="372159" y="875655"/>
-                  </a:lnTo>
-                  <a:lnTo>
-                    <a:pt x="310133" y="913727"/>
-                  </a:lnTo>
-                  <a:lnTo>
-                    <a:pt x="248106" y="951799"/>
-                  </a:lnTo>
-                  <a:lnTo>
-                    <a:pt x="186079" y="989871"/>
-                  </a:lnTo>
-                  <a:lnTo>
-                    <a:pt x="124053" y="1027943"/>
-                  </a:lnTo>
-                  <a:lnTo>
-                    <a:pt x="62026" y="1066015"/>
+                    <a:pt x="63514" y="969801"/>
+                  </a:lnTo>
+                  <a:lnTo>
+                    <a:pt x="127029" y="957161"/>
+                  </a:lnTo>
+                  <a:lnTo>
+                    <a:pt x="190544" y="944521"/>
+                  </a:lnTo>
+                  <a:lnTo>
+                    <a:pt x="254059" y="931881"/>
+                  </a:lnTo>
+                  <a:lnTo>
+                    <a:pt x="317574" y="919240"/>
+                  </a:lnTo>
+                  <a:lnTo>
+                    <a:pt x="381088" y="906600"/>
+                  </a:lnTo>
+                  <a:lnTo>
+                    <a:pt x="444603" y="893960"/>
+                  </a:lnTo>
+                  <a:lnTo>
+                    <a:pt x="508118" y="881320"/>
+                  </a:lnTo>
+                  <a:lnTo>
+                    <a:pt x="571633" y="868680"/>
+                  </a:lnTo>
+                  <a:lnTo>
+                    <a:pt x="635148" y="856040"/>
+                  </a:lnTo>
+                  <a:lnTo>
+                    <a:pt x="698662" y="843400"/>
+                  </a:lnTo>
+                  <a:lnTo>
+                    <a:pt x="762177" y="830760"/>
+                  </a:lnTo>
+                  <a:lnTo>
+                    <a:pt x="825692" y="818120"/>
+                  </a:lnTo>
+                  <a:lnTo>
+                    <a:pt x="889207" y="805479"/>
+                  </a:lnTo>
+                  <a:lnTo>
+                    <a:pt x="952722" y="792839"/>
+                  </a:lnTo>
+                  <a:lnTo>
+                    <a:pt x="1016236" y="780199"/>
+                  </a:lnTo>
+                  <a:lnTo>
+                    <a:pt x="1079751" y="767559"/>
+                  </a:lnTo>
+                  <a:lnTo>
+                    <a:pt x="1143266" y="754919"/>
+                  </a:lnTo>
+                  <a:lnTo>
+                    <a:pt x="1206781" y="742279"/>
+                  </a:lnTo>
+                  <a:lnTo>
+                    <a:pt x="1270296" y="729639"/>
+                  </a:lnTo>
+                  <a:lnTo>
+                    <a:pt x="1333810" y="716999"/>
+                  </a:lnTo>
+                  <a:lnTo>
+                    <a:pt x="1397325" y="704359"/>
+                  </a:lnTo>
+                  <a:lnTo>
+                    <a:pt x="1460840" y="691718"/>
+                  </a:lnTo>
+                  <a:lnTo>
+                    <a:pt x="1524355" y="679078"/>
+                  </a:lnTo>
+                  <a:lnTo>
+                    <a:pt x="1587870" y="666438"/>
+                  </a:lnTo>
+                  <a:lnTo>
+                    <a:pt x="1651384" y="653798"/>
+                  </a:lnTo>
+                  <a:lnTo>
+                    <a:pt x="1714899" y="641158"/>
+                  </a:lnTo>
+                  <a:lnTo>
+                    <a:pt x="1778414" y="628518"/>
+                  </a:lnTo>
+                  <a:lnTo>
+                    <a:pt x="1841929" y="615878"/>
+                  </a:lnTo>
+                  <a:lnTo>
+                    <a:pt x="1827798" y="550906"/>
+                  </a:lnTo>
+                  <a:lnTo>
+                    <a:pt x="1811377" y="486474"/>
+                  </a:lnTo>
+                  <a:lnTo>
+                    <a:pt x="1792685" y="422665"/>
+                  </a:lnTo>
+                  <a:lnTo>
+                    <a:pt x="1771746" y="359557"/>
+                  </a:lnTo>
+                  <a:lnTo>
+                    <a:pt x="1748587" y="297229"/>
+                  </a:lnTo>
+                  <a:lnTo>
+                    <a:pt x="1723235" y="235761"/>
+                  </a:lnTo>
+                  <a:lnTo>
+                    <a:pt x="1695724" y="175229"/>
+                  </a:lnTo>
+                  <a:lnTo>
+                    <a:pt x="1666087" y="115708"/>
+                  </a:lnTo>
+                  <a:lnTo>
+                    <a:pt x="1634361" y="57274"/>
+                  </a:lnTo>
+                  <a:lnTo>
+                    <a:pt x="1600587" y="0"/>
+                  </a:lnTo>
+                  <a:lnTo>
+                    <a:pt x="1545394" y="33877"/>
+                  </a:lnTo>
+                  <a:lnTo>
+                    <a:pt x="1490202" y="67754"/>
+                  </a:lnTo>
+                  <a:lnTo>
+                    <a:pt x="1435009" y="101631"/>
+                  </a:lnTo>
+                  <a:lnTo>
+                    <a:pt x="1379816" y="135509"/>
+                  </a:lnTo>
+                  <a:lnTo>
+                    <a:pt x="1324624" y="169386"/>
+                  </a:lnTo>
+                  <a:lnTo>
+                    <a:pt x="1269431" y="203263"/>
+                  </a:lnTo>
+                  <a:lnTo>
+                    <a:pt x="1214238" y="237141"/>
+                  </a:lnTo>
+                  <a:lnTo>
+                    <a:pt x="1159046" y="271018"/>
+                  </a:lnTo>
+                  <a:lnTo>
+                    <a:pt x="1103853" y="304895"/>
+                  </a:lnTo>
+                  <a:lnTo>
+                    <a:pt x="1048660" y="338772"/>
+                  </a:lnTo>
+                  <a:lnTo>
+                    <a:pt x="993468" y="372650"/>
+                  </a:lnTo>
+                  <a:lnTo>
+                    <a:pt x="938275" y="406527"/>
+                  </a:lnTo>
+                  <a:lnTo>
+                    <a:pt x="883082" y="440404"/>
+                  </a:lnTo>
+                  <a:lnTo>
+                    <a:pt x="827890" y="474282"/>
+                  </a:lnTo>
+                  <a:lnTo>
+                    <a:pt x="772697" y="508159"/>
+                  </a:lnTo>
+                  <a:lnTo>
+                    <a:pt x="717504" y="542036"/>
+                  </a:lnTo>
+                  <a:lnTo>
+                    <a:pt x="662312" y="575914"/>
+                  </a:lnTo>
+                  <a:lnTo>
+                    <a:pt x="607119" y="609791"/>
+                  </a:lnTo>
+                  <a:lnTo>
+                    <a:pt x="551926" y="643668"/>
+                  </a:lnTo>
+                  <a:lnTo>
+                    <a:pt x="496734" y="677545"/>
+                  </a:lnTo>
+                  <a:lnTo>
+                    <a:pt x="441541" y="711423"/>
+                  </a:lnTo>
+                  <a:lnTo>
+                    <a:pt x="386348" y="745300"/>
+                  </a:lnTo>
+                  <a:lnTo>
+                    <a:pt x="331156" y="779177"/>
+                  </a:lnTo>
+                  <a:lnTo>
+                    <a:pt x="275963" y="813055"/>
+                  </a:lnTo>
+                  <a:lnTo>
+                    <a:pt x="220770" y="846932"/>
+                  </a:lnTo>
+                  <a:lnTo>
+                    <a:pt x="165578" y="880809"/>
+                  </a:lnTo>
+                  <a:lnTo>
+                    <a:pt x="110385" y="914686"/>
+                  </a:lnTo>
+                  <a:lnTo>
+                    <a:pt x="55192" y="948564"/>
                   </a:lnTo>
                   <a:close/>
                 </a:path>
@@ -5476,225 +5930,225 @@
           </p:nvSpPr>
           <p:spPr>
             <a:xfrm>
-              <a:off x="4539318" y="3548927"/>
-              <a:ext cx="2110462" cy="940366"/>
+              <a:off x="4539318" y="3303639"/>
+              <a:ext cx="1877936" cy="836758"/>
             </a:xfrm>
             <a:custGeom>
               <a:avLst/>
               <a:pathLst>
-                <a:path w="2110462" h="940366">
+                <a:path w="1877936" h="836758">
                   <a:moveTo>
-                    <a:pt x="0" y="411951"/>
+                    <a:pt x="0" y="366563"/>
                   </a:moveTo>
                   <a:lnTo>
-                    <a:pt x="70461" y="430172"/>
-                  </a:lnTo>
-                  <a:lnTo>
-                    <a:pt x="140922" y="448393"/>
-                  </a:lnTo>
-                  <a:lnTo>
-                    <a:pt x="211383" y="466615"/>
-                  </a:lnTo>
-                  <a:lnTo>
-                    <a:pt x="281844" y="484836"/>
-                  </a:lnTo>
-                  <a:lnTo>
-                    <a:pt x="352305" y="503057"/>
-                  </a:lnTo>
-                  <a:lnTo>
-                    <a:pt x="422766" y="521278"/>
-                  </a:lnTo>
-                  <a:lnTo>
-                    <a:pt x="493227" y="539499"/>
-                  </a:lnTo>
-                  <a:lnTo>
-                    <a:pt x="563689" y="557721"/>
-                  </a:lnTo>
-                  <a:lnTo>
-                    <a:pt x="634150" y="575942"/>
-                  </a:lnTo>
-                  <a:lnTo>
-                    <a:pt x="704611" y="594163"/>
-                  </a:lnTo>
-                  <a:lnTo>
-                    <a:pt x="775072" y="612384"/>
-                  </a:lnTo>
-                  <a:lnTo>
-                    <a:pt x="845533" y="630605"/>
-                  </a:lnTo>
-                  <a:lnTo>
-                    <a:pt x="915994" y="648827"/>
-                  </a:lnTo>
-                  <a:lnTo>
-                    <a:pt x="986455" y="667048"/>
-                  </a:lnTo>
-                  <a:lnTo>
-                    <a:pt x="1056916" y="685269"/>
-                  </a:lnTo>
-                  <a:lnTo>
-                    <a:pt x="1127378" y="703490"/>
-                  </a:lnTo>
-                  <a:lnTo>
-                    <a:pt x="1197839" y="721712"/>
-                  </a:lnTo>
-                  <a:lnTo>
-                    <a:pt x="1268300" y="739933"/>
-                  </a:lnTo>
-                  <a:lnTo>
-                    <a:pt x="1338761" y="758154"/>
-                  </a:lnTo>
-                  <a:lnTo>
-                    <a:pt x="1409222" y="776375"/>
-                  </a:lnTo>
-                  <a:lnTo>
-                    <a:pt x="1479683" y="794596"/>
-                  </a:lnTo>
-                  <a:lnTo>
-                    <a:pt x="1550144" y="812818"/>
-                  </a:lnTo>
-                  <a:lnTo>
-                    <a:pt x="1620605" y="831039"/>
-                  </a:lnTo>
-                  <a:lnTo>
-                    <a:pt x="1691067" y="849260"/>
-                  </a:lnTo>
-                  <a:lnTo>
-                    <a:pt x="1761528" y="867481"/>
-                  </a:lnTo>
-                  <a:lnTo>
-                    <a:pt x="1831989" y="885703"/>
-                  </a:lnTo>
-                  <a:lnTo>
-                    <a:pt x="1902450" y="903924"/>
-                  </a:lnTo>
-                  <a:lnTo>
-                    <a:pt x="1972911" y="922145"/>
-                  </a:lnTo>
-                  <a:lnTo>
-                    <a:pt x="2043372" y="940366"/>
-                  </a:lnTo>
-                  <a:lnTo>
-                    <a:pt x="2060418" y="869411"/>
-                  </a:lnTo>
-                  <a:lnTo>
-                    <a:pt x="2075001" y="797909"/>
-                  </a:lnTo>
-                  <a:lnTo>
-                    <a:pt x="2087103" y="725945"/>
-                  </a:lnTo>
-                  <a:lnTo>
-                    <a:pt x="2096711" y="653606"/>
-                  </a:lnTo>
-                  <a:lnTo>
-                    <a:pt x="2103811" y="580979"/>
-                  </a:lnTo>
-                  <a:lnTo>
-                    <a:pt x="2108397" y="508149"/>
-                  </a:lnTo>
-                  <a:lnTo>
-                    <a:pt x="2110462" y="435204"/>
-                  </a:lnTo>
-                  <a:lnTo>
-                    <a:pt x="2110005" y="362231"/>
-                  </a:lnTo>
-                  <a:lnTo>
-                    <a:pt x="2107025" y="289318"/>
-                  </a:lnTo>
-                  <a:lnTo>
-                    <a:pt x="2101526" y="216551"/>
-                  </a:lnTo>
-                  <a:lnTo>
-                    <a:pt x="2093515" y="144018"/>
-                  </a:lnTo>
-                  <a:lnTo>
-                    <a:pt x="2083001" y="71806"/>
-                  </a:lnTo>
-                  <a:lnTo>
-                    <a:pt x="2069997" y="0"/>
-                  </a:lnTo>
-                  <a:lnTo>
-                    <a:pt x="1998618" y="14205"/>
-                  </a:lnTo>
-                  <a:lnTo>
-                    <a:pt x="1927239" y="28410"/>
-                  </a:lnTo>
-                  <a:lnTo>
-                    <a:pt x="1855860" y="42615"/>
-                  </a:lnTo>
-                  <a:lnTo>
-                    <a:pt x="1784480" y="56820"/>
-                  </a:lnTo>
-                  <a:lnTo>
-                    <a:pt x="1713101" y="71026"/>
-                  </a:lnTo>
-                  <a:lnTo>
-                    <a:pt x="1641722" y="85231"/>
-                  </a:lnTo>
-                  <a:lnTo>
-                    <a:pt x="1570343" y="99436"/>
-                  </a:lnTo>
-                  <a:lnTo>
-                    <a:pt x="1498963" y="113641"/>
-                  </a:lnTo>
-                  <a:lnTo>
-                    <a:pt x="1427584" y="127846"/>
-                  </a:lnTo>
-                  <a:lnTo>
-                    <a:pt x="1356205" y="142052"/>
-                  </a:lnTo>
-                  <a:lnTo>
-                    <a:pt x="1284826" y="156257"/>
-                  </a:lnTo>
-                  <a:lnTo>
-                    <a:pt x="1213446" y="170462"/>
-                  </a:lnTo>
-                  <a:lnTo>
-                    <a:pt x="1142067" y="184667"/>
-                  </a:lnTo>
-                  <a:lnTo>
-                    <a:pt x="1070688" y="198873"/>
-                  </a:lnTo>
-                  <a:lnTo>
-                    <a:pt x="999309" y="213078"/>
-                  </a:lnTo>
-                  <a:lnTo>
-                    <a:pt x="927930" y="227283"/>
-                  </a:lnTo>
-                  <a:lnTo>
-                    <a:pt x="856550" y="241488"/>
-                  </a:lnTo>
-                  <a:lnTo>
-                    <a:pt x="785171" y="255693"/>
-                  </a:lnTo>
-                  <a:lnTo>
-                    <a:pt x="713792" y="269899"/>
-                  </a:lnTo>
-                  <a:lnTo>
-                    <a:pt x="642413" y="284104"/>
-                  </a:lnTo>
-                  <a:lnTo>
-                    <a:pt x="571033" y="298309"/>
-                  </a:lnTo>
-                  <a:lnTo>
-                    <a:pt x="499654" y="312514"/>
-                  </a:lnTo>
-                  <a:lnTo>
-                    <a:pt x="428275" y="326720"/>
-                  </a:lnTo>
-                  <a:lnTo>
-                    <a:pt x="356896" y="340925"/>
-                  </a:lnTo>
-                  <a:lnTo>
-                    <a:pt x="285516" y="355130"/>
-                  </a:lnTo>
-                  <a:lnTo>
-                    <a:pt x="214137" y="369335"/>
-                  </a:lnTo>
-                  <a:lnTo>
-                    <a:pt x="142758" y="383540"/>
-                  </a:lnTo>
-                  <a:lnTo>
-                    <a:pt x="71379" y="397746"/>
+                    <a:pt x="62697" y="382776"/>
+                  </a:lnTo>
+                  <a:lnTo>
+                    <a:pt x="125395" y="398990"/>
+                  </a:lnTo>
+                  <a:lnTo>
+                    <a:pt x="188093" y="415204"/>
+                  </a:lnTo>
+                  <a:lnTo>
+                    <a:pt x="250791" y="431417"/>
+                  </a:lnTo>
+                  <a:lnTo>
+                    <a:pt x="313489" y="447631"/>
+                  </a:lnTo>
+                  <a:lnTo>
+                    <a:pt x="376187" y="463845"/>
+                  </a:lnTo>
+                  <a:lnTo>
+                    <a:pt x="438884" y="480058"/>
+                  </a:lnTo>
+                  <a:lnTo>
+                    <a:pt x="501582" y="496272"/>
+                  </a:lnTo>
+                  <a:lnTo>
+                    <a:pt x="564280" y="512486"/>
+                  </a:lnTo>
+                  <a:lnTo>
+                    <a:pt x="626978" y="528699"/>
+                  </a:lnTo>
+                  <a:lnTo>
+                    <a:pt x="689676" y="544913"/>
+                  </a:lnTo>
+                  <a:lnTo>
+                    <a:pt x="752374" y="561126"/>
+                  </a:lnTo>
+                  <a:lnTo>
+                    <a:pt x="815072" y="577340"/>
+                  </a:lnTo>
+                  <a:lnTo>
+                    <a:pt x="877769" y="593554"/>
+                  </a:lnTo>
+                  <a:lnTo>
+                    <a:pt x="940467" y="609767"/>
+                  </a:lnTo>
+                  <a:lnTo>
+                    <a:pt x="1003165" y="625981"/>
+                  </a:lnTo>
+                  <a:lnTo>
+                    <a:pt x="1065863" y="642195"/>
+                  </a:lnTo>
+                  <a:lnTo>
+                    <a:pt x="1128561" y="658408"/>
+                  </a:lnTo>
+                  <a:lnTo>
+                    <a:pt x="1191259" y="674622"/>
+                  </a:lnTo>
+                  <a:lnTo>
+                    <a:pt x="1253956" y="690836"/>
+                  </a:lnTo>
+                  <a:lnTo>
+                    <a:pt x="1316654" y="707049"/>
+                  </a:lnTo>
+                  <a:lnTo>
+                    <a:pt x="1379352" y="723263"/>
+                  </a:lnTo>
+                  <a:lnTo>
+                    <a:pt x="1442050" y="739477"/>
+                  </a:lnTo>
+                  <a:lnTo>
+                    <a:pt x="1504748" y="755690"/>
+                  </a:lnTo>
+                  <a:lnTo>
+                    <a:pt x="1567446" y="771904"/>
+                  </a:lnTo>
+                  <a:lnTo>
+                    <a:pt x="1630144" y="788117"/>
+                  </a:lnTo>
+                  <a:lnTo>
+                    <a:pt x="1692841" y="804331"/>
+                  </a:lnTo>
+                  <a:lnTo>
+                    <a:pt x="1755539" y="820545"/>
+                  </a:lnTo>
+                  <a:lnTo>
+                    <a:pt x="1818237" y="836758"/>
+                  </a:lnTo>
+                  <a:lnTo>
+                    <a:pt x="1833405" y="773621"/>
+                  </a:lnTo>
+                  <a:lnTo>
+                    <a:pt x="1846381" y="709997"/>
+                  </a:lnTo>
+                  <a:lnTo>
+                    <a:pt x="1857150" y="645962"/>
+                  </a:lnTo>
+                  <a:lnTo>
+                    <a:pt x="1865699" y="581593"/>
+                  </a:lnTo>
+                  <a:lnTo>
+                    <a:pt x="1872017" y="516967"/>
+                  </a:lnTo>
+                  <a:lnTo>
+                    <a:pt x="1876098" y="452162"/>
+                  </a:lnTo>
+                  <a:lnTo>
+                    <a:pt x="1877936" y="387254"/>
+                  </a:lnTo>
+                  <a:lnTo>
+                    <a:pt x="1877528" y="322321"/>
+                  </a:lnTo>
+                  <a:lnTo>
+                    <a:pt x="1874877" y="257441"/>
+                  </a:lnTo>
+                  <a:lnTo>
+                    <a:pt x="1869984" y="192692"/>
+                  </a:lnTo>
+                  <a:lnTo>
+                    <a:pt x="1862855" y="128151"/>
+                  </a:lnTo>
+                  <a:lnTo>
+                    <a:pt x="1853500" y="63894"/>
+                  </a:lnTo>
+                  <a:lnTo>
+                    <a:pt x="1841929" y="0"/>
+                  </a:lnTo>
+                  <a:lnTo>
+                    <a:pt x="1778414" y="12640"/>
+                  </a:lnTo>
+                  <a:lnTo>
+                    <a:pt x="1714899" y="25280"/>
+                  </a:lnTo>
+                  <a:lnTo>
+                    <a:pt x="1651384" y="37920"/>
+                  </a:lnTo>
+                  <a:lnTo>
+                    <a:pt x="1587870" y="50560"/>
+                  </a:lnTo>
+                  <a:lnTo>
+                    <a:pt x="1524355" y="63200"/>
+                  </a:lnTo>
+                  <a:lnTo>
+                    <a:pt x="1460840" y="75840"/>
+                  </a:lnTo>
+                  <a:lnTo>
+                    <a:pt x="1397325" y="88480"/>
+                  </a:lnTo>
+                  <a:lnTo>
+                    <a:pt x="1333810" y="101120"/>
+                  </a:lnTo>
+                  <a:lnTo>
+                    <a:pt x="1270296" y="113761"/>
+                  </a:lnTo>
+                  <a:lnTo>
+                    <a:pt x="1206781" y="126401"/>
+                  </a:lnTo>
+                  <a:lnTo>
+                    <a:pt x="1143266" y="139041"/>
+                  </a:lnTo>
+                  <a:lnTo>
+                    <a:pt x="1079751" y="151681"/>
+                  </a:lnTo>
+                  <a:lnTo>
+                    <a:pt x="1016236" y="164321"/>
+                  </a:lnTo>
+                  <a:lnTo>
+                    <a:pt x="952722" y="176961"/>
+                  </a:lnTo>
+                  <a:lnTo>
+                    <a:pt x="889207" y="189601"/>
+                  </a:lnTo>
+                  <a:lnTo>
+                    <a:pt x="825692" y="202241"/>
+                  </a:lnTo>
+                  <a:lnTo>
+                    <a:pt x="762177" y="214881"/>
+                  </a:lnTo>
+                  <a:lnTo>
+                    <a:pt x="698662" y="227522"/>
+                  </a:lnTo>
+                  <a:lnTo>
+                    <a:pt x="635148" y="240162"/>
+                  </a:lnTo>
+                  <a:lnTo>
+                    <a:pt x="571633" y="252802"/>
+                  </a:lnTo>
+                  <a:lnTo>
+                    <a:pt x="508118" y="265442"/>
+                  </a:lnTo>
+                  <a:lnTo>
+                    <a:pt x="444603" y="278082"/>
+                  </a:lnTo>
+                  <a:lnTo>
+                    <a:pt x="381088" y="290722"/>
+                  </a:lnTo>
+                  <a:lnTo>
+                    <a:pt x="317574" y="303362"/>
+                  </a:lnTo>
+                  <a:lnTo>
+                    <a:pt x="254059" y="316002"/>
+                  </a:lnTo>
+                  <a:lnTo>
+                    <a:pt x="190544" y="328642"/>
+                  </a:lnTo>
+                  <a:lnTo>
+                    <a:pt x="127029" y="341283"/>
+                  </a:lnTo>
+                  <a:lnTo>
+                    <a:pt x="63514" y="353923"/>
                   </a:lnTo>
                   <a:close/>
                 </a:path>
@@ -5729,234 +6183,234 @@
           </p:nvSpPr>
           <p:spPr>
             <a:xfrm>
-              <a:off x="4539318" y="3960878"/>
-              <a:ext cx="2043372" cy="1533370"/>
+              <a:off x="4539318" y="3670202"/>
+              <a:ext cx="1818237" cy="1364426"/>
             </a:xfrm>
             <a:custGeom>
               <a:avLst/>
               <a:pathLst>
-                <a:path w="2043372" h="1533370">
+                <a:path w="1818237" h="1364426">
                   <a:moveTo>
                     <a:pt x="0" y="0"/>
                   </a:moveTo>
                   <a:lnTo>
-                    <a:pt x="50010" y="52874"/>
-                  </a:lnTo>
-                  <a:lnTo>
-                    <a:pt x="100020" y="105749"/>
-                  </a:lnTo>
-                  <a:lnTo>
-                    <a:pt x="150031" y="158624"/>
-                  </a:lnTo>
-                  <a:lnTo>
-                    <a:pt x="200041" y="211499"/>
-                  </a:lnTo>
-                  <a:lnTo>
-                    <a:pt x="250051" y="264374"/>
-                  </a:lnTo>
-                  <a:lnTo>
-                    <a:pt x="300062" y="317249"/>
-                  </a:lnTo>
-                  <a:lnTo>
-                    <a:pt x="350072" y="370123"/>
-                  </a:lnTo>
-                  <a:lnTo>
-                    <a:pt x="400082" y="422998"/>
-                  </a:lnTo>
-                  <a:lnTo>
-                    <a:pt x="450093" y="475873"/>
-                  </a:lnTo>
-                  <a:lnTo>
-                    <a:pt x="500103" y="528748"/>
-                  </a:lnTo>
-                  <a:lnTo>
-                    <a:pt x="550113" y="581623"/>
-                  </a:lnTo>
-                  <a:lnTo>
-                    <a:pt x="600124" y="634498"/>
-                  </a:lnTo>
-                  <a:lnTo>
-                    <a:pt x="650134" y="687373"/>
-                  </a:lnTo>
-                  <a:lnTo>
-                    <a:pt x="700144" y="740247"/>
-                  </a:lnTo>
-                  <a:lnTo>
-                    <a:pt x="750155" y="793122"/>
-                  </a:lnTo>
-                  <a:lnTo>
-                    <a:pt x="800165" y="845997"/>
-                  </a:lnTo>
-                  <a:lnTo>
-                    <a:pt x="850175" y="898872"/>
-                  </a:lnTo>
-                  <a:lnTo>
-                    <a:pt x="900186" y="951747"/>
-                  </a:lnTo>
-                  <a:lnTo>
-                    <a:pt x="950196" y="1004622"/>
-                  </a:lnTo>
-                  <a:lnTo>
-                    <a:pt x="1000206" y="1057496"/>
-                  </a:lnTo>
-                  <a:lnTo>
-                    <a:pt x="1050217" y="1110371"/>
-                  </a:lnTo>
-                  <a:lnTo>
-                    <a:pt x="1100227" y="1163246"/>
-                  </a:lnTo>
-                  <a:lnTo>
-                    <a:pt x="1150237" y="1216121"/>
-                  </a:lnTo>
-                  <a:lnTo>
-                    <a:pt x="1200248" y="1268996"/>
-                  </a:lnTo>
-                  <a:lnTo>
-                    <a:pt x="1250258" y="1321871"/>
-                  </a:lnTo>
-                  <a:lnTo>
-                    <a:pt x="1300268" y="1374746"/>
-                  </a:lnTo>
-                  <a:lnTo>
-                    <a:pt x="1350279" y="1427620"/>
-                  </a:lnTo>
-                  <a:lnTo>
-                    <a:pt x="1400289" y="1480495"/>
-                  </a:lnTo>
-                  <a:lnTo>
-                    <a:pt x="1450299" y="1533370"/>
-                  </a:lnTo>
-                  <a:lnTo>
-                    <a:pt x="1503084" y="1481664"/>
-                  </a:lnTo>
-                  <a:lnTo>
-                    <a:pt x="1554027" y="1428142"/>
-                  </a:lnTo>
-                  <a:lnTo>
-                    <a:pt x="1603066" y="1372870"/>
-                  </a:lnTo>
-                  <a:lnTo>
-                    <a:pt x="1650139" y="1315915"/>
-                  </a:lnTo>
-                  <a:lnTo>
-                    <a:pt x="1695190" y="1257348"/>
-                  </a:lnTo>
-                  <a:lnTo>
-                    <a:pt x="1738163" y="1197239"/>
-                  </a:lnTo>
-                  <a:lnTo>
-                    <a:pt x="1779006" y="1135662"/>
-                  </a:lnTo>
-                  <a:lnTo>
-                    <a:pt x="1817668" y="1072694"/>
-                  </a:lnTo>
-                  <a:lnTo>
-                    <a:pt x="1854103" y="1008411"/>
-                  </a:lnTo>
-                  <a:lnTo>
-                    <a:pt x="1888265" y="942893"/>
-                  </a:lnTo>
-                  <a:lnTo>
-                    <a:pt x="1920113" y="876218"/>
-                  </a:lnTo>
-                  <a:lnTo>
-                    <a:pt x="1949607" y="808470"/>
-                  </a:lnTo>
-                  <a:lnTo>
-                    <a:pt x="1976712" y="739730"/>
-                  </a:lnTo>
-                  <a:lnTo>
-                    <a:pt x="2001394" y="670084"/>
-                  </a:lnTo>
-                  <a:lnTo>
-                    <a:pt x="2023623" y="599617"/>
-                  </a:lnTo>
-                  <a:lnTo>
-                    <a:pt x="2043372" y="528415"/>
-                  </a:lnTo>
-                  <a:lnTo>
-                    <a:pt x="1972911" y="510194"/>
-                  </a:lnTo>
-                  <a:lnTo>
-                    <a:pt x="1902450" y="491972"/>
-                  </a:lnTo>
-                  <a:lnTo>
-                    <a:pt x="1831989" y="473751"/>
-                  </a:lnTo>
-                  <a:lnTo>
-                    <a:pt x="1761528" y="455530"/>
-                  </a:lnTo>
-                  <a:lnTo>
-                    <a:pt x="1691067" y="437309"/>
-                  </a:lnTo>
-                  <a:lnTo>
-                    <a:pt x="1620605" y="419088"/>
-                  </a:lnTo>
-                  <a:lnTo>
-                    <a:pt x="1550144" y="400866"/>
-                  </a:lnTo>
-                  <a:lnTo>
-                    <a:pt x="1479683" y="382645"/>
-                  </a:lnTo>
-                  <a:lnTo>
-                    <a:pt x="1409222" y="364424"/>
-                  </a:lnTo>
-                  <a:lnTo>
-                    <a:pt x="1338761" y="346203"/>
-                  </a:lnTo>
-                  <a:lnTo>
-                    <a:pt x="1268300" y="327981"/>
-                  </a:lnTo>
-                  <a:lnTo>
-                    <a:pt x="1197839" y="309760"/>
-                  </a:lnTo>
-                  <a:lnTo>
-                    <a:pt x="1127378" y="291539"/>
-                  </a:lnTo>
-                  <a:lnTo>
-                    <a:pt x="1056916" y="273318"/>
-                  </a:lnTo>
-                  <a:lnTo>
-                    <a:pt x="986455" y="255097"/>
-                  </a:lnTo>
-                  <a:lnTo>
-                    <a:pt x="915994" y="236875"/>
-                  </a:lnTo>
-                  <a:lnTo>
-                    <a:pt x="845533" y="218654"/>
-                  </a:lnTo>
-                  <a:lnTo>
-                    <a:pt x="775072" y="200433"/>
-                  </a:lnTo>
-                  <a:lnTo>
-                    <a:pt x="704611" y="182212"/>
-                  </a:lnTo>
-                  <a:lnTo>
-                    <a:pt x="634150" y="163990"/>
-                  </a:lnTo>
-                  <a:lnTo>
-                    <a:pt x="563689" y="145769"/>
-                  </a:lnTo>
-                  <a:lnTo>
-                    <a:pt x="493227" y="127548"/>
-                  </a:lnTo>
-                  <a:lnTo>
-                    <a:pt x="422766" y="109327"/>
-                  </a:lnTo>
-                  <a:lnTo>
-                    <a:pt x="352305" y="91106"/>
-                  </a:lnTo>
-                  <a:lnTo>
-                    <a:pt x="281844" y="72884"/>
-                  </a:lnTo>
-                  <a:lnTo>
-                    <a:pt x="211383" y="54663"/>
-                  </a:lnTo>
-                  <a:lnTo>
-                    <a:pt x="140922" y="36442"/>
-                  </a:lnTo>
-                  <a:lnTo>
-                    <a:pt x="70461" y="18221"/>
+                    <a:pt x="44500" y="47049"/>
+                  </a:lnTo>
+                  <a:lnTo>
+                    <a:pt x="89000" y="94098"/>
+                  </a:lnTo>
+                  <a:lnTo>
+                    <a:pt x="133500" y="141147"/>
+                  </a:lnTo>
+                  <a:lnTo>
+                    <a:pt x="178001" y="188196"/>
+                  </a:lnTo>
+                  <a:lnTo>
+                    <a:pt x="222501" y="235245"/>
+                  </a:lnTo>
+                  <a:lnTo>
+                    <a:pt x="267001" y="282295"/>
+                  </a:lnTo>
+                  <a:lnTo>
+                    <a:pt x="311502" y="329344"/>
+                  </a:lnTo>
+                  <a:lnTo>
+                    <a:pt x="356002" y="376393"/>
+                  </a:lnTo>
+                  <a:lnTo>
+                    <a:pt x="400502" y="423442"/>
+                  </a:lnTo>
+                  <a:lnTo>
+                    <a:pt x="445002" y="470491"/>
+                  </a:lnTo>
+                  <a:lnTo>
+                    <a:pt x="489503" y="517541"/>
+                  </a:lnTo>
+                  <a:lnTo>
+                    <a:pt x="534003" y="564590"/>
+                  </a:lnTo>
+                  <a:lnTo>
+                    <a:pt x="578503" y="611639"/>
+                  </a:lnTo>
+                  <a:lnTo>
+                    <a:pt x="623004" y="658688"/>
+                  </a:lnTo>
+                  <a:lnTo>
+                    <a:pt x="667504" y="705737"/>
+                  </a:lnTo>
+                  <a:lnTo>
+                    <a:pt x="712004" y="752787"/>
+                  </a:lnTo>
+                  <a:lnTo>
+                    <a:pt x="756504" y="799836"/>
+                  </a:lnTo>
+                  <a:lnTo>
+                    <a:pt x="801005" y="846885"/>
+                  </a:lnTo>
+                  <a:lnTo>
+                    <a:pt x="845505" y="893934"/>
+                  </a:lnTo>
+                  <a:lnTo>
+                    <a:pt x="890005" y="940983"/>
+                  </a:lnTo>
+                  <a:lnTo>
+                    <a:pt x="934506" y="988033"/>
+                  </a:lnTo>
+                  <a:lnTo>
+                    <a:pt x="979006" y="1035082"/>
+                  </a:lnTo>
+                  <a:lnTo>
+                    <a:pt x="1023506" y="1082131"/>
+                  </a:lnTo>
+                  <a:lnTo>
+                    <a:pt x="1068006" y="1129180"/>
+                  </a:lnTo>
+                  <a:lnTo>
+                    <a:pt x="1112507" y="1176229"/>
+                  </a:lnTo>
+                  <a:lnTo>
+                    <a:pt x="1157007" y="1223279"/>
+                  </a:lnTo>
+                  <a:lnTo>
+                    <a:pt x="1201507" y="1270328"/>
+                  </a:lnTo>
+                  <a:lnTo>
+                    <a:pt x="1246008" y="1317377"/>
+                  </a:lnTo>
+                  <a:lnTo>
+                    <a:pt x="1290508" y="1364426"/>
+                  </a:lnTo>
+                  <a:lnTo>
+                    <a:pt x="1337477" y="1318417"/>
+                  </a:lnTo>
+                  <a:lnTo>
+                    <a:pt x="1382807" y="1270792"/>
+                  </a:lnTo>
+                  <a:lnTo>
+                    <a:pt x="1426443" y="1221610"/>
+                  </a:lnTo>
+                  <a:lnTo>
+                    <a:pt x="1468330" y="1170930"/>
+                  </a:lnTo>
+                  <a:lnTo>
+                    <a:pt x="1508417" y="1118815"/>
+                  </a:lnTo>
+                  <a:lnTo>
+                    <a:pt x="1546655" y="1065329"/>
+                  </a:lnTo>
+                  <a:lnTo>
+                    <a:pt x="1582998" y="1010537"/>
+                  </a:lnTo>
+                  <a:lnTo>
+                    <a:pt x="1617401" y="954507"/>
+                  </a:lnTo>
+                  <a:lnTo>
+                    <a:pt x="1649821" y="897306"/>
+                  </a:lnTo>
+                  <a:lnTo>
+                    <a:pt x="1680220" y="839006"/>
+                  </a:lnTo>
+                  <a:lnTo>
+                    <a:pt x="1708558" y="779678"/>
+                  </a:lnTo>
+                  <a:lnTo>
+                    <a:pt x="1734803" y="719394"/>
+                  </a:lnTo>
+                  <a:lnTo>
+                    <a:pt x="1758922" y="658228"/>
+                  </a:lnTo>
+                  <a:lnTo>
+                    <a:pt x="1780884" y="596256"/>
+                  </a:lnTo>
+                  <a:lnTo>
+                    <a:pt x="1800664" y="533552"/>
+                  </a:lnTo>
+                  <a:lnTo>
+                    <a:pt x="1818237" y="470195"/>
+                  </a:lnTo>
+                  <a:lnTo>
+                    <a:pt x="1755539" y="453981"/>
+                  </a:lnTo>
+                  <a:lnTo>
+                    <a:pt x="1692841" y="437768"/>
+                  </a:lnTo>
+                  <a:lnTo>
+                    <a:pt x="1630144" y="421554"/>
+                  </a:lnTo>
+                  <a:lnTo>
+                    <a:pt x="1567446" y="405341"/>
+                  </a:lnTo>
+                  <a:lnTo>
+                    <a:pt x="1504748" y="389127"/>
+                  </a:lnTo>
+                  <a:lnTo>
+                    <a:pt x="1442050" y="372913"/>
+                  </a:lnTo>
+                  <a:lnTo>
+                    <a:pt x="1379352" y="356700"/>
+                  </a:lnTo>
+                  <a:lnTo>
+                    <a:pt x="1316654" y="340486"/>
+                  </a:lnTo>
+                  <a:lnTo>
+                    <a:pt x="1253956" y="324272"/>
+                  </a:lnTo>
+                  <a:lnTo>
+                    <a:pt x="1191259" y="308059"/>
+                  </a:lnTo>
+                  <a:lnTo>
+                    <a:pt x="1128561" y="291845"/>
+                  </a:lnTo>
+                  <a:lnTo>
+                    <a:pt x="1065863" y="275631"/>
+                  </a:lnTo>
+                  <a:lnTo>
+                    <a:pt x="1003165" y="259418"/>
+                  </a:lnTo>
+                  <a:lnTo>
+                    <a:pt x="940467" y="243204"/>
+                  </a:lnTo>
+                  <a:lnTo>
+                    <a:pt x="877769" y="226990"/>
+                  </a:lnTo>
+                  <a:lnTo>
+                    <a:pt x="815072" y="210777"/>
+                  </a:lnTo>
+                  <a:lnTo>
+                    <a:pt x="752374" y="194563"/>
+                  </a:lnTo>
+                  <a:lnTo>
+                    <a:pt x="689676" y="178350"/>
+                  </a:lnTo>
+                  <a:lnTo>
+                    <a:pt x="626978" y="162136"/>
+                  </a:lnTo>
+                  <a:lnTo>
+                    <a:pt x="564280" y="145922"/>
+                  </a:lnTo>
+                  <a:lnTo>
+                    <a:pt x="501582" y="129709"/>
+                  </a:lnTo>
+                  <a:lnTo>
+                    <a:pt x="438884" y="113495"/>
+                  </a:lnTo>
+                  <a:lnTo>
+                    <a:pt x="376187" y="97281"/>
+                  </a:lnTo>
+                  <a:lnTo>
+                    <a:pt x="313489" y="81068"/>
+                  </a:lnTo>
+                  <a:lnTo>
+                    <a:pt x="250791" y="64854"/>
+                  </a:lnTo>
+                  <a:lnTo>
+                    <a:pt x="188093" y="48640"/>
+                  </a:lnTo>
+                  <a:lnTo>
+                    <a:pt x="125395" y="32427"/>
+                  </a:lnTo>
+                  <a:lnTo>
+                    <a:pt x="62697" y="16213"/>
                   </a:lnTo>
                   <a:close/>
                 </a:path>
@@ -5991,240 +6445,240 @@
           </p:nvSpPr>
           <p:spPr>
             <a:xfrm>
-              <a:off x="4539318" y="3960878"/>
-              <a:ext cx="1450299" cy="2093064"/>
+              <a:off x="4539318" y="3670202"/>
+              <a:ext cx="1290508" cy="1862454"/>
             </a:xfrm>
             <a:custGeom>
               <a:avLst/>
               <a:pathLst>
-                <a:path w="1450299" h="2093064">
+                <a:path w="1290508" h="1862454">
                   <a:moveTo>
                     <a:pt x="0" y="0"/>
                   </a:moveTo>
                   <a:lnTo>
-                    <a:pt x="9359" y="72174"/>
-                  </a:lnTo>
-                  <a:lnTo>
-                    <a:pt x="18719" y="144349"/>
-                  </a:lnTo>
-                  <a:lnTo>
-                    <a:pt x="28078" y="216523"/>
-                  </a:lnTo>
-                  <a:lnTo>
-                    <a:pt x="37438" y="288698"/>
-                  </a:lnTo>
-                  <a:lnTo>
-                    <a:pt x="46798" y="360873"/>
-                  </a:lnTo>
-                  <a:lnTo>
-                    <a:pt x="56157" y="433047"/>
-                  </a:lnTo>
-                  <a:lnTo>
-                    <a:pt x="65517" y="505222"/>
-                  </a:lnTo>
-                  <a:lnTo>
-                    <a:pt x="74877" y="577397"/>
-                  </a:lnTo>
-                  <a:lnTo>
-                    <a:pt x="84236" y="649571"/>
-                  </a:lnTo>
-                  <a:lnTo>
-                    <a:pt x="93596" y="721746"/>
-                  </a:lnTo>
-                  <a:lnTo>
-                    <a:pt x="102956" y="793921"/>
-                  </a:lnTo>
-                  <a:lnTo>
-                    <a:pt x="112315" y="866095"/>
-                  </a:lnTo>
-                  <a:lnTo>
-                    <a:pt x="121675" y="938270"/>
-                  </a:lnTo>
-                  <a:lnTo>
-                    <a:pt x="131035" y="1010445"/>
-                  </a:lnTo>
-                  <a:lnTo>
-                    <a:pt x="140394" y="1082619"/>
-                  </a:lnTo>
-                  <a:lnTo>
-                    <a:pt x="149754" y="1154794"/>
-                  </a:lnTo>
-                  <a:lnTo>
-                    <a:pt x="159113" y="1226969"/>
-                  </a:lnTo>
-                  <a:lnTo>
-                    <a:pt x="168473" y="1299143"/>
-                  </a:lnTo>
-                  <a:lnTo>
-                    <a:pt x="177833" y="1371318"/>
-                  </a:lnTo>
-                  <a:lnTo>
-                    <a:pt x="187192" y="1443493"/>
-                  </a:lnTo>
-                  <a:lnTo>
-                    <a:pt x="196552" y="1515667"/>
-                  </a:lnTo>
-                  <a:lnTo>
-                    <a:pt x="205912" y="1587842"/>
-                  </a:lnTo>
-                  <a:lnTo>
-                    <a:pt x="215271" y="1660016"/>
-                  </a:lnTo>
-                  <a:lnTo>
-                    <a:pt x="224631" y="1732191"/>
-                  </a:lnTo>
-                  <a:lnTo>
-                    <a:pt x="233991" y="1804366"/>
-                  </a:lnTo>
-                  <a:lnTo>
-                    <a:pt x="243350" y="1876540"/>
-                  </a:lnTo>
-                  <a:lnTo>
-                    <a:pt x="252710" y="1948715"/>
-                  </a:lnTo>
-                  <a:lnTo>
-                    <a:pt x="262070" y="2020890"/>
-                  </a:lnTo>
-                  <a:lnTo>
-                    <a:pt x="271429" y="2093064"/>
-                  </a:lnTo>
-                  <a:lnTo>
-                    <a:pt x="344344" y="2082311"/>
-                  </a:lnTo>
-                  <a:lnTo>
-                    <a:pt x="416838" y="2069019"/>
-                  </a:lnTo>
-                  <a:lnTo>
-                    <a:pt x="488824" y="2053203"/>
-                  </a:lnTo>
-                  <a:lnTo>
-                    <a:pt x="560214" y="2034884"/>
-                  </a:lnTo>
-                  <a:lnTo>
-                    <a:pt x="630921" y="2014083"/>
-                  </a:lnTo>
-                  <a:lnTo>
-                    <a:pt x="700859" y="1990826"/>
-                  </a:lnTo>
-                  <a:lnTo>
-                    <a:pt x="769942" y="1965142"/>
-                  </a:lnTo>
-                  <a:lnTo>
-                    <a:pt x="838086" y="1937061"/>
-                  </a:lnTo>
-                  <a:lnTo>
-                    <a:pt x="905208" y="1906617"/>
-                  </a:lnTo>
-                  <a:lnTo>
-                    <a:pt x="971226" y="1873849"/>
-                  </a:lnTo>
-                  <a:lnTo>
-                    <a:pt x="1036060" y="1838796"/>
-                  </a:lnTo>
-                  <a:lnTo>
-                    <a:pt x="1099630" y="1801501"/>
-                  </a:lnTo>
-                  <a:lnTo>
-                    <a:pt x="1161860" y="1762008"/>
-                  </a:lnTo>
-                  <a:lnTo>
-                    <a:pt x="1222672" y="1720367"/>
-                  </a:lnTo>
-                  <a:lnTo>
-                    <a:pt x="1281994" y="1676628"/>
-                  </a:lnTo>
-                  <a:lnTo>
-                    <a:pt x="1339752" y="1630845"/>
-                  </a:lnTo>
-                  <a:lnTo>
-                    <a:pt x="1395877" y="1583073"/>
-                  </a:lnTo>
-                  <a:lnTo>
-                    <a:pt x="1450299" y="1533370"/>
-                  </a:lnTo>
-                  <a:lnTo>
-                    <a:pt x="1400289" y="1480495"/>
-                  </a:lnTo>
-                  <a:lnTo>
-                    <a:pt x="1350279" y="1427620"/>
-                  </a:lnTo>
-                  <a:lnTo>
-                    <a:pt x="1300268" y="1374746"/>
-                  </a:lnTo>
-                  <a:lnTo>
-                    <a:pt x="1250258" y="1321871"/>
-                  </a:lnTo>
-                  <a:lnTo>
-                    <a:pt x="1200248" y="1268996"/>
-                  </a:lnTo>
-                  <a:lnTo>
-                    <a:pt x="1150237" y="1216121"/>
-                  </a:lnTo>
-                  <a:lnTo>
-                    <a:pt x="1100227" y="1163246"/>
-                  </a:lnTo>
-                  <a:lnTo>
-                    <a:pt x="1050217" y="1110371"/>
-                  </a:lnTo>
-                  <a:lnTo>
-                    <a:pt x="1000206" y="1057496"/>
-                  </a:lnTo>
-                  <a:lnTo>
-                    <a:pt x="950196" y="1004622"/>
-                  </a:lnTo>
-                  <a:lnTo>
-                    <a:pt x="900186" y="951747"/>
-                  </a:lnTo>
-                  <a:lnTo>
-                    <a:pt x="850175" y="898872"/>
-                  </a:lnTo>
-                  <a:lnTo>
-                    <a:pt x="800165" y="845997"/>
-                  </a:lnTo>
-                  <a:lnTo>
-                    <a:pt x="750155" y="793122"/>
-                  </a:lnTo>
-                  <a:lnTo>
-                    <a:pt x="700144" y="740247"/>
-                  </a:lnTo>
-                  <a:lnTo>
-                    <a:pt x="650134" y="687373"/>
-                  </a:lnTo>
-                  <a:lnTo>
-                    <a:pt x="600124" y="634498"/>
-                  </a:lnTo>
-                  <a:lnTo>
-                    <a:pt x="550113" y="581623"/>
-                  </a:lnTo>
-                  <a:lnTo>
-                    <a:pt x="500103" y="528748"/>
-                  </a:lnTo>
-                  <a:lnTo>
-                    <a:pt x="450093" y="475873"/>
-                  </a:lnTo>
-                  <a:lnTo>
-                    <a:pt x="400082" y="422998"/>
-                  </a:lnTo>
-                  <a:lnTo>
-                    <a:pt x="350072" y="370123"/>
-                  </a:lnTo>
-                  <a:lnTo>
-                    <a:pt x="300062" y="317249"/>
-                  </a:lnTo>
-                  <a:lnTo>
-                    <a:pt x="250051" y="264374"/>
-                  </a:lnTo>
-                  <a:lnTo>
-                    <a:pt x="200041" y="211499"/>
-                  </a:lnTo>
-                  <a:lnTo>
-                    <a:pt x="150031" y="158624"/>
-                  </a:lnTo>
-                  <a:lnTo>
-                    <a:pt x="100020" y="105749"/>
-                  </a:lnTo>
-                  <a:lnTo>
-                    <a:pt x="50010" y="52874"/>
+                    <a:pt x="8328" y="64222"/>
+                  </a:lnTo>
+                  <a:lnTo>
+                    <a:pt x="16656" y="128445"/>
+                  </a:lnTo>
+                  <a:lnTo>
+                    <a:pt x="24985" y="192667"/>
+                  </a:lnTo>
+                  <a:lnTo>
+                    <a:pt x="33313" y="256890"/>
+                  </a:lnTo>
+                  <a:lnTo>
+                    <a:pt x="41642" y="321112"/>
+                  </a:lnTo>
+                  <a:lnTo>
+                    <a:pt x="49970" y="385335"/>
+                  </a:lnTo>
+                  <a:lnTo>
+                    <a:pt x="58298" y="449558"/>
+                  </a:lnTo>
+                  <a:lnTo>
+                    <a:pt x="66627" y="513780"/>
+                  </a:lnTo>
+                  <a:lnTo>
+                    <a:pt x="74955" y="578003"/>
+                  </a:lnTo>
+                  <a:lnTo>
+                    <a:pt x="83284" y="642225"/>
+                  </a:lnTo>
+                  <a:lnTo>
+                    <a:pt x="91612" y="706448"/>
+                  </a:lnTo>
+                  <a:lnTo>
+                    <a:pt x="99940" y="770670"/>
+                  </a:lnTo>
+                  <a:lnTo>
+                    <a:pt x="108269" y="834893"/>
+                  </a:lnTo>
+                  <a:lnTo>
+                    <a:pt x="116597" y="899116"/>
+                  </a:lnTo>
+                  <a:lnTo>
+                    <a:pt x="124926" y="963338"/>
+                  </a:lnTo>
+                  <a:lnTo>
+                    <a:pt x="133254" y="1027561"/>
+                  </a:lnTo>
+                  <a:lnTo>
+                    <a:pt x="141583" y="1091783"/>
+                  </a:lnTo>
+                  <a:lnTo>
+                    <a:pt x="149911" y="1156006"/>
+                  </a:lnTo>
+                  <a:lnTo>
+                    <a:pt x="158239" y="1220229"/>
+                  </a:lnTo>
+                  <a:lnTo>
+                    <a:pt x="166568" y="1284451"/>
+                  </a:lnTo>
+                  <a:lnTo>
+                    <a:pt x="174896" y="1348674"/>
+                  </a:lnTo>
+                  <a:lnTo>
+                    <a:pt x="183225" y="1412896"/>
+                  </a:lnTo>
+                  <a:lnTo>
+                    <a:pt x="191553" y="1477119"/>
+                  </a:lnTo>
+                  <a:lnTo>
+                    <a:pt x="199881" y="1541341"/>
+                  </a:lnTo>
+                  <a:lnTo>
+                    <a:pt x="208210" y="1605564"/>
+                  </a:lnTo>
+                  <a:lnTo>
+                    <a:pt x="216538" y="1669787"/>
+                  </a:lnTo>
+                  <a:lnTo>
+                    <a:pt x="224867" y="1734009"/>
+                  </a:lnTo>
+                  <a:lnTo>
+                    <a:pt x="233195" y="1798232"/>
+                  </a:lnTo>
+                  <a:lnTo>
+                    <a:pt x="241524" y="1862454"/>
+                  </a:lnTo>
+                  <a:lnTo>
+                    <a:pt x="306404" y="1852886"/>
+                  </a:lnTo>
+                  <a:lnTo>
+                    <a:pt x="370912" y="1841058"/>
+                  </a:lnTo>
+                  <a:lnTo>
+                    <a:pt x="434967" y="1826985"/>
+                  </a:lnTo>
+                  <a:lnTo>
+                    <a:pt x="498491" y="1810684"/>
+                  </a:lnTo>
+                  <a:lnTo>
+                    <a:pt x="561408" y="1792175"/>
+                  </a:lnTo>
+                  <a:lnTo>
+                    <a:pt x="623640" y="1771480"/>
+                  </a:lnTo>
+                  <a:lnTo>
+                    <a:pt x="685111" y="1748626"/>
+                  </a:lnTo>
+                  <a:lnTo>
+                    <a:pt x="745747" y="1723639"/>
+                  </a:lnTo>
+                  <a:lnTo>
+                    <a:pt x="805474" y="1696550"/>
+                  </a:lnTo>
+                  <a:lnTo>
+                    <a:pt x="864218" y="1667392"/>
+                  </a:lnTo>
+                  <a:lnTo>
+                    <a:pt x="921909" y="1636201"/>
+                  </a:lnTo>
+                  <a:lnTo>
+                    <a:pt x="978475" y="1603015"/>
+                  </a:lnTo>
+                  <a:lnTo>
+                    <a:pt x="1033848" y="1567873"/>
+                  </a:lnTo>
+                  <a:lnTo>
+                    <a:pt x="1087961" y="1530820"/>
+                  </a:lnTo>
+                  <a:lnTo>
+                    <a:pt x="1140746" y="1491901"/>
+                  </a:lnTo>
+                  <a:lnTo>
+                    <a:pt x="1192141" y="1451161"/>
+                  </a:lnTo>
+                  <a:lnTo>
+                    <a:pt x="1242082" y="1408653"/>
+                  </a:lnTo>
+                  <a:lnTo>
+                    <a:pt x="1290508" y="1364426"/>
+                  </a:lnTo>
+                  <a:lnTo>
+                    <a:pt x="1246008" y="1317377"/>
+                  </a:lnTo>
+                  <a:lnTo>
+                    <a:pt x="1201507" y="1270328"/>
+                  </a:lnTo>
+                  <a:lnTo>
+                    <a:pt x="1157007" y="1223279"/>
+                  </a:lnTo>
+                  <a:lnTo>
+                    <a:pt x="1112507" y="1176229"/>
+                  </a:lnTo>
+                  <a:lnTo>
+                    <a:pt x="1068006" y="1129180"/>
+                  </a:lnTo>
+                  <a:lnTo>
+                    <a:pt x="1023506" y="1082131"/>
+                  </a:lnTo>
+                  <a:lnTo>
+                    <a:pt x="979006" y="1035082"/>
+                  </a:lnTo>
+                  <a:lnTo>
+                    <a:pt x="934506" y="988033"/>
+                  </a:lnTo>
+                  <a:lnTo>
+                    <a:pt x="890005" y="940983"/>
+                  </a:lnTo>
+                  <a:lnTo>
+                    <a:pt x="845505" y="893934"/>
+                  </a:lnTo>
+                  <a:lnTo>
+                    <a:pt x="801005" y="846885"/>
+                  </a:lnTo>
+                  <a:lnTo>
+                    <a:pt x="756504" y="799836"/>
+                  </a:lnTo>
+                  <a:lnTo>
+                    <a:pt x="712004" y="752787"/>
+                  </a:lnTo>
+                  <a:lnTo>
+                    <a:pt x="667504" y="705737"/>
+                  </a:lnTo>
+                  <a:lnTo>
+                    <a:pt x="623004" y="658688"/>
+                  </a:lnTo>
+                  <a:lnTo>
+                    <a:pt x="578503" y="611639"/>
+                  </a:lnTo>
+                  <a:lnTo>
+                    <a:pt x="534003" y="564590"/>
+                  </a:lnTo>
+                  <a:lnTo>
+                    <a:pt x="489503" y="517541"/>
+                  </a:lnTo>
+                  <a:lnTo>
+                    <a:pt x="445002" y="470491"/>
+                  </a:lnTo>
+                  <a:lnTo>
+                    <a:pt x="400502" y="423442"/>
+                  </a:lnTo>
+                  <a:lnTo>
+                    <a:pt x="356002" y="376393"/>
+                  </a:lnTo>
+                  <a:lnTo>
+                    <a:pt x="311502" y="329344"/>
+                  </a:lnTo>
+                  <a:lnTo>
+                    <a:pt x="267001" y="282295"/>
+                  </a:lnTo>
+                  <a:lnTo>
+                    <a:pt x="222501" y="235245"/>
+                  </a:lnTo>
+                  <a:lnTo>
+                    <a:pt x="178001" y="188196"/>
+                  </a:lnTo>
+                  <a:lnTo>
+                    <a:pt x="133500" y="141147"/>
+                  </a:lnTo>
+                  <a:lnTo>
+                    <a:pt x="89000" y="94098"/>
+                  </a:lnTo>
+                  <a:lnTo>
+                    <a:pt x="44500" y="47049"/>
                   </a:lnTo>
                   <a:close/>
                 </a:path>
@@ -6259,255 +6713,255 @@
           </p:nvSpPr>
           <p:spPr>
             <a:xfrm>
-              <a:off x="3255019" y="3960878"/>
-              <a:ext cx="1555728" cy="2110535"/>
+              <a:off x="3396521" y="3670202"/>
+              <a:ext cx="1384321" cy="1878000"/>
             </a:xfrm>
             <a:custGeom>
               <a:avLst/>
               <a:pathLst>
-                <a:path w="1555728" h="2110535">
+                <a:path w="1384321" h="1878000">
                   <a:moveTo>
-                    <a:pt x="1284299" y="0"/>
+                    <a:pt x="1142797" y="0"/>
                   </a:moveTo>
                   <a:lnTo>
-                    <a:pt x="1240013" y="57753"/>
-                  </a:lnTo>
-                  <a:lnTo>
-                    <a:pt x="1195726" y="115507"/>
-                  </a:lnTo>
-                  <a:lnTo>
-                    <a:pt x="1151440" y="173261"/>
-                  </a:lnTo>
-                  <a:lnTo>
-                    <a:pt x="1107154" y="231015"/>
-                  </a:lnTo>
-                  <a:lnTo>
-                    <a:pt x="1062868" y="288769"/>
-                  </a:lnTo>
-                  <a:lnTo>
-                    <a:pt x="1018582" y="346523"/>
-                  </a:lnTo>
-                  <a:lnTo>
-                    <a:pt x="974296" y="404277"/>
-                  </a:lnTo>
-                  <a:lnTo>
-                    <a:pt x="930009" y="462031"/>
-                  </a:lnTo>
-                  <a:lnTo>
-                    <a:pt x="885723" y="519785"/>
-                  </a:lnTo>
-                  <a:lnTo>
-                    <a:pt x="841437" y="577539"/>
-                  </a:lnTo>
-                  <a:lnTo>
-                    <a:pt x="797151" y="635293"/>
-                  </a:lnTo>
-                  <a:lnTo>
-                    <a:pt x="752865" y="693047"/>
-                  </a:lnTo>
-                  <a:lnTo>
-                    <a:pt x="708578" y="750801"/>
-                  </a:lnTo>
-                  <a:lnTo>
-                    <a:pt x="664292" y="808555"/>
-                  </a:lnTo>
-                  <a:lnTo>
-                    <a:pt x="620006" y="866309"/>
-                  </a:lnTo>
-                  <a:lnTo>
-                    <a:pt x="575720" y="924062"/>
-                  </a:lnTo>
-                  <a:lnTo>
-                    <a:pt x="531434" y="981816"/>
-                  </a:lnTo>
-                  <a:lnTo>
-                    <a:pt x="487148" y="1039570"/>
-                  </a:lnTo>
-                  <a:lnTo>
-                    <a:pt x="442861" y="1097324"/>
-                  </a:lnTo>
-                  <a:lnTo>
-                    <a:pt x="398575" y="1155078"/>
-                  </a:lnTo>
-                  <a:lnTo>
-                    <a:pt x="354289" y="1212832"/>
-                  </a:lnTo>
-                  <a:lnTo>
-                    <a:pt x="310003" y="1270586"/>
-                  </a:lnTo>
-                  <a:lnTo>
-                    <a:pt x="265717" y="1328340"/>
-                  </a:lnTo>
-                  <a:lnTo>
-                    <a:pt x="221430" y="1386094"/>
-                  </a:lnTo>
-                  <a:lnTo>
-                    <a:pt x="177144" y="1443848"/>
-                  </a:lnTo>
-                  <a:lnTo>
-                    <a:pt x="132858" y="1501602"/>
-                  </a:lnTo>
-                  <a:lnTo>
-                    <a:pt x="88572" y="1559356"/>
-                  </a:lnTo>
-                  <a:lnTo>
-                    <a:pt x="44286" y="1617110"/>
-                  </a:lnTo>
-                  <a:lnTo>
-                    <a:pt x="0" y="1674864"/>
-                  </a:lnTo>
-                  <a:lnTo>
-                    <a:pt x="57761" y="1717614"/>
-                  </a:lnTo>
-                  <a:lnTo>
-                    <a:pt x="116944" y="1758373"/>
-                  </a:lnTo>
-                  <a:lnTo>
-                    <a:pt x="177480" y="1797094"/>
-                  </a:lnTo>
-                  <a:lnTo>
-                    <a:pt x="239300" y="1833731"/>
-                  </a:lnTo>
-                  <a:lnTo>
-                    <a:pt x="302330" y="1868243"/>
-                  </a:lnTo>
-                  <a:lnTo>
-                    <a:pt x="366500" y="1900589"/>
-                  </a:lnTo>
-                  <a:lnTo>
-                    <a:pt x="431733" y="1930731"/>
-                  </a:lnTo>
-                  <a:lnTo>
-                    <a:pt x="497954" y="1958636"/>
-                  </a:lnTo>
-                  <a:lnTo>
-                    <a:pt x="565087" y="1984270"/>
-                  </a:lnTo>
-                  <a:lnTo>
-                    <a:pt x="633054" y="2007604"/>
-                  </a:lnTo>
-                  <a:lnTo>
-                    <a:pt x="701775" y="2028610"/>
-                  </a:lnTo>
-                  <a:lnTo>
-                    <a:pt x="771172" y="2047265"/>
-                  </a:lnTo>
-                  <a:lnTo>
-                    <a:pt x="841164" y="2063547"/>
-                  </a:lnTo>
-                  <a:lnTo>
-                    <a:pt x="911670" y="2077436"/>
-                  </a:lnTo>
-                  <a:lnTo>
-                    <a:pt x="982607" y="2088917"/>
-                  </a:lnTo>
-                  <a:lnTo>
-                    <a:pt x="1053894" y="2097977"/>
-                  </a:lnTo>
-                  <a:lnTo>
-                    <a:pt x="1125448" y="2104604"/>
-                  </a:lnTo>
-                  <a:lnTo>
-                    <a:pt x="1197187" y="2108792"/>
-                  </a:lnTo>
-                  <a:lnTo>
-                    <a:pt x="1269026" y="2110535"/>
-                  </a:lnTo>
-                  <a:lnTo>
-                    <a:pt x="1340883" y="2109832"/>
-                  </a:lnTo>
-                  <a:lnTo>
-                    <a:pt x="1412675" y="2106683"/>
-                  </a:lnTo>
-                  <a:lnTo>
-                    <a:pt x="1484318" y="2101091"/>
-                  </a:lnTo>
-                  <a:lnTo>
-                    <a:pt x="1555728" y="2093064"/>
-                  </a:lnTo>
-                  <a:lnTo>
-                    <a:pt x="1546369" y="2020890"/>
-                  </a:lnTo>
-                  <a:lnTo>
-                    <a:pt x="1537009" y="1948715"/>
-                  </a:lnTo>
-                  <a:lnTo>
-                    <a:pt x="1527650" y="1876540"/>
-                  </a:lnTo>
-                  <a:lnTo>
-                    <a:pt x="1518290" y="1804366"/>
-                  </a:lnTo>
-                  <a:lnTo>
-                    <a:pt x="1508930" y="1732191"/>
-                  </a:lnTo>
-                  <a:lnTo>
-                    <a:pt x="1499571" y="1660016"/>
-                  </a:lnTo>
-                  <a:lnTo>
-                    <a:pt x="1490211" y="1587842"/>
-                  </a:lnTo>
-                  <a:lnTo>
-                    <a:pt x="1480851" y="1515667"/>
-                  </a:lnTo>
-                  <a:lnTo>
-                    <a:pt x="1471492" y="1443493"/>
-                  </a:lnTo>
-                  <a:lnTo>
-                    <a:pt x="1462132" y="1371318"/>
-                  </a:lnTo>
-                  <a:lnTo>
-                    <a:pt x="1452772" y="1299143"/>
-                  </a:lnTo>
-                  <a:lnTo>
-                    <a:pt x="1443413" y="1226969"/>
-                  </a:lnTo>
-                  <a:lnTo>
-                    <a:pt x="1434053" y="1154794"/>
-                  </a:lnTo>
-                  <a:lnTo>
-                    <a:pt x="1424693" y="1082619"/>
-                  </a:lnTo>
-                  <a:lnTo>
-                    <a:pt x="1415334" y="1010445"/>
-                  </a:lnTo>
-                  <a:lnTo>
-                    <a:pt x="1405974" y="938270"/>
-                  </a:lnTo>
-                  <a:lnTo>
-                    <a:pt x="1396615" y="866095"/>
-                  </a:lnTo>
-                  <a:lnTo>
-                    <a:pt x="1387255" y="793921"/>
-                  </a:lnTo>
-                  <a:lnTo>
-                    <a:pt x="1377895" y="721746"/>
-                  </a:lnTo>
-                  <a:lnTo>
-                    <a:pt x="1368536" y="649571"/>
-                  </a:lnTo>
-                  <a:lnTo>
-                    <a:pt x="1359176" y="577397"/>
-                  </a:lnTo>
-                  <a:lnTo>
-                    <a:pt x="1349816" y="505222"/>
-                  </a:lnTo>
-                  <a:lnTo>
-                    <a:pt x="1340457" y="433047"/>
-                  </a:lnTo>
-                  <a:lnTo>
-                    <a:pt x="1331097" y="360873"/>
-                  </a:lnTo>
-                  <a:lnTo>
-                    <a:pt x="1321737" y="288698"/>
-                  </a:lnTo>
-                  <a:lnTo>
-                    <a:pt x="1312378" y="216523"/>
-                  </a:lnTo>
-                  <a:lnTo>
-                    <a:pt x="1303018" y="144349"/>
-                  </a:lnTo>
-                  <a:lnTo>
-                    <a:pt x="1293658" y="72174"/>
+                    <a:pt x="1103390" y="51390"/>
+                  </a:lnTo>
+                  <a:lnTo>
+                    <a:pt x="1063983" y="102781"/>
+                  </a:lnTo>
+                  <a:lnTo>
+                    <a:pt x="1024577" y="154172"/>
+                  </a:lnTo>
+                  <a:lnTo>
+                    <a:pt x="985170" y="205562"/>
+                  </a:lnTo>
+                  <a:lnTo>
+                    <a:pt x="945763" y="256953"/>
+                  </a:lnTo>
+                  <a:lnTo>
+                    <a:pt x="906356" y="308344"/>
+                  </a:lnTo>
+                  <a:lnTo>
+                    <a:pt x="866949" y="359734"/>
+                  </a:lnTo>
+                  <a:lnTo>
+                    <a:pt x="827543" y="411125"/>
+                  </a:lnTo>
+                  <a:lnTo>
+                    <a:pt x="788136" y="462516"/>
+                  </a:lnTo>
+                  <a:lnTo>
+                    <a:pt x="748729" y="513907"/>
+                  </a:lnTo>
+                  <a:lnTo>
+                    <a:pt x="709322" y="565297"/>
+                  </a:lnTo>
+                  <a:lnTo>
+                    <a:pt x="669915" y="616688"/>
+                  </a:lnTo>
+                  <a:lnTo>
+                    <a:pt x="630508" y="668079"/>
+                  </a:lnTo>
+                  <a:lnTo>
+                    <a:pt x="591102" y="719469"/>
+                  </a:lnTo>
+                  <a:lnTo>
+                    <a:pt x="551695" y="770860"/>
+                  </a:lnTo>
+                  <a:lnTo>
+                    <a:pt x="512288" y="822251"/>
+                  </a:lnTo>
+                  <a:lnTo>
+                    <a:pt x="472881" y="873642"/>
+                  </a:lnTo>
+                  <a:lnTo>
+                    <a:pt x="433474" y="925032"/>
+                  </a:lnTo>
+                  <a:lnTo>
+                    <a:pt x="394068" y="976423"/>
+                  </a:lnTo>
+                  <a:lnTo>
+                    <a:pt x="354661" y="1027814"/>
+                  </a:lnTo>
+                  <a:lnTo>
+                    <a:pt x="315254" y="1079204"/>
+                  </a:lnTo>
+                  <a:lnTo>
+                    <a:pt x="275847" y="1130595"/>
+                  </a:lnTo>
+                  <a:lnTo>
+                    <a:pt x="236440" y="1181986"/>
+                  </a:lnTo>
+                  <a:lnTo>
+                    <a:pt x="197034" y="1233377"/>
+                  </a:lnTo>
+                  <a:lnTo>
+                    <a:pt x="157627" y="1284767"/>
+                  </a:lnTo>
+                  <a:lnTo>
+                    <a:pt x="118220" y="1336158"/>
+                  </a:lnTo>
+                  <a:lnTo>
+                    <a:pt x="78813" y="1387549"/>
+                  </a:lnTo>
+                  <a:lnTo>
+                    <a:pt x="39406" y="1438939"/>
+                  </a:lnTo>
+                  <a:lnTo>
+                    <a:pt x="0" y="1490330"/>
+                  </a:lnTo>
+                  <a:lnTo>
+                    <a:pt x="51397" y="1528370"/>
+                  </a:lnTo>
+                  <a:lnTo>
+                    <a:pt x="104059" y="1564639"/>
+                  </a:lnTo>
+                  <a:lnTo>
+                    <a:pt x="157926" y="1599093"/>
+                  </a:lnTo>
+                  <a:lnTo>
+                    <a:pt x="212934" y="1631694"/>
+                  </a:lnTo>
+                  <a:lnTo>
+                    <a:pt x="269020" y="1662403"/>
+                  </a:lnTo>
+                  <a:lnTo>
+                    <a:pt x="326119" y="1691185"/>
+                  </a:lnTo>
+                  <a:lnTo>
+                    <a:pt x="384165" y="1718007"/>
+                  </a:lnTo>
+                  <a:lnTo>
+                    <a:pt x="443090" y="1742837"/>
+                  </a:lnTo>
+                  <a:lnTo>
+                    <a:pt x="502827" y="1765647"/>
+                  </a:lnTo>
+                  <a:lnTo>
+                    <a:pt x="563305" y="1786410"/>
+                  </a:lnTo>
+                  <a:lnTo>
+                    <a:pt x="624455" y="1805102"/>
+                  </a:lnTo>
+                  <a:lnTo>
+                    <a:pt x="686206" y="1821701"/>
+                  </a:lnTo>
+                  <a:lnTo>
+                    <a:pt x="748486" y="1836189"/>
+                  </a:lnTo>
+                  <a:lnTo>
+                    <a:pt x="811223" y="1848548"/>
+                  </a:lnTo>
+                  <a:lnTo>
+                    <a:pt x="874345" y="1858764"/>
+                  </a:lnTo>
+                  <a:lnTo>
+                    <a:pt x="937778" y="1866825"/>
+                  </a:lnTo>
+                  <a:lnTo>
+                    <a:pt x="1001449" y="1872723"/>
+                  </a:lnTo>
+                  <a:lnTo>
+                    <a:pt x="1065283" y="1876449"/>
+                  </a:lnTo>
+                  <a:lnTo>
+                    <a:pt x="1129207" y="1878000"/>
+                  </a:lnTo>
+                  <a:lnTo>
+                    <a:pt x="1193147" y="1877374"/>
+                  </a:lnTo>
+                  <a:lnTo>
+                    <a:pt x="1257029" y="1874572"/>
+                  </a:lnTo>
+                  <a:lnTo>
+                    <a:pt x="1320778" y="1869597"/>
+                  </a:lnTo>
+                  <a:lnTo>
+                    <a:pt x="1384321" y="1862454"/>
+                  </a:lnTo>
+                  <a:lnTo>
+                    <a:pt x="1375993" y="1798232"/>
+                  </a:lnTo>
+                  <a:lnTo>
+                    <a:pt x="1367664" y="1734009"/>
+                  </a:lnTo>
+                  <a:lnTo>
+                    <a:pt x="1359336" y="1669787"/>
+                  </a:lnTo>
+                  <a:lnTo>
+                    <a:pt x="1351007" y="1605564"/>
+                  </a:lnTo>
+                  <a:lnTo>
+                    <a:pt x="1342679" y="1541341"/>
+                  </a:lnTo>
+                  <a:lnTo>
+                    <a:pt x="1334351" y="1477119"/>
+                  </a:lnTo>
+                  <a:lnTo>
+                    <a:pt x="1326022" y="1412896"/>
+                  </a:lnTo>
+                  <a:lnTo>
+                    <a:pt x="1317694" y="1348674"/>
+                  </a:lnTo>
+                  <a:lnTo>
+                    <a:pt x="1309365" y="1284451"/>
+                  </a:lnTo>
+                  <a:lnTo>
+                    <a:pt x="1301037" y="1220229"/>
+                  </a:lnTo>
+                  <a:lnTo>
+                    <a:pt x="1292709" y="1156006"/>
+                  </a:lnTo>
+                  <a:lnTo>
+                    <a:pt x="1284380" y="1091783"/>
+                  </a:lnTo>
+                  <a:lnTo>
+                    <a:pt x="1276052" y="1027561"/>
+                  </a:lnTo>
+                  <a:lnTo>
+                    <a:pt x="1267723" y="963338"/>
+                  </a:lnTo>
+                  <a:lnTo>
+                    <a:pt x="1259395" y="899116"/>
+                  </a:lnTo>
+                  <a:lnTo>
+                    <a:pt x="1251066" y="834893"/>
+                  </a:lnTo>
+                  <a:lnTo>
+                    <a:pt x="1242738" y="770670"/>
+                  </a:lnTo>
+                  <a:lnTo>
+                    <a:pt x="1234410" y="706448"/>
+                  </a:lnTo>
+                  <a:lnTo>
+                    <a:pt x="1226081" y="642225"/>
+                  </a:lnTo>
+                  <a:lnTo>
+                    <a:pt x="1217753" y="578003"/>
+                  </a:lnTo>
+                  <a:lnTo>
+                    <a:pt x="1209424" y="513780"/>
+                  </a:lnTo>
+                  <a:lnTo>
+                    <a:pt x="1201096" y="449558"/>
+                  </a:lnTo>
+                  <a:lnTo>
+                    <a:pt x="1192768" y="385335"/>
+                  </a:lnTo>
+                  <a:lnTo>
+                    <a:pt x="1184439" y="321112"/>
+                  </a:lnTo>
+                  <a:lnTo>
+                    <a:pt x="1176111" y="256890"/>
+                  </a:lnTo>
+                  <a:lnTo>
+                    <a:pt x="1167782" y="192667"/>
+                  </a:lnTo>
+                  <a:lnTo>
+                    <a:pt x="1159454" y="128445"/>
+                  </a:lnTo>
+                  <a:lnTo>
+                    <a:pt x="1151125" y="64222"/>
                   </a:lnTo>
                   <a:close/>
                 </a:path>
@@ -6542,252 +6996,252 @@
           </p:nvSpPr>
           <p:spPr>
             <a:xfrm>
-              <a:off x="2459023" y="3960878"/>
-              <a:ext cx="2080295" cy="1674864"/>
+              <a:off x="2688226" y="3670202"/>
+              <a:ext cx="1851092" cy="1490330"/>
             </a:xfrm>
             <a:custGeom>
               <a:avLst/>
               <a:pathLst>
-                <a:path w="2080295" h="1674864">
+                <a:path w="1851092" h="1490330">
                   <a:moveTo>
-                    <a:pt x="2080295" y="0"/>
+                    <a:pt x="1851092" y="0"/>
                   </a:moveTo>
                   <a:lnTo>
-                    <a:pt x="2008561" y="12286"/>
-                  </a:lnTo>
-                  <a:lnTo>
-                    <a:pt x="1936826" y="24573"/>
-                  </a:lnTo>
-                  <a:lnTo>
-                    <a:pt x="1865092" y="36860"/>
-                  </a:lnTo>
-                  <a:lnTo>
-                    <a:pt x="1793358" y="49147"/>
-                  </a:lnTo>
-                  <a:lnTo>
-                    <a:pt x="1721623" y="61434"/>
-                  </a:lnTo>
-                  <a:lnTo>
-                    <a:pt x="1649889" y="73721"/>
-                  </a:lnTo>
-                  <a:lnTo>
-                    <a:pt x="1578155" y="86008"/>
-                  </a:lnTo>
-                  <a:lnTo>
-                    <a:pt x="1506420" y="98295"/>
-                  </a:lnTo>
-                  <a:lnTo>
-                    <a:pt x="1434686" y="110582"/>
-                  </a:lnTo>
-                  <a:lnTo>
-                    <a:pt x="1362952" y="122869"/>
-                  </a:lnTo>
-                  <a:lnTo>
-                    <a:pt x="1291217" y="135156"/>
-                  </a:lnTo>
-                  <a:lnTo>
-                    <a:pt x="1219483" y="147443"/>
-                  </a:lnTo>
-                  <a:lnTo>
-                    <a:pt x="1147749" y="159730"/>
-                  </a:lnTo>
-                  <a:lnTo>
-                    <a:pt x="1076014" y="172017"/>
-                  </a:lnTo>
-                  <a:lnTo>
-                    <a:pt x="1004280" y="184304"/>
-                  </a:lnTo>
-                  <a:lnTo>
-                    <a:pt x="932546" y="196591"/>
-                  </a:lnTo>
-                  <a:lnTo>
-                    <a:pt x="860811" y="208878"/>
-                  </a:lnTo>
-                  <a:lnTo>
-                    <a:pt x="789077" y="221165"/>
-                  </a:lnTo>
-                  <a:lnTo>
-                    <a:pt x="717343" y="233452"/>
-                  </a:lnTo>
-                  <a:lnTo>
-                    <a:pt x="645608" y="245739"/>
-                  </a:lnTo>
-                  <a:lnTo>
-                    <a:pt x="573874" y="258026"/>
-                  </a:lnTo>
-                  <a:lnTo>
-                    <a:pt x="502140" y="270313"/>
-                  </a:lnTo>
-                  <a:lnTo>
-                    <a:pt x="430405" y="282600"/>
-                  </a:lnTo>
-                  <a:lnTo>
-                    <a:pt x="358671" y="294886"/>
-                  </a:lnTo>
-                  <a:lnTo>
-                    <a:pt x="286937" y="307173"/>
-                  </a:lnTo>
-                  <a:lnTo>
-                    <a:pt x="215202" y="319460"/>
-                  </a:lnTo>
-                  <a:lnTo>
-                    <a:pt x="143468" y="331747"/>
-                  </a:lnTo>
-                  <a:lnTo>
-                    <a:pt x="71734" y="344034"/>
-                  </a:lnTo>
-                  <a:lnTo>
-                    <a:pt x="0" y="356321"/>
-                  </a:lnTo>
-                  <a:lnTo>
-                    <a:pt x="13295" y="426737"/>
-                  </a:lnTo>
-                  <a:lnTo>
-                    <a:pt x="28973" y="496660"/>
-                  </a:lnTo>
-                  <a:lnTo>
-                    <a:pt x="47015" y="566011"/>
-                  </a:lnTo>
-                  <a:lnTo>
-                    <a:pt x="67402" y="634709"/>
-                  </a:lnTo>
-                  <a:lnTo>
-                    <a:pt x="90109" y="702676"/>
-                  </a:lnTo>
-                  <a:lnTo>
-                    <a:pt x="115110" y="769832"/>
-                  </a:lnTo>
-                  <a:lnTo>
-                    <a:pt x="142377" y="836102"/>
-                  </a:lnTo>
-                  <a:lnTo>
-                    <a:pt x="171877" y="901407"/>
-                  </a:lnTo>
-                  <a:lnTo>
-                    <a:pt x="203577" y="965673"/>
-                  </a:lnTo>
-                  <a:lnTo>
-                    <a:pt x="237441" y="1028826"/>
-                  </a:lnTo>
-                  <a:lnTo>
-                    <a:pt x="273429" y="1090794"/>
-                  </a:lnTo>
-                  <a:lnTo>
-                    <a:pt x="311501" y="1151503"/>
-                  </a:lnTo>
-                  <a:lnTo>
-                    <a:pt x="351611" y="1210885"/>
-                  </a:lnTo>
-                  <a:lnTo>
-                    <a:pt x="393713" y="1268872"/>
-                  </a:lnTo>
-                  <a:lnTo>
-                    <a:pt x="437760" y="1325396"/>
-                  </a:lnTo>
-                  <a:lnTo>
-                    <a:pt x="483701" y="1380392"/>
-                  </a:lnTo>
-                  <a:lnTo>
-                    <a:pt x="531482" y="1433796"/>
-                  </a:lnTo>
-                  <a:lnTo>
-                    <a:pt x="581048" y="1485548"/>
-                  </a:lnTo>
-                  <a:lnTo>
-                    <a:pt x="632343" y="1535587"/>
-                  </a:lnTo>
-                  <a:lnTo>
-                    <a:pt x="685307" y="1583856"/>
-                  </a:lnTo>
-                  <a:lnTo>
-                    <a:pt x="739879" y="1630300"/>
-                  </a:lnTo>
-                  <a:lnTo>
-                    <a:pt x="795996" y="1674864"/>
-                  </a:lnTo>
-                  <a:lnTo>
-                    <a:pt x="840282" y="1617110"/>
-                  </a:lnTo>
-                  <a:lnTo>
-                    <a:pt x="884568" y="1559356"/>
-                  </a:lnTo>
-                  <a:lnTo>
-                    <a:pt x="928854" y="1501602"/>
-                  </a:lnTo>
-                  <a:lnTo>
-                    <a:pt x="973140" y="1443848"/>
-                  </a:lnTo>
-                  <a:lnTo>
-                    <a:pt x="1017427" y="1386094"/>
-                  </a:lnTo>
-                  <a:lnTo>
-                    <a:pt x="1061713" y="1328340"/>
-                  </a:lnTo>
-                  <a:lnTo>
-                    <a:pt x="1105999" y="1270586"/>
-                  </a:lnTo>
-                  <a:lnTo>
-                    <a:pt x="1150285" y="1212832"/>
-                  </a:lnTo>
-                  <a:lnTo>
-                    <a:pt x="1194571" y="1155078"/>
-                  </a:lnTo>
-                  <a:lnTo>
-                    <a:pt x="1238858" y="1097324"/>
-                  </a:lnTo>
-                  <a:lnTo>
-                    <a:pt x="1283144" y="1039570"/>
-                  </a:lnTo>
-                  <a:lnTo>
-                    <a:pt x="1327430" y="981816"/>
-                  </a:lnTo>
-                  <a:lnTo>
-                    <a:pt x="1371716" y="924062"/>
-                  </a:lnTo>
-                  <a:lnTo>
-                    <a:pt x="1416002" y="866309"/>
-                  </a:lnTo>
-                  <a:lnTo>
-                    <a:pt x="1460288" y="808555"/>
-                  </a:lnTo>
-                  <a:lnTo>
-                    <a:pt x="1504575" y="750801"/>
-                  </a:lnTo>
-                  <a:lnTo>
-                    <a:pt x="1548861" y="693047"/>
-                  </a:lnTo>
-                  <a:lnTo>
-                    <a:pt x="1593147" y="635293"/>
-                  </a:lnTo>
-                  <a:lnTo>
-                    <a:pt x="1637433" y="577539"/>
-                  </a:lnTo>
-                  <a:lnTo>
-                    <a:pt x="1681719" y="519785"/>
-                  </a:lnTo>
-                  <a:lnTo>
-                    <a:pt x="1726006" y="462031"/>
-                  </a:lnTo>
-                  <a:lnTo>
-                    <a:pt x="1770292" y="404277"/>
-                  </a:lnTo>
-                  <a:lnTo>
-                    <a:pt x="1814578" y="346523"/>
-                  </a:lnTo>
-                  <a:lnTo>
-                    <a:pt x="1858864" y="288769"/>
-                  </a:lnTo>
-                  <a:lnTo>
-                    <a:pt x="1903150" y="231015"/>
-                  </a:lnTo>
-                  <a:lnTo>
-                    <a:pt x="1947436" y="173261"/>
-                  </a:lnTo>
-                  <a:lnTo>
-                    <a:pt x="1991723" y="115507"/>
-                  </a:lnTo>
-                  <a:lnTo>
-                    <a:pt x="2036009" y="57753"/>
+                    <a:pt x="1787261" y="10933"/>
+                  </a:lnTo>
+                  <a:lnTo>
+                    <a:pt x="1723430" y="21866"/>
+                  </a:lnTo>
+                  <a:lnTo>
+                    <a:pt x="1659600" y="32799"/>
+                  </a:lnTo>
+                  <a:lnTo>
+                    <a:pt x="1595769" y="43732"/>
+                  </a:lnTo>
+                  <a:lnTo>
+                    <a:pt x="1531938" y="54666"/>
+                  </a:lnTo>
+                  <a:lnTo>
+                    <a:pt x="1468107" y="65599"/>
+                  </a:lnTo>
+                  <a:lnTo>
+                    <a:pt x="1404276" y="76532"/>
+                  </a:lnTo>
+                  <a:lnTo>
+                    <a:pt x="1340446" y="87465"/>
+                  </a:lnTo>
+                  <a:lnTo>
+                    <a:pt x="1276615" y="98398"/>
+                  </a:lnTo>
+                  <a:lnTo>
+                    <a:pt x="1212784" y="109332"/>
+                  </a:lnTo>
+                  <a:lnTo>
+                    <a:pt x="1148953" y="120265"/>
+                  </a:lnTo>
+                  <a:lnTo>
+                    <a:pt x="1085123" y="131198"/>
+                  </a:lnTo>
+                  <a:lnTo>
+                    <a:pt x="1021292" y="142131"/>
+                  </a:lnTo>
+                  <a:lnTo>
+                    <a:pt x="957461" y="153064"/>
+                  </a:lnTo>
+                  <a:lnTo>
+                    <a:pt x="893630" y="163998"/>
+                  </a:lnTo>
+                  <a:lnTo>
+                    <a:pt x="829800" y="174931"/>
+                  </a:lnTo>
+                  <a:lnTo>
+                    <a:pt x="765969" y="185864"/>
+                  </a:lnTo>
+                  <a:lnTo>
+                    <a:pt x="702138" y="196797"/>
+                  </a:lnTo>
+                  <a:lnTo>
+                    <a:pt x="638307" y="207730"/>
+                  </a:lnTo>
+                  <a:lnTo>
+                    <a:pt x="574476" y="218664"/>
+                  </a:lnTo>
+                  <a:lnTo>
+                    <a:pt x="510646" y="229597"/>
+                  </a:lnTo>
+                  <a:lnTo>
+                    <a:pt x="446815" y="240530"/>
+                  </a:lnTo>
+                  <a:lnTo>
+                    <a:pt x="382984" y="251463"/>
+                  </a:lnTo>
+                  <a:lnTo>
+                    <a:pt x="319153" y="262396"/>
+                  </a:lnTo>
+                  <a:lnTo>
+                    <a:pt x="255323" y="273330"/>
+                  </a:lnTo>
+                  <a:lnTo>
+                    <a:pt x="191492" y="284263"/>
+                  </a:lnTo>
+                  <a:lnTo>
+                    <a:pt x="127661" y="295196"/>
+                  </a:lnTo>
+                  <a:lnTo>
+                    <a:pt x="63830" y="306129"/>
+                  </a:lnTo>
+                  <a:lnTo>
+                    <a:pt x="0" y="317062"/>
+                  </a:lnTo>
+                  <a:lnTo>
+                    <a:pt x="11830" y="379719"/>
+                  </a:lnTo>
+                  <a:lnTo>
+                    <a:pt x="25781" y="441939"/>
+                  </a:lnTo>
+                  <a:lnTo>
+                    <a:pt x="41835" y="503649"/>
+                  </a:lnTo>
+                  <a:lnTo>
+                    <a:pt x="59976" y="564778"/>
+                  </a:lnTo>
+                  <a:lnTo>
+                    <a:pt x="80181" y="625256"/>
+                  </a:lnTo>
+                  <a:lnTo>
+                    <a:pt x="102427" y="685014"/>
+                  </a:lnTo>
+                  <a:lnTo>
+                    <a:pt x="126690" y="743981"/>
+                  </a:lnTo>
+                  <a:lnTo>
+                    <a:pt x="152940" y="802092"/>
+                  </a:lnTo>
+                  <a:lnTo>
+                    <a:pt x="181148" y="859277"/>
+                  </a:lnTo>
+                  <a:lnTo>
+                    <a:pt x="211280" y="915472"/>
+                  </a:lnTo>
+                  <a:lnTo>
+                    <a:pt x="243303" y="970612"/>
+                  </a:lnTo>
+                  <a:lnTo>
+                    <a:pt x="277180" y="1024633"/>
+                  </a:lnTo>
+                  <a:lnTo>
+                    <a:pt x="312871" y="1077472"/>
+                  </a:lnTo>
+                  <a:lnTo>
+                    <a:pt x="350335" y="1129070"/>
+                  </a:lnTo>
+                  <a:lnTo>
+                    <a:pt x="389529" y="1179366"/>
+                  </a:lnTo>
+                  <a:lnTo>
+                    <a:pt x="430408" y="1228302"/>
+                  </a:lnTo>
+                  <a:lnTo>
+                    <a:pt x="472924" y="1275823"/>
+                  </a:lnTo>
+                  <a:lnTo>
+                    <a:pt x="517029" y="1321873"/>
+                  </a:lnTo>
+                  <a:lnTo>
+                    <a:pt x="562673" y="1366399"/>
+                  </a:lnTo>
+                  <a:lnTo>
+                    <a:pt x="609801" y="1409350"/>
+                  </a:lnTo>
+                  <a:lnTo>
+                    <a:pt x="658360" y="1450676"/>
+                  </a:lnTo>
+                  <a:lnTo>
+                    <a:pt x="708294" y="1490330"/>
+                  </a:lnTo>
+                  <a:lnTo>
+                    <a:pt x="747701" y="1438939"/>
+                  </a:lnTo>
+                  <a:lnTo>
+                    <a:pt x="787108" y="1387549"/>
+                  </a:lnTo>
+                  <a:lnTo>
+                    <a:pt x="826515" y="1336158"/>
+                  </a:lnTo>
+                  <a:lnTo>
+                    <a:pt x="865922" y="1284767"/>
+                  </a:lnTo>
+                  <a:lnTo>
+                    <a:pt x="905328" y="1233377"/>
+                  </a:lnTo>
+                  <a:lnTo>
+                    <a:pt x="944735" y="1181986"/>
+                  </a:lnTo>
+                  <a:lnTo>
+                    <a:pt x="984142" y="1130595"/>
+                  </a:lnTo>
+                  <a:lnTo>
+                    <a:pt x="1023549" y="1079204"/>
+                  </a:lnTo>
+                  <a:lnTo>
+                    <a:pt x="1062956" y="1027814"/>
+                  </a:lnTo>
+                  <a:lnTo>
+                    <a:pt x="1102362" y="976423"/>
+                  </a:lnTo>
+                  <a:lnTo>
+                    <a:pt x="1141769" y="925032"/>
+                  </a:lnTo>
+                  <a:lnTo>
+                    <a:pt x="1181176" y="873642"/>
+                  </a:lnTo>
+                  <a:lnTo>
+                    <a:pt x="1220583" y="822251"/>
+                  </a:lnTo>
+                  <a:lnTo>
+                    <a:pt x="1259990" y="770860"/>
+                  </a:lnTo>
+                  <a:lnTo>
+                    <a:pt x="1299397" y="719469"/>
+                  </a:lnTo>
+                  <a:lnTo>
+                    <a:pt x="1338803" y="668079"/>
+                  </a:lnTo>
+                  <a:lnTo>
+                    <a:pt x="1378210" y="616688"/>
+                  </a:lnTo>
+                  <a:lnTo>
+                    <a:pt x="1417617" y="565297"/>
+                  </a:lnTo>
+                  <a:lnTo>
+                    <a:pt x="1457024" y="513907"/>
+                  </a:lnTo>
+                  <a:lnTo>
+                    <a:pt x="1496431" y="462516"/>
+                  </a:lnTo>
+                  <a:lnTo>
+                    <a:pt x="1535837" y="411125"/>
+                  </a:lnTo>
+                  <a:lnTo>
+                    <a:pt x="1575244" y="359734"/>
+                  </a:lnTo>
+                  <a:lnTo>
+                    <a:pt x="1614651" y="308344"/>
+                  </a:lnTo>
+                  <a:lnTo>
+                    <a:pt x="1654058" y="256953"/>
+                  </a:lnTo>
+                  <a:lnTo>
+                    <a:pt x="1693465" y="205562"/>
+                  </a:lnTo>
+                  <a:lnTo>
+                    <a:pt x="1732871" y="154172"/>
+                  </a:lnTo>
+                  <a:lnTo>
+                    <a:pt x="1772278" y="102781"/>
+                  </a:lnTo>
+                  <a:lnTo>
+                    <a:pt x="1811685" y="51390"/>
                   </a:lnTo>
                   <a:close/>
                 </a:path>
@@ -6822,237 +7276,237 @@
           </p:nvSpPr>
           <p:spPr>
             <a:xfrm>
-              <a:off x="2428729" y="3115529"/>
-              <a:ext cx="2110588" cy="1201671"/>
+              <a:off x="2661270" y="2917992"/>
+              <a:ext cx="1878048" cy="1069273"/>
             </a:xfrm>
             <a:custGeom>
               <a:avLst/>
               <a:pathLst>
-                <a:path w="2110588" h="1201671">
+                <a:path w="1878048" h="1069273">
                   <a:moveTo>
-                    <a:pt x="2110588" y="845349"/>
+                    <a:pt x="1878048" y="752210"/>
                   </a:moveTo>
                   <a:lnTo>
-                    <a:pt x="2043902" y="816199"/>
-                  </a:lnTo>
-                  <a:lnTo>
-                    <a:pt x="1977216" y="787049"/>
-                  </a:lnTo>
-                  <a:lnTo>
-                    <a:pt x="1910529" y="757899"/>
-                  </a:lnTo>
-                  <a:lnTo>
-                    <a:pt x="1843843" y="728749"/>
-                  </a:lnTo>
-                  <a:lnTo>
-                    <a:pt x="1777157" y="699599"/>
-                  </a:lnTo>
-                  <a:lnTo>
-                    <a:pt x="1710471" y="670449"/>
-                  </a:lnTo>
-                  <a:lnTo>
-                    <a:pt x="1643784" y="641299"/>
-                  </a:lnTo>
-                  <a:lnTo>
-                    <a:pt x="1577098" y="612149"/>
-                  </a:lnTo>
-                  <a:lnTo>
-                    <a:pt x="1510412" y="582999"/>
-                  </a:lnTo>
-                  <a:lnTo>
-                    <a:pt x="1443725" y="553849"/>
-                  </a:lnTo>
-                  <a:lnTo>
-                    <a:pt x="1377039" y="524699"/>
-                  </a:lnTo>
-                  <a:lnTo>
-                    <a:pt x="1310353" y="495549"/>
-                  </a:lnTo>
-                  <a:lnTo>
-                    <a:pt x="1243667" y="466399"/>
-                  </a:lnTo>
-                  <a:lnTo>
-                    <a:pt x="1176980" y="437249"/>
-                  </a:lnTo>
-                  <a:lnTo>
-                    <a:pt x="1110294" y="408099"/>
-                  </a:lnTo>
-                  <a:lnTo>
-                    <a:pt x="1043608" y="378949"/>
-                  </a:lnTo>
-                  <a:lnTo>
-                    <a:pt x="976921" y="349799"/>
-                  </a:lnTo>
-                  <a:lnTo>
-                    <a:pt x="910235" y="320649"/>
-                  </a:lnTo>
-                  <a:lnTo>
-                    <a:pt x="843549" y="291499"/>
-                  </a:lnTo>
-                  <a:lnTo>
-                    <a:pt x="776862" y="262349"/>
-                  </a:lnTo>
-                  <a:lnTo>
-                    <a:pt x="710176" y="233199"/>
-                  </a:lnTo>
-                  <a:lnTo>
-                    <a:pt x="643490" y="204049"/>
-                  </a:lnTo>
-                  <a:lnTo>
-                    <a:pt x="576804" y="174899"/>
-                  </a:lnTo>
-                  <a:lnTo>
-                    <a:pt x="510117" y="145749"/>
-                  </a:lnTo>
-                  <a:lnTo>
-                    <a:pt x="443431" y="116599"/>
-                  </a:lnTo>
-                  <a:lnTo>
-                    <a:pt x="376745" y="87449"/>
-                  </a:lnTo>
-                  <a:lnTo>
-                    <a:pt x="310058" y="58299"/>
-                  </a:lnTo>
-                  <a:lnTo>
-                    <a:pt x="243372" y="29149"/>
-                  </a:lnTo>
-                  <a:lnTo>
-                    <a:pt x="176686" y="0"/>
-                  </a:lnTo>
-                  <a:lnTo>
-                    <a:pt x="148896" y="66659"/>
-                  </a:lnTo>
-                  <a:lnTo>
-                    <a:pt x="123404" y="134229"/>
-                  </a:lnTo>
-                  <a:lnTo>
-                    <a:pt x="100238" y="202633"/>
-                  </a:lnTo>
-                  <a:lnTo>
-                    <a:pt x="79425" y="271789"/>
-                  </a:lnTo>
-                  <a:lnTo>
-                    <a:pt x="60991" y="341616"/>
-                  </a:lnTo>
-                  <a:lnTo>
-                    <a:pt x="44957" y="412033"/>
-                  </a:lnTo>
-                  <a:lnTo>
-                    <a:pt x="31342" y="482958"/>
-                  </a:lnTo>
-                  <a:lnTo>
-                    <a:pt x="20160" y="554307"/>
-                  </a:lnTo>
-                  <a:lnTo>
-                    <a:pt x="11427" y="625997"/>
-                  </a:lnTo>
-                  <a:lnTo>
-                    <a:pt x="5151" y="697943"/>
-                  </a:lnTo>
-                  <a:lnTo>
-                    <a:pt x="1340" y="770062"/>
-                  </a:lnTo>
-                  <a:lnTo>
-                    <a:pt x="0" y="842269"/>
-                  </a:lnTo>
-                  <a:lnTo>
-                    <a:pt x="1130" y="914480"/>
-                  </a:lnTo>
-                  <a:lnTo>
-                    <a:pt x="4730" y="986610"/>
-                  </a:lnTo>
-                  <a:lnTo>
-                    <a:pt x="10796" y="1058575"/>
-                  </a:lnTo>
-                  <a:lnTo>
-                    <a:pt x="19320" y="1130290"/>
-                  </a:lnTo>
-                  <a:lnTo>
-                    <a:pt x="30293" y="1201671"/>
-                  </a:lnTo>
-                  <a:lnTo>
-                    <a:pt x="102027" y="1189384"/>
-                  </a:lnTo>
-                  <a:lnTo>
-                    <a:pt x="173761" y="1177097"/>
-                  </a:lnTo>
-                  <a:lnTo>
-                    <a:pt x="245496" y="1164810"/>
-                  </a:lnTo>
-                  <a:lnTo>
-                    <a:pt x="317230" y="1152523"/>
-                  </a:lnTo>
-                  <a:lnTo>
-                    <a:pt x="388964" y="1140236"/>
-                  </a:lnTo>
-                  <a:lnTo>
-                    <a:pt x="460699" y="1127949"/>
-                  </a:lnTo>
-                  <a:lnTo>
-                    <a:pt x="532433" y="1115662"/>
-                  </a:lnTo>
-                  <a:lnTo>
-                    <a:pt x="604167" y="1103375"/>
-                  </a:lnTo>
-                  <a:lnTo>
-                    <a:pt x="675902" y="1091088"/>
-                  </a:lnTo>
-                  <a:lnTo>
-                    <a:pt x="747636" y="1078801"/>
-                  </a:lnTo>
-                  <a:lnTo>
-                    <a:pt x="819370" y="1066514"/>
-                  </a:lnTo>
-                  <a:lnTo>
-                    <a:pt x="891105" y="1054227"/>
-                  </a:lnTo>
-                  <a:lnTo>
-                    <a:pt x="962839" y="1041940"/>
-                  </a:lnTo>
-                  <a:lnTo>
-                    <a:pt x="1034573" y="1029653"/>
-                  </a:lnTo>
-                  <a:lnTo>
-                    <a:pt x="1106308" y="1017366"/>
-                  </a:lnTo>
-                  <a:lnTo>
-                    <a:pt x="1178042" y="1005080"/>
-                  </a:lnTo>
-                  <a:lnTo>
-                    <a:pt x="1249776" y="992793"/>
-                  </a:lnTo>
-                  <a:lnTo>
-                    <a:pt x="1321511" y="980506"/>
-                  </a:lnTo>
-                  <a:lnTo>
-                    <a:pt x="1393245" y="968219"/>
-                  </a:lnTo>
-                  <a:lnTo>
-                    <a:pt x="1464979" y="955932"/>
-                  </a:lnTo>
-                  <a:lnTo>
-                    <a:pt x="1536714" y="943645"/>
-                  </a:lnTo>
-                  <a:lnTo>
-                    <a:pt x="1608448" y="931358"/>
-                  </a:lnTo>
-                  <a:lnTo>
-                    <a:pt x="1680182" y="919071"/>
-                  </a:lnTo>
-                  <a:lnTo>
-                    <a:pt x="1751917" y="906784"/>
-                  </a:lnTo>
-                  <a:lnTo>
-                    <a:pt x="1823651" y="894497"/>
-                  </a:lnTo>
-                  <a:lnTo>
-                    <a:pt x="1895385" y="882210"/>
-                  </a:lnTo>
-                  <a:lnTo>
-                    <a:pt x="1967120" y="869923"/>
-                  </a:lnTo>
-                  <a:lnTo>
-                    <a:pt x="2038854" y="857636"/>
+                    <a:pt x="1818709" y="726272"/>
+                  </a:lnTo>
+                  <a:lnTo>
+                    <a:pt x="1759370" y="700333"/>
+                  </a:lnTo>
+                  <a:lnTo>
+                    <a:pt x="1700031" y="674395"/>
+                  </a:lnTo>
+                  <a:lnTo>
+                    <a:pt x="1640692" y="648457"/>
+                  </a:lnTo>
+                  <a:lnTo>
+                    <a:pt x="1581353" y="622519"/>
+                  </a:lnTo>
+                  <a:lnTo>
+                    <a:pt x="1522014" y="596580"/>
+                  </a:lnTo>
+                  <a:lnTo>
+                    <a:pt x="1462675" y="570642"/>
+                  </a:lnTo>
+                  <a:lnTo>
+                    <a:pt x="1403336" y="544704"/>
+                  </a:lnTo>
+                  <a:lnTo>
+                    <a:pt x="1343997" y="518765"/>
+                  </a:lnTo>
+                  <a:lnTo>
+                    <a:pt x="1284658" y="492827"/>
+                  </a:lnTo>
+                  <a:lnTo>
+                    <a:pt x="1225319" y="466889"/>
+                  </a:lnTo>
+                  <a:lnTo>
+                    <a:pt x="1165980" y="440950"/>
+                  </a:lnTo>
+                  <a:lnTo>
+                    <a:pt x="1106642" y="415012"/>
+                  </a:lnTo>
+                  <a:lnTo>
+                    <a:pt x="1047303" y="389074"/>
+                  </a:lnTo>
+                  <a:lnTo>
+                    <a:pt x="987964" y="363136"/>
+                  </a:lnTo>
+                  <a:lnTo>
+                    <a:pt x="928625" y="337197"/>
+                  </a:lnTo>
+                  <a:lnTo>
+                    <a:pt x="869286" y="311259"/>
+                  </a:lnTo>
+                  <a:lnTo>
+                    <a:pt x="809947" y="285321"/>
+                  </a:lnTo>
+                  <a:lnTo>
+                    <a:pt x="750608" y="259382"/>
+                  </a:lnTo>
+                  <a:lnTo>
+                    <a:pt x="691269" y="233444"/>
+                  </a:lnTo>
+                  <a:lnTo>
+                    <a:pt x="631930" y="207506"/>
+                  </a:lnTo>
+                  <a:lnTo>
+                    <a:pt x="572591" y="181568"/>
+                  </a:lnTo>
+                  <a:lnTo>
+                    <a:pt x="513252" y="155629"/>
+                  </a:lnTo>
+                  <a:lnTo>
+                    <a:pt x="453913" y="129691"/>
+                  </a:lnTo>
+                  <a:lnTo>
+                    <a:pt x="394575" y="103753"/>
+                  </a:lnTo>
+                  <a:lnTo>
+                    <a:pt x="335236" y="77814"/>
+                  </a:lnTo>
+                  <a:lnTo>
+                    <a:pt x="275897" y="51876"/>
+                  </a:lnTo>
+                  <a:lnTo>
+                    <a:pt x="216558" y="25938"/>
+                  </a:lnTo>
+                  <a:lnTo>
+                    <a:pt x="157219" y="0"/>
+                  </a:lnTo>
+                  <a:lnTo>
+                    <a:pt x="132491" y="59314"/>
+                  </a:lnTo>
+                  <a:lnTo>
+                    <a:pt x="109807" y="119440"/>
+                  </a:lnTo>
+                  <a:lnTo>
+                    <a:pt x="89193" y="180307"/>
+                  </a:lnTo>
+                  <a:lnTo>
+                    <a:pt x="70674" y="241843"/>
+                  </a:lnTo>
+                  <a:lnTo>
+                    <a:pt x="54271" y="303977"/>
+                  </a:lnTo>
+                  <a:lnTo>
+                    <a:pt x="40004" y="366636"/>
+                  </a:lnTo>
+                  <a:lnTo>
+                    <a:pt x="27888" y="429746"/>
+                  </a:lnTo>
+                  <a:lnTo>
+                    <a:pt x="17939" y="493234"/>
+                  </a:lnTo>
+                  <a:lnTo>
+                    <a:pt x="10168" y="557025"/>
+                  </a:lnTo>
+                  <a:lnTo>
+                    <a:pt x="4583" y="621045"/>
+                  </a:lnTo>
+                  <a:lnTo>
+                    <a:pt x="1193" y="685218"/>
+                  </a:lnTo>
+                  <a:lnTo>
+                    <a:pt x="0" y="749470"/>
+                  </a:lnTo>
+                  <a:lnTo>
+                    <a:pt x="1005" y="813724"/>
+                  </a:lnTo>
+                  <a:lnTo>
+                    <a:pt x="4209" y="877907"/>
+                  </a:lnTo>
+                  <a:lnTo>
+                    <a:pt x="9606" y="941943"/>
+                  </a:lnTo>
+                  <a:lnTo>
+                    <a:pt x="17191" y="1005756"/>
+                  </a:lnTo>
+                  <a:lnTo>
+                    <a:pt x="26955" y="1069273"/>
+                  </a:lnTo>
+                  <a:lnTo>
+                    <a:pt x="90786" y="1058340"/>
+                  </a:lnTo>
+                  <a:lnTo>
+                    <a:pt x="154617" y="1047407"/>
+                  </a:lnTo>
+                  <a:lnTo>
+                    <a:pt x="218447" y="1036473"/>
+                  </a:lnTo>
+                  <a:lnTo>
+                    <a:pt x="282278" y="1025540"/>
+                  </a:lnTo>
+                  <a:lnTo>
+                    <a:pt x="346109" y="1014607"/>
+                  </a:lnTo>
+                  <a:lnTo>
+                    <a:pt x="409940" y="1003674"/>
+                  </a:lnTo>
+                  <a:lnTo>
+                    <a:pt x="473771" y="992740"/>
+                  </a:lnTo>
+                  <a:lnTo>
+                    <a:pt x="537601" y="981807"/>
+                  </a:lnTo>
+                  <a:lnTo>
+                    <a:pt x="601432" y="970874"/>
+                  </a:lnTo>
+                  <a:lnTo>
+                    <a:pt x="665263" y="959941"/>
+                  </a:lnTo>
+                  <a:lnTo>
+                    <a:pt x="729094" y="949008"/>
+                  </a:lnTo>
+                  <a:lnTo>
+                    <a:pt x="792924" y="938074"/>
+                  </a:lnTo>
+                  <a:lnTo>
+                    <a:pt x="856755" y="927141"/>
+                  </a:lnTo>
+                  <a:lnTo>
+                    <a:pt x="920586" y="916208"/>
+                  </a:lnTo>
+                  <a:lnTo>
+                    <a:pt x="984417" y="905275"/>
+                  </a:lnTo>
+                  <a:lnTo>
+                    <a:pt x="1048247" y="894342"/>
+                  </a:lnTo>
+                  <a:lnTo>
+                    <a:pt x="1112078" y="883408"/>
+                  </a:lnTo>
+                  <a:lnTo>
+                    <a:pt x="1175909" y="872475"/>
+                  </a:lnTo>
+                  <a:lnTo>
+                    <a:pt x="1239740" y="861542"/>
+                  </a:lnTo>
+                  <a:lnTo>
+                    <a:pt x="1303571" y="850609"/>
+                  </a:lnTo>
+                  <a:lnTo>
+                    <a:pt x="1367401" y="839676"/>
+                  </a:lnTo>
+                  <a:lnTo>
+                    <a:pt x="1431232" y="828742"/>
+                  </a:lnTo>
+                  <a:lnTo>
+                    <a:pt x="1495063" y="817809"/>
+                  </a:lnTo>
+                  <a:lnTo>
+                    <a:pt x="1558894" y="806876"/>
+                  </a:lnTo>
+                  <a:lnTo>
+                    <a:pt x="1622724" y="795943"/>
+                  </a:lnTo>
+                  <a:lnTo>
+                    <a:pt x="1686555" y="785010"/>
+                  </a:lnTo>
+                  <a:lnTo>
+                    <a:pt x="1750386" y="774076"/>
+                  </a:lnTo>
+                  <a:lnTo>
+                    <a:pt x="1814217" y="763143"/>
                   </a:lnTo>
                   <a:close/>
                 </a:path>
@@ -7087,222 +7541,222 @@
           </p:nvSpPr>
           <p:spPr>
             <a:xfrm>
-              <a:off x="2605416" y="2395628"/>
-              <a:ext cx="1933902" cy="1565250"/>
+              <a:off x="2818489" y="2277408"/>
+              <a:ext cx="1720828" cy="1392793"/>
             </a:xfrm>
             <a:custGeom>
               <a:avLst/>
               <a:pathLst>
-                <a:path w="1933902" h="1565250">
+                <a:path w="1720828" h="1392793">
                   <a:moveTo>
-                    <a:pt x="1933902" y="1565250"/>
+                    <a:pt x="1720828" y="1392793"/>
                   </a:moveTo>
                   <a:lnTo>
-                    <a:pt x="1885080" y="1511276"/>
-                  </a:lnTo>
-                  <a:lnTo>
-                    <a:pt x="1836258" y="1457301"/>
-                  </a:lnTo>
-                  <a:lnTo>
-                    <a:pt x="1787436" y="1403327"/>
-                  </a:lnTo>
-                  <a:lnTo>
-                    <a:pt x="1738614" y="1349353"/>
-                  </a:lnTo>
-                  <a:lnTo>
-                    <a:pt x="1689793" y="1295379"/>
-                  </a:lnTo>
-                  <a:lnTo>
-                    <a:pt x="1640971" y="1241405"/>
-                  </a:lnTo>
-                  <a:lnTo>
-                    <a:pt x="1592149" y="1187431"/>
-                  </a:lnTo>
-                  <a:lnTo>
-                    <a:pt x="1543327" y="1133457"/>
-                  </a:lnTo>
-                  <a:lnTo>
-                    <a:pt x="1494505" y="1079482"/>
-                  </a:lnTo>
-                  <a:lnTo>
-                    <a:pt x="1445683" y="1025508"/>
-                  </a:lnTo>
-                  <a:lnTo>
-                    <a:pt x="1396861" y="971534"/>
-                  </a:lnTo>
-                  <a:lnTo>
-                    <a:pt x="1348040" y="917560"/>
-                  </a:lnTo>
-                  <a:lnTo>
-                    <a:pt x="1299218" y="863586"/>
-                  </a:lnTo>
-                  <a:lnTo>
-                    <a:pt x="1250396" y="809612"/>
-                  </a:lnTo>
-                  <a:lnTo>
-                    <a:pt x="1201574" y="755638"/>
-                  </a:lnTo>
-                  <a:lnTo>
-                    <a:pt x="1152752" y="701663"/>
-                  </a:lnTo>
-                  <a:lnTo>
-                    <a:pt x="1103930" y="647689"/>
-                  </a:lnTo>
-                  <a:lnTo>
-                    <a:pt x="1055108" y="593715"/>
-                  </a:lnTo>
-                  <a:lnTo>
-                    <a:pt x="1006286" y="539741"/>
-                  </a:lnTo>
-                  <a:lnTo>
-                    <a:pt x="957465" y="485767"/>
-                  </a:lnTo>
-                  <a:lnTo>
-                    <a:pt x="908643" y="431793"/>
-                  </a:lnTo>
-                  <a:lnTo>
-                    <a:pt x="859821" y="377819"/>
-                  </a:lnTo>
-                  <a:lnTo>
-                    <a:pt x="810999" y="323844"/>
-                  </a:lnTo>
-                  <a:lnTo>
-                    <a:pt x="762177" y="269870"/>
-                  </a:lnTo>
-                  <a:lnTo>
-                    <a:pt x="713355" y="215896"/>
-                  </a:lnTo>
-                  <a:lnTo>
-                    <a:pt x="664533" y="161922"/>
-                  </a:lnTo>
-                  <a:lnTo>
-                    <a:pt x="615712" y="107948"/>
-                  </a:lnTo>
-                  <a:lnTo>
-                    <a:pt x="566890" y="53974"/>
-                  </a:lnTo>
-                  <a:lnTo>
-                    <a:pt x="518068" y="0"/>
-                  </a:lnTo>
-                  <a:lnTo>
-                    <a:pt x="463735" y="50917"/>
-                  </a:lnTo>
-                  <a:lnTo>
-                    <a:pt x="411232" y="103719"/>
-                  </a:lnTo>
-                  <a:lnTo>
-                    <a:pt x="360625" y="158341"/>
-                  </a:lnTo>
-                  <a:lnTo>
-                    <a:pt x="311975" y="214713"/>
-                  </a:lnTo>
-                  <a:lnTo>
-                    <a:pt x="265345" y="272767"/>
-                  </a:lnTo>
-                  <a:lnTo>
-                    <a:pt x="220791" y="332429"/>
-                  </a:lnTo>
-                  <a:lnTo>
-                    <a:pt x="178370" y="393626"/>
-                  </a:lnTo>
-                  <a:lnTo>
-                    <a:pt x="138134" y="456281"/>
-                  </a:lnTo>
-                  <a:lnTo>
-                    <a:pt x="100133" y="520317"/>
-                  </a:lnTo>
-                  <a:lnTo>
-                    <a:pt x="64414" y="585653"/>
-                  </a:lnTo>
-                  <a:lnTo>
-                    <a:pt x="31023" y="652208"/>
-                  </a:lnTo>
-                  <a:lnTo>
-                    <a:pt x="0" y="719900"/>
-                  </a:lnTo>
-                  <a:lnTo>
-                    <a:pt x="66686" y="749050"/>
-                  </a:lnTo>
-                  <a:lnTo>
-                    <a:pt x="133372" y="778200"/>
-                  </a:lnTo>
-                  <a:lnTo>
-                    <a:pt x="200058" y="807350"/>
-                  </a:lnTo>
-                  <a:lnTo>
-                    <a:pt x="266745" y="836500"/>
-                  </a:lnTo>
-                  <a:lnTo>
-                    <a:pt x="333431" y="865650"/>
-                  </a:lnTo>
-                  <a:lnTo>
-                    <a:pt x="400117" y="894800"/>
-                  </a:lnTo>
-                  <a:lnTo>
-                    <a:pt x="466804" y="923950"/>
-                  </a:lnTo>
-                  <a:lnTo>
-                    <a:pt x="533490" y="953100"/>
-                  </a:lnTo>
-                  <a:lnTo>
-                    <a:pt x="600176" y="982250"/>
-                  </a:lnTo>
-                  <a:lnTo>
-                    <a:pt x="666862" y="1011400"/>
-                  </a:lnTo>
-                  <a:lnTo>
-                    <a:pt x="733549" y="1040550"/>
-                  </a:lnTo>
-                  <a:lnTo>
-                    <a:pt x="800235" y="1069700"/>
-                  </a:lnTo>
-                  <a:lnTo>
-                    <a:pt x="866921" y="1098850"/>
-                  </a:lnTo>
-                  <a:lnTo>
-                    <a:pt x="933608" y="1128000"/>
-                  </a:lnTo>
-                  <a:lnTo>
-                    <a:pt x="1000294" y="1157150"/>
-                  </a:lnTo>
-                  <a:lnTo>
-                    <a:pt x="1066980" y="1186300"/>
-                  </a:lnTo>
-                  <a:lnTo>
-                    <a:pt x="1133666" y="1215450"/>
-                  </a:lnTo>
-                  <a:lnTo>
-                    <a:pt x="1200353" y="1244600"/>
-                  </a:lnTo>
-                  <a:lnTo>
-                    <a:pt x="1267039" y="1273750"/>
-                  </a:lnTo>
-                  <a:lnTo>
-                    <a:pt x="1333725" y="1302900"/>
-                  </a:lnTo>
-                  <a:lnTo>
-                    <a:pt x="1400412" y="1332050"/>
-                  </a:lnTo>
-                  <a:lnTo>
-                    <a:pt x="1467098" y="1361200"/>
-                  </a:lnTo>
-                  <a:lnTo>
-                    <a:pt x="1533784" y="1390350"/>
-                  </a:lnTo>
-                  <a:lnTo>
-                    <a:pt x="1600470" y="1419500"/>
-                  </a:lnTo>
-                  <a:lnTo>
-                    <a:pt x="1667157" y="1448650"/>
-                  </a:lnTo>
-                  <a:lnTo>
-                    <a:pt x="1733843" y="1477800"/>
-                  </a:lnTo>
-                  <a:lnTo>
-                    <a:pt x="1800529" y="1506950"/>
-                  </a:lnTo>
-                  <a:lnTo>
-                    <a:pt x="1867216" y="1536100"/>
+                    <a:pt x="1677385" y="1344766"/>
+                  </a:lnTo>
+                  <a:lnTo>
+                    <a:pt x="1633943" y="1296739"/>
+                  </a:lnTo>
+                  <a:lnTo>
+                    <a:pt x="1590500" y="1248711"/>
+                  </a:lnTo>
+                  <a:lnTo>
+                    <a:pt x="1547057" y="1200684"/>
+                  </a:lnTo>
+                  <a:lnTo>
+                    <a:pt x="1503614" y="1152656"/>
+                  </a:lnTo>
+                  <a:lnTo>
+                    <a:pt x="1460172" y="1104629"/>
+                  </a:lnTo>
+                  <a:lnTo>
+                    <a:pt x="1416729" y="1056602"/>
+                  </a:lnTo>
+                  <a:lnTo>
+                    <a:pt x="1373286" y="1008574"/>
+                  </a:lnTo>
+                  <a:lnTo>
+                    <a:pt x="1329843" y="960547"/>
+                  </a:lnTo>
+                  <a:lnTo>
+                    <a:pt x="1286401" y="912520"/>
+                  </a:lnTo>
+                  <a:lnTo>
+                    <a:pt x="1242958" y="864492"/>
+                  </a:lnTo>
+                  <a:lnTo>
+                    <a:pt x="1199515" y="816465"/>
+                  </a:lnTo>
+                  <a:lnTo>
+                    <a:pt x="1156072" y="768437"/>
+                  </a:lnTo>
+                  <a:lnTo>
+                    <a:pt x="1112629" y="720410"/>
+                  </a:lnTo>
+                  <a:lnTo>
+                    <a:pt x="1069187" y="672383"/>
+                  </a:lnTo>
+                  <a:lnTo>
+                    <a:pt x="1025744" y="624355"/>
+                  </a:lnTo>
+                  <a:lnTo>
+                    <a:pt x="982301" y="576328"/>
+                  </a:lnTo>
+                  <a:lnTo>
+                    <a:pt x="938858" y="528301"/>
+                  </a:lnTo>
+                  <a:lnTo>
+                    <a:pt x="895416" y="480273"/>
+                  </a:lnTo>
+                  <a:lnTo>
+                    <a:pt x="851973" y="432246"/>
+                  </a:lnTo>
+                  <a:lnTo>
+                    <a:pt x="808530" y="384218"/>
+                  </a:lnTo>
+                  <a:lnTo>
+                    <a:pt x="765087" y="336191"/>
+                  </a:lnTo>
+                  <a:lnTo>
+                    <a:pt x="721645" y="288164"/>
+                  </a:lnTo>
+                  <a:lnTo>
+                    <a:pt x="678202" y="240136"/>
+                  </a:lnTo>
+                  <a:lnTo>
+                    <a:pt x="634759" y="192109"/>
+                  </a:lnTo>
+                  <a:lnTo>
+                    <a:pt x="591316" y="144082"/>
+                  </a:lnTo>
+                  <a:lnTo>
+                    <a:pt x="547874" y="96054"/>
+                  </a:lnTo>
+                  <a:lnTo>
+                    <a:pt x="504431" y="48027"/>
+                  </a:lnTo>
+                  <a:lnTo>
+                    <a:pt x="460988" y="0"/>
+                  </a:lnTo>
+                  <a:lnTo>
+                    <a:pt x="412642" y="45307"/>
+                  </a:lnTo>
+                  <a:lnTo>
+                    <a:pt x="365923" y="92292"/>
+                  </a:lnTo>
+                  <a:lnTo>
+                    <a:pt x="320892" y="140895"/>
+                  </a:lnTo>
+                  <a:lnTo>
+                    <a:pt x="277603" y="191056"/>
+                  </a:lnTo>
+                  <a:lnTo>
+                    <a:pt x="236110" y="242714"/>
+                  </a:lnTo>
+                  <a:lnTo>
+                    <a:pt x="196465" y="295803"/>
+                  </a:lnTo>
+                  <a:lnTo>
+                    <a:pt x="158717" y="350257"/>
+                  </a:lnTo>
+                  <a:lnTo>
+                    <a:pt x="122914" y="406009"/>
+                  </a:lnTo>
+                  <a:lnTo>
+                    <a:pt x="89100" y="462989"/>
+                  </a:lnTo>
+                  <a:lnTo>
+                    <a:pt x="57317" y="521127"/>
+                  </a:lnTo>
+                  <a:lnTo>
+                    <a:pt x="27605" y="580349"/>
+                  </a:lnTo>
+                  <a:lnTo>
+                    <a:pt x="0" y="640583"/>
+                  </a:lnTo>
+                  <a:lnTo>
+                    <a:pt x="59338" y="666521"/>
+                  </a:lnTo>
+                  <a:lnTo>
+                    <a:pt x="118677" y="692459"/>
+                  </a:lnTo>
+                  <a:lnTo>
+                    <a:pt x="178016" y="718398"/>
+                  </a:lnTo>
+                  <a:lnTo>
+                    <a:pt x="237355" y="744336"/>
+                  </a:lnTo>
+                  <a:lnTo>
+                    <a:pt x="296694" y="770274"/>
+                  </a:lnTo>
+                  <a:lnTo>
+                    <a:pt x="356033" y="796213"/>
+                  </a:lnTo>
+                  <a:lnTo>
+                    <a:pt x="415372" y="822151"/>
+                  </a:lnTo>
+                  <a:lnTo>
+                    <a:pt x="474711" y="848089"/>
+                  </a:lnTo>
+                  <a:lnTo>
+                    <a:pt x="534050" y="874027"/>
+                  </a:lnTo>
+                  <a:lnTo>
+                    <a:pt x="593389" y="899966"/>
+                  </a:lnTo>
+                  <a:lnTo>
+                    <a:pt x="652728" y="925904"/>
+                  </a:lnTo>
+                  <a:lnTo>
+                    <a:pt x="712067" y="951842"/>
+                  </a:lnTo>
+                  <a:lnTo>
+                    <a:pt x="771405" y="977781"/>
+                  </a:lnTo>
+                  <a:lnTo>
+                    <a:pt x="830744" y="1003719"/>
+                  </a:lnTo>
+                  <a:lnTo>
+                    <a:pt x="890083" y="1029657"/>
+                  </a:lnTo>
+                  <a:lnTo>
+                    <a:pt x="949422" y="1055596"/>
+                  </a:lnTo>
+                  <a:lnTo>
+                    <a:pt x="1008761" y="1081534"/>
+                  </a:lnTo>
+                  <a:lnTo>
+                    <a:pt x="1068100" y="1107472"/>
+                  </a:lnTo>
+                  <a:lnTo>
+                    <a:pt x="1127439" y="1133410"/>
+                  </a:lnTo>
+                  <a:lnTo>
+                    <a:pt x="1186778" y="1159349"/>
+                  </a:lnTo>
+                  <a:lnTo>
+                    <a:pt x="1246117" y="1185287"/>
+                  </a:lnTo>
+                  <a:lnTo>
+                    <a:pt x="1305456" y="1211225"/>
+                  </a:lnTo>
+                  <a:lnTo>
+                    <a:pt x="1364795" y="1237164"/>
+                  </a:lnTo>
+                  <a:lnTo>
+                    <a:pt x="1424134" y="1263102"/>
+                  </a:lnTo>
+                  <a:lnTo>
+                    <a:pt x="1483472" y="1289040"/>
+                  </a:lnTo>
+                  <a:lnTo>
+                    <a:pt x="1542811" y="1314978"/>
+                  </a:lnTo>
+                  <a:lnTo>
+                    <a:pt x="1602150" y="1340917"/>
+                  </a:lnTo>
+                  <a:lnTo>
+                    <a:pt x="1661489" y="1366855"/>
                   </a:lnTo>
                   <a:close/>
                 </a:path>
@@ -7337,207 +7791,207 @@
           </p:nvSpPr>
           <p:spPr>
             <a:xfrm>
-              <a:off x="3123484" y="2099200"/>
-              <a:ext cx="1415834" cy="1861678"/>
+              <a:off x="3279478" y="2013640"/>
+              <a:ext cx="1259840" cy="1656561"/>
             </a:xfrm>
             <a:custGeom>
               <a:avLst/>
               <a:pathLst>
-                <a:path w="1415834" h="1861678">
+                <a:path w="1259840" h="1656561">
                   <a:moveTo>
-                    <a:pt x="1415834" y="1861678"/>
+                    <a:pt x="1259840" y="1656561"/>
                   </a:moveTo>
                   <a:lnTo>
-                    <a:pt x="1381545" y="1797482"/>
-                  </a:lnTo>
-                  <a:lnTo>
-                    <a:pt x="1347257" y="1733286"/>
-                  </a:lnTo>
-                  <a:lnTo>
-                    <a:pt x="1312969" y="1669090"/>
-                  </a:lnTo>
-                  <a:lnTo>
-                    <a:pt x="1278681" y="1604894"/>
-                  </a:lnTo>
-                  <a:lnTo>
-                    <a:pt x="1244392" y="1540699"/>
-                  </a:lnTo>
-                  <a:lnTo>
-                    <a:pt x="1210104" y="1476503"/>
-                  </a:lnTo>
-                  <a:lnTo>
-                    <a:pt x="1175816" y="1412307"/>
-                  </a:lnTo>
-                  <a:lnTo>
-                    <a:pt x="1141528" y="1348111"/>
-                  </a:lnTo>
-                  <a:lnTo>
-                    <a:pt x="1107239" y="1283915"/>
-                  </a:lnTo>
-                  <a:lnTo>
-                    <a:pt x="1072951" y="1219720"/>
-                  </a:lnTo>
-                  <a:lnTo>
-                    <a:pt x="1038663" y="1155524"/>
-                  </a:lnTo>
-                  <a:lnTo>
-                    <a:pt x="1004375" y="1091328"/>
-                  </a:lnTo>
-                  <a:lnTo>
-                    <a:pt x="970087" y="1027132"/>
-                  </a:lnTo>
-                  <a:lnTo>
-                    <a:pt x="935798" y="962936"/>
-                  </a:lnTo>
-                  <a:lnTo>
-                    <a:pt x="901510" y="898741"/>
-                  </a:lnTo>
-                  <a:lnTo>
-                    <a:pt x="867222" y="834545"/>
-                  </a:lnTo>
-                  <a:lnTo>
-                    <a:pt x="832934" y="770349"/>
-                  </a:lnTo>
-                  <a:lnTo>
-                    <a:pt x="798645" y="706153"/>
-                  </a:lnTo>
-                  <a:lnTo>
-                    <a:pt x="764357" y="641957"/>
-                  </a:lnTo>
-                  <a:lnTo>
-                    <a:pt x="730069" y="577762"/>
-                  </a:lnTo>
-                  <a:lnTo>
-                    <a:pt x="695781" y="513566"/>
-                  </a:lnTo>
-                  <a:lnTo>
-                    <a:pt x="661492" y="449370"/>
-                  </a:lnTo>
-                  <a:lnTo>
-                    <a:pt x="627204" y="385174"/>
-                  </a:lnTo>
-                  <a:lnTo>
-                    <a:pt x="592916" y="320978"/>
-                  </a:lnTo>
-                  <a:lnTo>
-                    <a:pt x="558628" y="256783"/>
-                  </a:lnTo>
-                  <a:lnTo>
-                    <a:pt x="524339" y="192587"/>
-                  </a:lnTo>
-                  <a:lnTo>
-                    <a:pt x="490051" y="128391"/>
-                  </a:lnTo>
-                  <a:lnTo>
-                    <a:pt x="455763" y="64195"/>
-                  </a:lnTo>
-                  <a:lnTo>
-                    <a:pt x="421475" y="0"/>
-                  </a:lnTo>
-                  <a:lnTo>
-                    <a:pt x="357004" y="35897"/>
-                  </a:lnTo>
-                  <a:lnTo>
-                    <a:pt x="293827" y="74027"/>
-                  </a:lnTo>
-                  <a:lnTo>
-                    <a:pt x="232022" y="114341"/>
-                  </a:lnTo>
-                  <a:lnTo>
-                    <a:pt x="171663" y="156792"/>
-                  </a:lnTo>
-                  <a:lnTo>
-                    <a:pt x="112826" y="201326"/>
-                  </a:lnTo>
-                  <a:lnTo>
-                    <a:pt x="55581" y="247891"/>
-                  </a:lnTo>
-                  <a:lnTo>
-                    <a:pt x="0" y="296427"/>
-                  </a:lnTo>
-                  <a:lnTo>
-                    <a:pt x="48821" y="350401"/>
-                  </a:lnTo>
-                  <a:lnTo>
-                    <a:pt x="97643" y="404376"/>
-                  </a:lnTo>
-                  <a:lnTo>
-                    <a:pt x="146465" y="458350"/>
-                  </a:lnTo>
-                  <a:lnTo>
-                    <a:pt x="195287" y="512324"/>
-                  </a:lnTo>
-                  <a:lnTo>
-                    <a:pt x="244109" y="566298"/>
-                  </a:lnTo>
-                  <a:lnTo>
-                    <a:pt x="292931" y="620272"/>
-                  </a:lnTo>
-                  <a:lnTo>
-                    <a:pt x="341753" y="674246"/>
-                  </a:lnTo>
-                  <a:lnTo>
-                    <a:pt x="390574" y="728220"/>
-                  </a:lnTo>
-                  <a:lnTo>
-                    <a:pt x="439396" y="782195"/>
-                  </a:lnTo>
-                  <a:lnTo>
-                    <a:pt x="488218" y="836169"/>
-                  </a:lnTo>
-                  <a:lnTo>
-                    <a:pt x="537040" y="890143"/>
-                  </a:lnTo>
-                  <a:lnTo>
-                    <a:pt x="585862" y="944117"/>
-                  </a:lnTo>
-                  <a:lnTo>
-                    <a:pt x="634684" y="998091"/>
-                  </a:lnTo>
-                  <a:lnTo>
-                    <a:pt x="683506" y="1052065"/>
-                  </a:lnTo>
-                  <a:lnTo>
-                    <a:pt x="732327" y="1106039"/>
-                  </a:lnTo>
-                  <a:lnTo>
-                    <a:pt x="781149" y="1160014"/>
-                  </a:lnTo>
-                  <a:lnTo>
-                    <a:pt x="829971" y="1213988"/>
-                  </a:lnTo>
-                  <a:lnTo>
-                    <a:pt x="878793" y="1267962"/>
-                  </a:lnTo>
-                  <a:lnTo>
-                    <a:pt x="927615" y="1321936"/>
-                  </a:lnTo>
-                  <a:lnTo>
-                    <a:pt x="976437" y="1375910"/>
-                  </a:lnTo>
-                  <a:lnTo>
-                    <a:pt x="1025259" y="1429884"/>
-                  </a:lnTo>
-                  <a:lnTo>
-                    <a:pt x="1074081" y="1483859"/>
-                  </a:lnTo>
-                  <a:lnTo>
-                    <a:pt x="1122902" y="1537833"/>
-                  </a:lnTo>
-                  <a:lnTo>
-                    <a:pt x="1171724" y="1591807"/>
-                  </a:lnTo>
-                  <a:lnTo>
-                    <a:pt x="1220546" y="1645781"/>
-                  </a:lnTo>
-                  <a:lnTo>
-                    <a:pt x="1269368" y="1699755"/>
-                  </a:lnTo>
-                  <a:lnTo>
-                    <a:pt x="1318190" y="1753729"/>
-                  </a:lnTo>
-                  <a:lnTo>
-                    <a:pt x="1367012" y="1807703"/>
+                    <a:pt x="1229329" y="1599438"/>
+                  </a:lnTo>
+                  <a:lnTo>
+                    <a:pt x="1198819" y="1542316"/>
+                  </a:lnTo>
+                  <a:lnTo>
+                    <a:pt x="1168308" y="1485193"/>
+                  </a:lnTo>
+                  <a:lnTo>
+                    <a:pt x="1137798" y="1428070"/>
+                  </a:lnTo>
+                  <a:lnTo>
+                    <a:pt x="1107288" y="1370947"/>
+                  </a:lnTo>
+                  <a:lnTo>
+                    <a:pt x="1076777" y="1313824"/>
+                  </a:lnTo>
+                  <a:lnTo>
+                    <a:pt x="1046267" y="1256702"/>
+                  </a:lnTo>
+                  <a:lnTo>
+                    <a:pt x="1015756" y="1199579"/>
+                  </a:lnTo>
+                  <a:lnTo>
+                    <a:pt x="985246" y="1142456"/>
+                  </a:lnTo>
+                  <a:lnTo>
+                    <a:pt x="954735" y="1085333"/>
+                  </a:lnTo>
+                  <a:lnTo>
+                    <a:pt x="924225" y="1028210"/>
+                  </a:lnTo>
+                  <a:lnTo>
+                    <a:pt x="893715" y="971087"/>
+                  </a:lnTo>
+                  <a:lnTo>
+                    <a:pt x="863204" y="913965"/>
+                  </a:lnTo>
+                  <a:lnTo>
+                    <a:pt x="832694" y="856842"/>
+                  </a:lnTo>
+                  <a:lnTo>
+                    <a:pt x="802183" y="799719"/>
+                  </a:lnTo>
+                  <a:lnTo>
+                    <a:pt x="771673" y="742596"/>
+                  </a:lnTo>
+                  <a:lnTo>
+                    <a:pt x="741162" y="685473"/>
+                  </a:lnTo>
+                  <a:lnTo>
+                    <a:pt x="710652" y="628351"/>
+                  </a:lnTo>
+                  <a:lnTo>
+                    <a:pt x="680142" y="571228"/>
+                  </a:lnTo>
+                  <a:lnTo>
+                    <a:pt x="649631" y="514105"/>
+                  </a:lnTo>
+                  <a:lnTo>
+                    <a:pt x="619121" y="456982"/>
+                  </a:lnTo>
+                  <a:lnTo>
+                    <a:pt x="588610" y="399859"/>
+                  </a:lnTo>
+                  <a:lnTo>
+                    <a:pt x="558100" y="342736"/>
+                  </a:lnTo>
+                  <a:lnTo>
+                    <a:pt x="527590" y="285614"/>
+                  </a:lnTo>
+                  <a:lnTo>
+                    <a:pt x="497079" y="228491"/>
+                  </a:lnTo>
+                  <a:lnTo>
+                    <a:pt x="466569" y="171368"/>
+                  </a:lnTo>
+                  <a:lnTo>
+                    <a:pt x="436058" y="114245"/>
+                  </a:lnTo>
+                  <a:lnTo>
+                    <a:pt x="405548" y="57122"/>
+                  </a:lnTo>
+                  <a:lnTo>
+                    <a:pt x="375037" y="0"/>
+                  </a:lnTo>
+                  <a:lnTo>
+                    <a:pt x="317670" y="31942"/>
+                  </a:lnTo>
+                  <a:lnTo>
+                    <a:pt x="261454" y="65871"/>
+                  </a:lnTo>
+                  <a:lnTo>
+                    <a:pt x="206458" y="101743"/>
+                  </a:lnTo>
+                  <a:lnTo>
+                    <a:pt x="152750" y="139517"/>
+                  </a:lnTo>
+                  <a:lnTo>
+                    <a:pt x="100395" y="179145"/>
+                  </a:lnTo>
+                  <a:lnTo>
+                    <a:pt x="49457" y="220578"/>
+                  </a:lnTo>
+                  <a:lnTo>
+                    <a:pt x="0" y="263767"/>
+                  </a:lnTo>
+                  <a:lnTo>
+                    <a:pt x="43442" y="311795"/>
+                  </a:lnTo>
+                  <a:lnTo>
+                    <a:pt x="86885" y="359822"/>
+                  </a:lnTo>
+                  <a:lnTo>
+                    <a:pt x="130328" y="407850"/>
+                  </a:lnTo>
+                  <a:lnTo>
+                    <a:pt x="173771" y="455877"/>
+                  </a:lnTo>
+                  <a:lnTo>
+                    <a:pt x="217213" y="503904"/>
+                  </a:lnTo>
+                  <a:lnTo>
+                    <a:pt x="260656" y="551932"/>
+                  </a:lnTo>
+                  <a:lnTo>
+                    <a:pt x="304099" y="599959"/>
+                  </a:lnTo>
+                  <a:lnTo>
+                    <a:pt x="347542" y="647986"/>
+                  </a:lnTo>
+                  <a:lnTo>
+                    <a:pt x="390984" y="696014"/>
+                  </a:lnTo>
+                  <a:lnTo>
+                    <a:pt x="434427" y="744041"/>
+                  </a:lnTo>
+                  <a:lnTo>
+                    <a:pt x="477870" y="792069"/>
+                  </a:lnTo>
+                  <a:lnTo>
+                    <a:pt x="521313" y="840096"/>
+                  </a:lnTo>
+                  <a:lnTo>
+                    <a:pt x="564755" y="888123"/>
+                  </a:lnTo>
+                  <a:lnTo>
+                    <a:pt x="608198" y="936151"/>
+                  </a:lnTo>
+                  <a:lnTo>
+                    <a:pt x="651641" y="984178"/>
+                  </a:lnTo>
+                  <a:lnTo>
+                    <a:pt x="695084" y="1032205"/>
+                  </a:lnTo>
+                  <a:lnTo>
+                    <a:pt x="738526" y="1080233"/>
+                  </a:lnTo>
+                  <a:lnTo>
+                    <a:pt x="781969" y="1128260"/>
+                  </a:lnTo>
+                  <a:lnTo>
+                    <a:pt x="825412" y="1176288"/>
+                  </a:lnTo>
+                  <a:lnTo>
+                    <a:pt x="868855" y="1224315"/>
+                  </a:lnTo>
+                  <a:lnTo>
+                    <a:pt x="912298" y="1272342"/>
+                  </a:lnTo>
+                  <a:lnTo>
+                    <a:pt x="955740" y="1320370"/>
+                  </a:lnTo>
+                  <a:lnTo>
+                    <a:pt x="999183" y="1368397"/>
+                  </a:lnTo>
+                  <a:lnTo>
+                    <a:pt x="1042626" y="1416424"/>
+                  </a:lnTo>
+                  <a:lnTo>
+                    <a:pt x="1086069" y="1464452"/>
+                  </a:lnTo>
+                  <a:lnTo>
+                    <a:pt x="1129511" y="1512479"/>
+                  </a:lnTo>
+                  <a:lnTo>
+                    <a:pt x="1172954" y="1560507"/>
+                  </a:lnTo>
+                  <a:lnTo>
+                    <a:pt x="1216397" y="1608534"/>
                   </a:lnTo>
                   <a:close/>
                 </a:path>
@@ -7572,201 +8026,201 @@
           </p:nvSpPr>
           <p:spPr>
             <a:xfrm>
-              <a:off x="3544959" y="1950679"/>
-              <a:ext cx="994358" cy="2010199"/>
+              <a:off x="3654516" y="1881483"/>
+              <a:ext cx="884802" cy="1788719"/>
             </a:xfrm>
             <a:custGeom>
               <a:avLst/>
               <a:pathLst>
-                <a:path w="994358" h="2010199">
+                <a:path w="884802" h="1788719">
                   <a:moveTo>
-                    <a:pt x="994358" y="2010199"/>
+                    <a:pt x="884802" y="1788719"/>
                   </a:moveTo>
                   <a:lnTo>
-                    <a:pt x="972179" y="1940882"/>
-                  </a:lnTo>
-                  <a:lnTo>
-                    <a:pt x="950000" y="1871565"/>
-                  </a:lnTo>
-                  <a:lnTo>
-                    <a:pt x="927821" y="1802247"/>
-                  </a:lnTo>
-                  <a:lnTo>
-                    <a:pt x="905643" y="1732930"/>
-                  </a:lnTo>
-                  <a:lnTo>
-                    <a:pt x="883464" y="1663613"/>
-                  </a:lnTo>
-                  <a:lnTo>
-                    <a:pt x="861285" y="1594296"/>
-                  </a:lnTo>
-                  <a:lnTo>
-                    <a:pt x="839106" y="1524978"/>
-                  </a:lnTo>
-                  <a:lnTo>
-                    <a:pt x="816927" y="1455661"/>
-                  </a:lnTo>
-                  <a:lnTo>
-                    <a:pt x="794748" y="1386344"/>
-                  </a:lnTo>
-                  <a:lnTo>
-                    <a:pt x="772569" y="1317027"/>
-                  </a:lnTo>
-                  <a:lnTo>
-                    <a:pt x="750390" y="1247710"/>
-                  </a:lnTo>
-                  <a:lnTo>
-                    <a:pt x="728211" y="1178392"/>
-                  </a:lnTo>
-                  <a:lnTo>
-                    <a:pt x="706032" y="1109075"/>
-                  </a:lnTo>
-                  <a:lnTo>
-                    <a:pt x="683853" y="1039758"/>
-                  </a:lnTo>
-                  <a:lnTo>
-                    <a:pt x="661674" y="970441"/>
-                  </a:lnTo>
-                  <a:lnTo>
-                    <a:pt x="639495" y="901123"/>
-                  </a:lnTo>
-                  <a:lnTo>
-                    <a:pt x="617316" y="831806"/>
-                  </a:lnTo>
-                  <a:lnTo>
-                    <a:pt x="595137" y="762489"/>
-                  </a:lnTo>
-                  <a:lnTo>
-                    <a:pt x="572958" y="693172"/>
-                  </a:lnTo>
-                  <a:lnTo>
-                    <a:pt x="550779" y="623855"/>
-                  </a:lnTo>
-                  <a:lnTo>
-                    <a:pt x="528600" y="554537"/>
-                  </a:lnTo>
-                  <a:lnTo>
-                    <a:pt x="506421" y="485220"/>
-                  </a:lnTo>
-                  <a:lnTo>
-                    <a:pt x="484243" y="415903"/>
-                  </a:lnTo>
-                  <a:lnTo>
-                    <a:pt x="462064" y="346586"/>
-                  </a:lnTo>
-                  <a:lnTo>
-                    <a:pt x="439885" y="277268"/>
-                  </a:lnTo>
-                  <a:lnTo>
-                    <a:pt x="417706" y="207951"/>
-                  </a:lnTo>
-                  <a:lnTo>
-                    <a:pt x="395527" y="138634"/>
-                  </a:lnTo>
-                  <a:lnTo>
-                    <a:pt x="373348" y="69317"/>
-                  </a:lnTo>
-                  <a:lnTo>
-                    <a:pt x="351169" y="0"/>
-                  </a:lnTo>
-                  <a:lnTo>
-                    <a:pt x="278877" y="24581"/>
-                  </a:lnTo>
-                  <a:lnTo>
-                    <a:pt x="207521" y="51760"/>
-                  </a:lnTo>
-                  <a:lnTo>
-                    <a:pt x="137195" y="81504"/>
-                  </a:lnTo>
-                  <a:lnTo>
-                    <a:pt x="67991" y="113771"/>
-                  </a:lnTo>
-                  <a:lnTo>
-                    <a:pt x="0" y="148521"/>
-                  </a:lnTo>
-                  <a:lnTo>
-                    <a:pt x="34288" y="212717"/>
-                  </a:lnTo>
-                  <a:lnTo>
-                    <a:pt x="68576" y="276913"/>
-                  </a:lnTo>
-                  <a:lnTo>
-                    <a:pt x="102864" y="341108"/>
-                  </a:lnTo>
-                  <a:lnTo>
-                    <a:pt x="137152" y="405304"/>
-                  </a:lnTo>
-                  <a:lnTo>
-                    <a:pt x="171441" y="469500"/>
-                  </a:lnTo>
-                  <a:lnTo>
-                    <a:pt x="205729" y="533696"/>
-                  </a:lnTo>
-                  <a:lnTo>
-                    <a:pt x="240017" y="597891"/>
-                  </a:lnTo>
-                  <a:lnTo>
-                    <a:pt x="274305" y="662087"/>
-                  </a:lnTo>
-                  <a:lnTo>
-                    <a:pt x="308594" y="726283"/>
-                  </a:lnTo>
-                  <a:lnTo>
-                    <a:pt x="342882" y="790479"/>
-                  </a:lnTo>
-                  <a:lnTo>
-                    <a:pt x="377170" y="854675"/>
-                  </a:lnTo>
-                  <a:lnTo>
-                    <a:pt x="411458" y="918870"/>
-                  </a:lnTo>
-                  <a:lnTo>
-                    <a:pt x="445747" y="983066"/>
-                  </a:lnTo>
-                  <a:lnTo>
-                    <a:pt x="480035" y="1047262"/>
-                  </a:lnTo>
-                  <a:lnTo>
-                    <a:pt x="514323" y="1111458"/>
-                  </a:lnTo>
-                  <a:lnTo>
-                    <a:pt x="548611" y="1175654"/>
-                  </a:lnTo>
-                  <a:lnTo>
-                    <a:pt x="582900" y="1239849"/>
-                  </a:lnTo>
-                  <a:lnTo>
-                    <a:pt x="617188" y="1304045"/>
-                  </a:lnTo>
-                  <a:lnTo>
-                    <a:pt x="651476" y="1368241"/>
-                  </a:lnTo>
-                  <a:lnTo>
-                    <a:pt x="685764" y="1432437"/>
-                  </a:lnTo>
-                  <a:lnTo>
-                    <a:pt x="720052" y="1496633"/>
-                  </a:lnTo>
-                  <a:lnTo>
-                    <a:pt x="754341" y="1560828"/>
-                  </a:lnTo>
-                  <a:lnTo>
-                    <a:pt x="788629" y="1625024"/>
-                  </a:lnTo>
-                  <a:lnTo>
-                    <a:pt x="822917" y="1689220"/>
-                  </a:lnTo>
-                  <a:lnTo>
-                    <a:pt x="857205" y="1753416"/>
-                  </a:lnTo>
-                  <a:lnTo>
-                    <a:pt x="891494" y="1817612"/>
-                  </a:lnTo>
-                  <a:lnTo>
-                    <a:pt x="925782" y="1881807"/>
-                  </a:lnTo>
-                  <a:lnTo>
-                    <a:pt x="960070" y="1946003"/>
+                    <a:pt x="865066" y="1727039"/>
+                  </a:lnTo>
+                  <a:lnTo>
+                    <a:pt x="845331" y="1665359"/>
+                  </a:lnTo>
+                  <a:lnTo>
+                    <a:pt x="825596" y="1603679"/>
+                  </a:lnTo>
+                  <a:lnTo>
+                    <a:pt x="805860" y="1541999"/>
+                  </a:lnTo>
+                  <a:lnTo>
+                    <a:pt x="786125" y="1480319"/>
+                  </a:lnTo>
+                  <a:lnTo>
+                    <a:pt x="766390" y="1418639"/>
+                  </a:lnTo>
+                  <a:lnTo>
+                    <a:pt x="746655" y="1356959"/>
+                  </a:lnTo>
+                  <a:lnTo>
+                    <a:pt x="726919" y="1295279"/>
+                  </a:lnTo>
+                  <a:lnTo>
+                    <a:pt x="707184" y="1233599"/>
+                  </a:lnTo>
+                  <a:lnTo>
+                    <a:pt x="687449" y="1171919"/>
+                  </a:lnTo>
+                  <a:lnTo>
+                    <a:pt x="667713" y="1110239"/>
+                  </a:lnTo>
+                  <a:lnTo>
+                    <a:pt x="647978" y="1048559"/>
+                  </a:lnTo>
+                  <a:lnTo>
+                    <a:pt x="628243" y="986879"/>
+                  </a:lnTo>
+                  <a:lnTo>
+                    <a:pt x="608507" y="925199"/>
+                  </a:lnTo>
+                  <a:lnTo>
+                    <a:pt x="588772" y="863519"/>
+                  </a:lnTo>
+                  <a:lnTo>
+                    <a:pt x="569037" y="801839"/>
+                  </a:lnTo>
+                  <a:lnTo>
+                    <a:pt x="549301" y="740159"/>
+                  </a:lnTo>
+                  <a:lnTo>
+                    <a:pt x="529566" y="678479"/>
+                  </a:lnTo>
+                  <a:lnTo>
+                    <a:pt x="509831" y="616799"/>
+                  </a:lnTo>
+                  <a:lnTo>
+                    <a:pt x="490095" y="555119"/>
+                  </a:lnTo>
+                  <a:lnTo>
+                    <a:pt x="470360" y="493439"/>
+                  </a:lnTo>
+                  <a:lnTo>
+                    <a:pt x="450625" y="431759"/>
+                  </a:lnTo>
+                  <a:lnTo>
+                    <a:pt x="430890" y="370079"/>
+                  </a:lnTo>
+                  <a:lnTo>
+                    <a:pt x="411154" y="308399"/>
+                  </a:lnTo>
+                  <a:lnTo>
+                    <a:pt x="391419" y="246719"/>
+                  </a:lnTo>
+                  <a:lnTo>
+                    <a:pt x="371684" y="185039"/>
+                  </a:lnTo>
+                  <a:lnTo>
+                    <a:pt x="351948" y="123359"/>
+                  </a:lnTo>
+                  <a:lnTo>
+                    <a:pt x="332213" y="61679"/>
+                  </a:lnTo>
+                  <a:lnTo>
+                    <a:pt x="312478" y="0"/>
+                  </a:lnTo>
+                  <a:lnTo>
+                    <a:pt x="248150" y="21872"/>
+                  </a:lnTo>
+                  <a:lnTo>
+                    <a:pt x="184657" y="46058"/>
+                  </a:lnTo>
+                  <a:lnTo>
+                    <a:pt x="122079" y="72524"/>
+                  </a:lnTo>
+                  <a:lnTo>
+                    <a:pt x="60500" y="101236"/>
+                  </a:lnTo>
+                  <a:lnTo>
+                    <a:pt x="0" y="132157"/>
+                  </a:lnTo>
+                  <a:lnTo>
+                    <a:pt x="30510" y="189280"/>
+                  </a:lnTo>
+                  <a:lnTo>
+                    <a:pt x="61020" y="246403"/>
+                  </a:lnTo>
+                  <a:lnTo>
+                    <a:pt x="91531" y="303526"/>
+                  </a:lnTo>
+                  <a:lnTo>
+                    <a:pt x="122041" y="360648"/>
+                  </a:lnTo>
+                  <a:lnTo>
+                    <a:pt x="152552" y="417771"/>
+                  </a:lnTo>
+                  <a:lnTo>
+                    <a:pt x="183062" y="474894"/>
+                  </a:lnTo>
+                  <a:lnTo>
+                    <a:pt x="213572" y="532017"/>
+                  </a:lnTo>
+                  <a:lnTo>
+                    <a:pt x="244083" y="589140"/>
+                  </a:lnTo>
+                  <a:lnTo>
+                    <a:pt x="274593" y="646262"/>
+                  </a:lnTo>
+                  <a:lnTo>
+                    <a:pt x="305104" y="703385"/>
+                  </a:lnTo>
+                  <a:lnTo>
+                    <a:pt x="335614" y="760508"/>
+                  </a:lnTo>
+                  <a:lnTo>
+                    <a:pt x="366125" y="817631"/>
+                  </a:lnTo>
+                  <a:lnTo>
+                    <a:pt x="396635" y="874754"/>
+                  </a:lnTo>
+                  <a:lnTo>
+                    <a:pt x="427145" y="931877"/>
+                  </a:lnTo>
+                  <a:lnTo>
+                    <a:pt x="457656" y="988999"/>
+                  </a:lnTo>
+                  <a:lnTo>
+                    <a:pt x="488166" y="1046122"/>
+                  </a:lnTo>
+                  <a:lnTo>
+                    <a:pt x="518677" y="1103245"/>
+                  </a:lnTo>
+                  <a:lnTo>
+                    <a:pt x="549187" y="1160368"/>
+                  </a:lnTo>
+                  <a:lnTo>
+                    <a:pt x="579698" y="1217491"/>
+                  </a:lnTo>
+                  <a:lnTo>
+                    <a:pt x="610208" y="1274614"/>
+                  </a:lnTo>
+                  <a:lnTo>
+                    <a:pt x="640718" y="1331736"/>
+                  </a:lnTo>
+                  <a:lnTo>
+                    <a:pt x="671229" y="1388859"/>
+                  </a:lnTo>
+                  <a:lnTo>
+                    <a:pt x="701739" y="1445982"/>
+                  </a:lnTo>
+                  <a:lnTo>
+                    <a:pt x="732250" y="1503105"/>
+                  </a:lnTo>
+                  <a:lnTo>
+                    <a:pt x="762760" y="1560228"/>
+                  </a:lnTo>
+                  <a:lnTo>
+                    <a:pt x="793270" y="1617350"/>
+                  </a:lnTo>
+                  <a:lnTo>
+                    <a:pt x="823781" y="1674473"/>
+                  </a:lnTo>
+                  <a:lnTo>
+                    <a:pt x="854291" y="1731596"/>
                   </a:lnTo>
                   <a:close/>
                 </a:path>
@@ -7801,195 +8255,195 @@
           </p:nvSpPr>
           <p:spPr>
             <a:xfrm>
-              <a:off x="3896129" y="1887693"/>
-              <a:ext cx="643189" cy="2073185"/>
+              <a:off x="3966994" y="1825436"/>
+              <a:ext cx="572324" cy="1844765"/>
             </a:xfrm>
             <a:custGeom>
               <a:avLst/>
               <a:pathLst>
-                <a:path w="643189" h="2073185">
+                <a:path w="572324" h="1844765">
                   <a:moveTo>
-                    <a:pt x="643189" y="2073185"/>
+                    <a:pt x="572324" y="1844765"/>
                   </a:moveTo>
                   <a:lnTo>
-                    <a:pt x="629548" y="2001696"/>
-                  </a:lnTo>
-                  <a:lnTo>
-                    <a:pt x="615907" y="1930207"/>
-                  </a:lnTo>
-                  <a:lnTo>
-                    <a:pt x="602265" y="1858718"/>
-                  </a:lnTo>
-                  <a:lnTo>
-                    <a:pt x="588624" y="1787229"/>
-                  </a:lnTo>
-                  <a:lnTo>
-                    <a:pt x="574983" y="1715739"/>
-                  </a:lnTo>
-                  <a:lnTo>
-                    <a:pt x="561342" y="1644250"/>
-                  </a:lnTo>
-                  <a:lnTo>
-                    <a:pt x="547700" y="1572761"/>
-                  </a:lnTo>
-                  <a:lnTo>
-                    <a:pt x="534059" y="1501272"/>
-                  </a:lnTo>
-                  <a:lnTo>
-                    <a:pt x="520418" y="1429783"/>
-                  </a:lnTo>
-                  <a:lnTo>
-                    <a:pt x="506777" y="1358294"/>
-                  </a:lnTo>
-                  <a:lnTo>
-                    <a:pt x="493136" y="1286804"/>
-                  </a:lnTo>
-                  <a:lnTo>
-                    <a:pt x="479494" y="1215315"/>
-                  </a:lnTo>
-                  <a:lnTo>
-                    <a:pt x="465853" y="1143826"/>
-                  </a:lnTo>
-                  <a:lnTo>
-                    <a:pt x="452212" y="1072337"/>
-                  </a:lnTo>
-                  <a:lnTo>
-                    <a:pt x="438571" y="1000848"/>
-                  </a:lnTo>
-                  <a:lnTo>
-                    <a:pt x="424929" y="929359"/>
-                  </a:lnTo>
-                  <a:lnTo>
-                    <a:pt x="411288" y="857869"/>
-                  </a:lnTo>
-                  <a:lnTo>
-                    <a:pt x="397647" y="786380"/>
-                  </a:lnTo>
-                  <a:lnTo>
-                    <a:pt x="384006" y="714891"/>
-                  </a:lnTo>
-                  <a:lnTo>
-                    <a:pt x="370364" y="643402"/>
-                  </a:lnTo>
-                  <a:lnTo>
-                    <a:pt x="356723" y="571913"/>
-                  </a:lnTo>
-                  <a:lnTo>
-                    <a:pt x="343082" y="500424"/>
-                  </a:lnTo>
-                  <a:lnTo>
-                    <a:pt x="329441" y="428934"/>
-                  </a:lnTo>
-                  <a:lnTo>
-                    <a:pt x="315800" y="357445"/>
-                  </a:lnTo>
-                  <a:lnTo>
-                    <a:pt x="302158" y="285956"/>
-                  </a:lnTo>
-                  <a:lnTo>
-                    <a:pt x="288517" y="214467"/>
-                  </a:lnTo>
-                  <a:lnTo>
-                    <a:pt x="274876" y="142978"/>
-                  </a:lnTo>
-                  <a:lnTo>
-                    <a:pt x="261235" y="71489"/>
-                  </a:lnTo>
-                  <a:lnTo>
-                    <a:pt x="247593" y="0"/>
-                  </a:lnTo>
-                  <a:lnTo>
-                    <a:pt x="164237" y="17656"/>
-                  </a:lnTo>
-                  <a:lnTo>
-                    <a:pt x="81660" y="38663"/>
-                  </a:lnTo>
-                  <a:lnTo>
-                    <a:pt x="0" y="62986"/>
-                  </a:lnTo>
-                  <a:lnTo>
-                    <a:pt x="22178" y="132303"/>
-                  </a:lnTo>
-                  <a:lnTo>
-                    <a:pt x="44357" y="201620"/>
-                  </a:lnTo>
-                  <a:lnTo>
-                    <a:pt x="66536" y="270937"/>
-                  </a:lnTo>
-                  <a:lnTo>
-                    <a:pt x="88715" y="340255"/>
-                  </a:lnTo>
-                  <a:lnTo>
-                    <a:pt x="110894" y="409572"/>
-                  </a:lnTo>
-                  <a:lnTo>
-                    <a:pt x="133073" y="478889"/>
-                  </a:lnTo>
-                  <a:lnTo>
-                    <a:pt x="155252" y="548206"/>
-                  </a:lnTo>
-                  <a:lnTo>
-                    <a:pt x="177431" y="617523"/>
-                  </a:lnTo>
-                  <a:lnTo>
-                    <a:pt x="199610" y="686841"/>
-                  </a:lnTo>
-                  <a:lnTo>
-                    <a:pt x="221789" y="756158"/>
-                  </a:lnTo>
-                  <a:lnTo>
-                    <a:pt x="243968" y="825475"/>
-                  </a:lnTo>
-                  <a:lnTo>
-                    <a:pt x="266147" y="894792"/>
-                  </a:lnTo>
-                  <a:lnTo>
-                    <a:pt x="288326" y="964110"/>
-                  </a:lnTo>
-                  <a:lnTo>
-                    <a:pt x="310505" y="1033427"/>
-                  </a:lnTo>
-                  <a:lnTo>
-                    <a:pt x="332684" y="1102744"/>
-                  </a:lnTo>
-                  <a:lnTo>
-                    <a:pt x="354863" y="1172061"/>
-                  </a:lnTo>
-                  <a:lnTo>
-                    <a:pt x="377042" y="1241378"/>
-                  </a:lnTo>
-                  <a:lnTo>
-                    <a:pt x="399221" y="1310696"/>
-                  </a:lnTo>
-                  <a:lnTo>
-                    <a:pt x="421400" y="1380013"/>
-                  </a:lnTo>
-                  <a:lnTo>
-                    <a:pt x="443578" y="1449330"/>
-                  </a:lnTo>
-                  <a:lnTo>
-                    <a:pt x="465757" y="1518647"/>
-                  </a:lnTo>
-                  <a:lnTo>
-                    <a:pt x="487936" y="1587965"/>
-                  </a:lnTo>
-                  <a:lnTo>
-                    <a:pt x="510115" y="1657282"/>
-                  </a:lnTo>
-                  <a:lnTo>
-                    <a:pt x="532294" y="1726599"/>
-                  </a:lnTo>
-                  <a:lnTo>
-                    <a:pt x="554473" y="1795916"/>
-                  </a:lnTo>
-                  <a:lnTo>
-                    <a:pt x="576652" y="1865233"/>
-                  </a:lnTo>
-                  <a:lnTo>
-                    <a:pt x="598831" y="1934551"/>
-                  </a:lnTo>
-                  <a:lnTo>
-                    <a:pt x="621010" y="2003868"/>
+                    <a:pt x="560185" y="1781153"/>
+                  </a:lnTo>
+                  <a:lnTo>
+                    <a:pt x="548047" y="1717540"/>
+                  </a:lnTo>
+                  <a:lnTo>
+                    <a:pt x="535909" y="1653928"/>
+                  </a:lnTo>
+                  <a:lnTo>
+                    <a:pt x="523771" y="1590315"/>
+                  </a:lnTo>
+                  <a:lnTo>
+                    <a:pt x="511632" y="1526702"/>
+                  </a:lnTo>
+                  <a:lnTo>
+                    <a:pt x="499494" y="1463090"/>
+                  </a:lnTo>
+                  <a:lnTo>
+                    <a:pt x="487356" y="1399477"/>
+                  </a:lnTo>
+                  <a:lnTo>
+                    <a:pt x="475217" y="1335864"/>
+                  </a:lnTo>
+                  <a:lnTo>
+                    <a:pt x="463079" y="1272252"/>
+                  </a:lnTo>
+                  <a:lnTo>
+                    <a:pt x="450941" y="1208639"/>
+                  </a:lnTo>
+                  <a:lnTo>
+                    <a:pt x="438803" y="1145027"/>
+                  </a:lnTo>
+                  <a:lnTo>
+                    <a:pt x="426664" y="1081414"/>
+                  </a:lnTo>
+                  <a:lnTo>
+                    <a:pt x="414526" y="1017801"/>
+                  </a:lnTo>
+                  <a:lnTo>
+                    <a:pt x="402388" y="954189"/>
+                  </a:lnTo>
+                  <a:lnTo>
+                    <a:pt x="390250" y="890576"/>
+                  </a:lnTo>
+                  <a:lnTo>
+                    <a:pt x="378111" y="826964"/>
+                  </a:lnTo>
+                  <a:lnTo>
+                    <a:pt x="365973" y="763351"/>
+                  </a:lnTo>
+                  <a:lnTo>
+                    <a:pt x="353835" y="699738"/>
+                  </a:lnTo>
+                  <a:lnTo>
+                    <a:pt x="341697" y="636126"/>
+                  </a:lnTo>
+                  <a:lnTo>
+                    <a:pt x="329558" y="572513"/>
+                  </a:lnTo>
+                  <a:lnTo>
+                    <a:pt x="317420" y="508900"/>
+                  </a:lnTo>
+                  <a:lnTo>
+                    <a:pt x="305282" y="445288"/>
+                  </a:lnTo>
+                  <a:lnTo>
+                    <a:pt x="293144" y="381675"/>
+                  </a:lnTo>
+                  <a:lnTo>
+                    <a:pt x="281005" y="318063"/>
+                  </a:lnTo>
+                  <a:lnTo>
+                    <a:pt x="268867" y="254450"/>
+                  </a:lnTo>
+                  <a:lnTo>
+                    <a:pt x="256729" y="190837"/>
+                  </a:lnTo>
+                  <a:lnTo>
+                    <a:pt x="244591" y="127225"/>
+                  </a:lnTo>
+                  <a:lnTo>
+                    <a:pt x="232452" y="63612"/>
+                  </a:lnTo>
+                  <a:lnTo>
+                    <a:pt x="220314" y="0"/>
+                  </a:lnTo>
+                  <a:lnTo>
+                    <a:pt x="146141" y="15711"/>
+                  </a:lnTo>
+                  <a:lnTo>
+                    <a:pt x="72663" y="34403"/>
+                  </a:lnTo>
+                  <a:lnTo>
+                    <a:pt x="0" y="56046"/>
+                  </a:lnTo>
+                  <a:lnTo>
+                    <a:pt x="19735" y="117726"/>
+                  </a:lnTo>
+                  <a:lnTo>
+                    <a:pt x="39470" y="179406"/>
+                  </a:lnTo>
+                  <a:lnTo>
+                    <a:pt x="59205" y="241086"/>
+                  </a:lnTo>
+                  <a:lnTo>
+                    <a:pt x="78941" y="302766"/>
+                  </a:lnTo>
+                  <a:lnTo>
+                    <a:pt x="98676" y="364446"/>
+                  </a:lnTo>
+                  <a:lnTo>
+                    <a:pt x="118411" y="426126"/>
+                  </a:lnTo>
+                  <a:lnTo>
+                    <a:pt x="138147" y="487806"/>
+                  </a:lnTo>
+                  <a:lnTo>
+                    <a:pt x="157882" y="549486"/>
+                  </a:lnTo>
+                  <a:lnTo>
+                    <a:pt x="177617" y="611166"/>
+                  </a:lnTo>
+                  <a:lnTo>
+                    <a:pt x="197353" y="672846"/>
+                  </a:lnTo>
+                  <a:lnTo>
+                    <a:pt x="217088" y="734526"/>
+                  </a:lnTo>
+                  <a:lnTo>
+                    <a:pt x="236823" y="796206"/>
+                  </a:lnTo>
+                  <a:lnTo>
+                    <a:pt x="256559" y="857886"/>
+                  </a:lnTo>
+                  <a:lnTo>
+                    <a:pt x="276294" y="919566"/>
+                  </a:lnTo>
+                  <a:lnTo>
+                    <a:pt x="296029" y="981246"/>
+                  </a:lnTo>
+                  <a:lnTo>
+                    <a:pt x="315765" y="1042926"/>
+                  </a:lnTo>
+                  <a:lnTo>
+                    <a:pt x="335500" y="1104606"/>
+                  </a:lnTo>
+                  <a:lnTo>
+                    <a:pt x="355235" y="1166286"/>
+                  </a:lnTo>
+                  <a:lnTo>
+                    <a:pt x="374970" y="1227966"/>
+                  </a:lnTo>
+                  <a:lnTo>
+                    <a:pt x="394706" y="1289646"/>
+                  </a:lnTo>
+                  <a:lnTo>
+                    <a:pt x="414441" y="1351326"/>
+                  </a:lnTo>
+                  <a:lnTo>
+                    <a:pt x="434176" y="1413006"/>
+                  </a:lnTo>
+                  <a:lnTo>
+                    <a:pt x="453912" y="1474686"/>
+                  </a:lnTo>
+                  <a:lnTo>
+                    <a:pt x="473647" y="1536365"/>
+                  </a:lnTo>
+                  <a:lnTo>
+                    <a:pt x="493382" y="1598045"/>
+                  </a:lnTo>
+                  <a:lnTo>
+                    <a:pt x="513118" y="1659725"/>
+                  </a:lnTo>
+                  <a:lnTo>
+                    <a:pt x="532853" y="1721405"/>
+                  </a:lnTo>
+                  <a:lnTo>
+                    <a:pt x="552588" y="1783085"/>
                   </a:lnTo>
                   <a:close/>
                 </a:path>
@@ -8024,192 +8478,192 @@
           </p:nvSpPr>
           <p:spPr>
             <a:xfrm>
-              <a:off x="4143723" y="1861339"/>
-              <a:ext cx="395595" cy="2099539"/>
+              <a:off x="4187309" y="1801986"/>
+              <a:ext cx="352009" cy="1868215"/>
             </a:xfrm>
             <a:custGeom>
               <a:avLst/>
               <a:pathLst>
-                <a:path w="395595" h="2099539">
+                <a:path w="352009" h="1868215">
                   <a:moveTo>
-                    <a:pt x="395595" y="2099539"/>
+                    <a:pt x="352009" y="1868215"/>
                   </a:moveTo>
                   <a:lnTo>
-                    <a:pt x="388157" y="2027141"/>
-                  </a:lnTo>
-                  <a:lnTo>
-                    <a:pt x="380719" y="1954743"/>
-                  </a:lnTo>
-                  <a:lnTo>
-                    <a:pt x="373280" y="1882345"/>
-                  </a:lnTo>
-                  <a:lnTo>
-                    <a:pt x="365842" y="1809947"/>
-                  </a:lnTo>
-                  <a:lnTo>
-                    <a:pt x="358404" y="1737549"/>
-                  </a:lnTo>
-                  <a:lnTo>
-                    <a:pt x="350966" y="1665151"/>
-                  </a:lnTo>
-                  <a:lnTo>
-                    <a:pt x="343527" y="1592753"/>
-                  </a:lnTo>
-                  <a:lnTo>
-                    <a:pt x="336089" y="1520355"/>
-                  </a:lnTo>
-                  <a:lnTo>
-                    <a:pt x="328651" y="1447957"/>
-                  </a:lnTo>
-                  <a:lnTo>
-                    <a:pt x="321213" y="1375560"/>
-                  </a:lnTo>
-                  <a:lnTo>
-                    <a:pt x="313775" y="1303162"/>
-                  </a:lnTo>
-                  <a:lnTo>
-                    <a:pt x="306336" y="1230764"/>
-                  </a:lnTo>
-                  <a:lnTo>
-                    <a:pt x="298898" y="1158366"/>
-                  </a:lnTo>
-                  <a:lnTo>
-                    <a:pt x="291460" y="1085968"/>
-                  </a:lnTo>
-                  <a:lnTo>
-                    <a:pt x="284022" y="1013570"/>
-                  </a:lnTo>
-                  <a:lnTo>
-                    <a:pt x="276583" y="941172"/>
-                  </a:lnTo>
-                  <a:lnTo>
-                    <a:pt x="269145" y="868774"/>
-                  </a:lnTo>
-                  <a:lnTo>
-                    <a:pt x="261707" y="796376"/>
-                  </a:lnTo>
-                  <a:lnTo>
-                    <a:pt x="254269" y="723978"/>
-                  </a:lnTo>
-                  <a:lnTo>
-                    <a:pt x="246830" y="651581"/>
-                  </a:lnTo>
-                  <a:lnTo>
-                    <a:pt x="239392" y="579183"/>
-                  </a:lnTo>
-                  <a:lnTo>
-                    <a:pt x="231954" y="506785"/>
-                  </a:lnTo>
-                  <a:lnTo>
-                    <a:pt x="224516" y="434387"/>
-                  </a:lnTo>
-                  <a:lnTo>
-                    <a:pt x="217077" y="361989"/>
-                  </a:lnTo>
-                  <a:lnTo>
-                    <a:pt x="209639" y="289591"/>
-                  </a:lnTo>
-                  <a:lnTo>
-                    <a:pt x="202201" y="217193"/>
-                  </a:lnTo>
-                  <a:lnTo>
-                    <a:pt x="194763" y="144795"/>
-                  </a:lnTo>
-                  <a:lnTo>
-                    <a:pt x="187325" y="72397"/>
-                  </a:lnTo>
-                  <a:lnTo>
-                    <a:pt x="179886" y="0"/>
-                  </a:lnTo>
-                  <a:lnTo>
-                    <a:pt x="89659" y="11238"/>
-                  </a:lnTo>
-                  <a:lnTo>
-                    <a:pt x="0" y="26353"/>
-                  </a:lnTo>
-                  <a:lnTo>
-                    <a:pt x="13641" y="97842"/>
-                  </a:lnTo>
-                  <a:lnTo>
-                    <a:pt x="27282" y="169331"/>
-                  </a:lnTo>
-                  <a:lnTo>
-                    <a:pt x="40923" y="240820"/>
-                  </a:lnTo>
-                  <a:lnTo>
-                    <a:pt x="54564" y="312310"/>
-                  </a:lnTo>
-                  <a:lnTo>
-                    <a:pt x="68206" y="383799"/>
-                  </a:lnTo>
-                  <a:lnTo>
-                    <a:pt x="81847" y="455288"/>
-                  </a:lnTo>
-                  <a:lnTo>
-                    <a:pt x="95488" y="526777"/>
-                  </a:lnTo>
-                  <a:lnTo>
-                    <a:pt x="109129" y="598266"/>
-                  </a:lnTo>
-                  <a:lnTo>
-                    <a:pt x="122771" y="669755"/>
-                  </a:lnTo>
-                  <a:lnTo>
-                    <a:pt x="136412" y="741245"/>
-                  </a:lnTo>
-                  <a:lnTo>
-                    <a:pt x="150053" y="812734"/>
-                  </a:lnTo>
-                  <a:lnTo>
-                    <a:pt x="163694" y="884223"/>
-                  </a:lnTo>
-                  <a:lnTo>
-                    <a:pt x="177335" y="955712"/>
-                  </a:lnTo>
-                  <a:lnTo>
-                    <a:pt x="190977" y="1027201"/>
-                  </a:lnTo>
-                  <a:lnTo>
-                    <a:pt x="204618" y="1098690"/>
-                  </a:lnTo>
-                  <a:lnTo>
-                    <a:pt x="218259" y="1170179"/>
-                  </a:lnTo>
-                  <a:lnTo>
-                    <a:pt x="231900" y="1241669"/>
-                  </a:lnTo>
-                  <a:lnTo>
-                    <a:pt x="245542" y="1313158"/>
-                  </a:lnTo>
-                  <a:lnTo>
-                    <a:pt x="259183" y="1384647"/>
-                  </a:lnTo>
-                  <a:lnTo>
-                    <a:pt x="272824" y="1456136"/>
-                  </a:lnTo>
-                  <a:lnTo>
-                    <a:pt x="286465" y="1527625"/>
-                  </a:lnTo>
-                  <a:lnTo>
-                    <a:pt x="300107" y="1599114"/>
-                  </a:lnTo>
-                  <a:lnTo>
-                    <a:pt x="313748" y="1670604"/>
-                  </a:lnTo>
-                  <a:lnTo>
-                    <a:pt x="327389" y="1742093"/>
-                  </a:lnTo>
-                  <a:lnTo>
-                    <a:pt x="341030" y="1813582"/>
-                  </a:lnTo>
-                  <a:lnTo>
-                    <a:pt x="354671" y="1885071"/>
-                  </a:lnTo>
-                  <a:lnTo>
-                    <a:pt x="368313" y="1956560"/>
-                  </a:lnTo>
-                  <a:lnTo>
-                    <a:pt x="381954" y="2028049"/>
+                    <a:pt x="345390" y="1803794"/>
+                  </a:lnTo>
+                  <a:lnTo>
+                    <a:pt x="338772" y="1739373"/>
+                  </a:lnTo>
+                  <a:lnTo>
+                    <a:pt x="332153" y="1674952"/>
+                  </a:lnTo>
+                  <a:lnTo>
+                    <a:pt x="325534" y="1610530"/>
+                  </a:lnTo>
+                  <a:lnTo>
+                    <a:pt x="318916" y="1546109"/>
+                  </a:lnTo>
+                  <a:lnTo>
+                    <a:pt x="312297" y="1481688"/>
+                  </a:lnTo>
+                  <a:lnTo>
+                    <a:pt x="305678" y="1417267"/>
+                  </a:lnTo>
+                  <a:lnTo>
+                    <a:pt x="299059" y="1352845"/>
+                  </a:lnTo>
+                  <a:lnTo>
+                    <a:pt x="292441" y="1288424"/>
+                  </a:lnTo>
+                  <a:lnTo>
+                    <a:pt x="285822" y="1224003"/>
+                  </a:lnTo>
+                  <a:lnTo>
+                    <a:pt x="279203" y="1159582"/>
+                  </a:lnTo>
+                  <a:lnTo>
+                    <a:pt x="272585" y="1095160"/>
+                  </a:lnTo>
+                  <a:lnTo>
+                    <a:pt x="265966" y="1030739"/>
+                  </a:lnTo>
+                  <a:lnTo>
+                    <a:pt x="259347" y="966318"/>
+                  </a:lnTo>
+                  <a:lnTo>
+                    <a:pt x="252729" y="901897"/>
+                  </a:lnTo>
+                  <a:lnTo>
+                    <a:pt x="246110" y="837476"/>
+                  </a:lnTo>
+                  <a:lnTo>
+                    <a:pt x="239491" y="773054"/>
+                  </a:lnTo>
+                  <a:lnTo>
+                    <a:pt x="232872" y="708633"/>
+                  </a:lnTo>
+                  <a:lnTo>
+                    <a:pt x="226254" y="644212"/>
+                  </a:lnTo>
+                  <a:lnTo>
+                    <a:pt x="219635" y="579791"/>
+                  </a:lnTo>
+                  <a:lnTo>
+                    <a:pt x="213016" y="515369"/>
+                  </a:lnTo>
+                  <a:lnTo>
+                    <a:pt x="206398" y="450948"/>
+                  </a:lnTo>
+                  <a:lnTo>
+                    <a:pt x="199779" y="386527"/>
+                  </a:lnTo>
+                  <a:lnTo>
+                    <a:pt x="193160" y="322106"/>
+                  </a:lnTo>
+                  <a:lnTo>
+                    <a:pt x="186542" y="257684"/>
+                  </a:lnTo>
+                  <a:lnTo>
+                    <a:pt x="179923" y="193263"/>
+                  </a:lnTo>
+                  <a:lnTo>
+                    <a:pt x="173304" y="128842"/>
+                  </a:lnTo>
+                  <a:lnTo>
+                    <a:pt x="166685" y="64421"/>
+                  </a:lnTo>
+                  <a:lnTo>
+                    <a:pt x="160067" y="0"/>
+                  </a:lnTo>
+                  <a:lnTo>
+                    <a:pt x="79780" y="10000"/>
+                  </a:lnTo>
+                  <a:lnTo>
+                    <a:pt x="0" y="23449"/>
+                  </a:lnTo>
+                  <a:lnTo>
+                    <a:pt x="12138" y="87062"/>
+                  </a:lnTo>
+                  <a:lnTo>
+                    <a:pt x="24276" y="150675"/>
+                  </a:lnTo>
+                  <a:lnTo>
+                    <a:pt x="36414" y="214287"/>
+                  </a:lnTo>
+                  <a:lnTo>
+                    <a:pt x="48553" y="277900"/>
+                  </a:lnTo>
+                  <a:lnTo>
+                    <a:pt x="60691" y="341512"/>
+                  </a:lnTo>
+                  <a:lnTo>
+                    <a:pt x="72829" y="405125"/>
+                  </a:lnTo>
+                  <a:lnTo>
+                    <a:pt x="84967" y="468738"/>
+                  </a:lnTo>
+                  <a:lnTo>
+                    <a:pt x="97106" y="532350"/>
+                  </a:lnTo>
+                  <a:lnTo>
+                    <a:pt x="109244" y="595963"/>
+                  </a:lnTo>
+                  <a:lnTo>
+                    <a:pt x="121382" y="659576"/>
+                  </a:lnTo>
+                  <a:lnTo>
+                    <a:pt x="133520" y="723188"/>
+                  </a:lnTo>
+                  <a:lnTo>
+                    <a:pt x="145659" y="786801"/>
+                  </a:lnTo>
+                  <a:lnTo>
+                    <a:pt x="157797" y="850413"/>
+                  </a:lnTo>
+                  <a:lnTo>
+                    <a:pt x="169935" y="914026"/>
+                  </a:lnTo>
+                  <a:lnTo>
+                    <a:pt x="182073" y="977639"/>
+                  </a:lnTo>
+                  <a:lnTo>
+                    <a:pt x="194212" y="1041251"/>
+                  </a:lnTo>
+                  <a:lnTo>
+                    <a:pt x="206350" y="1104864"/>
+                  </a:lnTo>
+                  <a:lnTo>
+                    <a:pt x="218488" y="1168476"/>
+                  </a:lnTo>
+                  <a:lnTo>
+                    <a:pt x="230626" y="1232089"/>
+                  </a:lnTo>
+                  <a:lnTo>
+                    <a:pt x="242765" y="1295702"/>
+                  </a:lnTo>
+                  <a:lnTo>
+                    <a:pt x="254903" y="1359314"/>
+                  </a:lnTo>
+                  <a:lnTo>
+                    <a:pt x="267041" y="1422927"/>
+                  </a:lnTo>
+                  <a:lnTo>
+                    <a:pt x="279180" y="1486540"/>
+                  </a:lnTo>
+                  <a:lnTo>
+                    <a:pt x="291318" y="1550152"/>
+                  </a:lnTo>
+                  <a:lnTo>
+                    <a:pt x="303456" y="1613765"/>
+                  </a:lnTo>
+                  <a:lnTo>
+                    <a:pt x="315594" y="1677377"/>
+                  </a:lnTo>
+                  <a:lnTo>
+                    <a:pt x="327733" y="1740990"/>
+                  </a:lnTo>
+                  <a:lnTo>
+                    <a:pt x="339871" y="1804603"/>
                   </a:lnTo>
                   <a:close/>
                 </a:path>
@@ -8244,189 +8698,189 @@
           </p:nvSpPr>
           <p:spPr>
             <a:xfrm>
-              <a:off x="4323609" y="1852624"/>
-              <a:ext cx="215708" cy="2108254"/>
+              <a:off x="4347376" y="1794231"/>
+              <a:ext cx="191942" cy="1875970"/>
             </a:xfrm>
             <a:custGeom>
               <a:avLst/>
               <a:pathLst>
-                <a:path w="215708" h="2108254">
+                <a:path w="191942" h="1875970">
                   <a:moveTo>
-                    <a:pt x="215708" y="2108254"/>
+                    <a:pt x="191942" y="1875970"/>
                   </a:moveTo>
                   <a:lnTo>
-                    <a:pt x="212284" y="2035555"/>
-                  </a:lnTo>
-                  <a:lnTo>
-                    <a:pt x="208861" y="1962857"/>
-                  </a:lnTo>
-                  <a:lnTo>
-                    <a:pt x="205437" y="1890158"/>
-                  </a:lnTo>
-                  <a:lnTo>
-                    <a:pt x="202013" y="1817460"/>
-                  </a:lnTo>
-                  <a:lnTo>
-                    <a:pt x="198589" y="1744762"/>
-                  </a:lnTo>
-                  <a:lnTo>
-                    <a:pt x="195165" y="1672063"/>
-                  </a:lnTo>
-                  <a:lnTo>
-                    <a:pt x="191741" y="1599365"/>
-                  </a:lnTo>
-                  <a:lnTo>
-                    <a:pt x="188317" y="1526666"/>
-                  </a:lnTo>
-                  <a:lnTo>
-                    <a:pt x="184894" y="1453968"/>
-                  </a:lnTo>
-                  <a:lnTo>
-                    <a:pt x="181470" y="1381269"/>
-                  </a:lnTo>
-                  <a:lnTo>
-                    <a:pt x="178046" y="1308571"/>
-                  </a:lnTo>
-                  <a:lnTo>
-                    <a:pt x="174622" y="1235873"/>
-                  </a:lnTo>
-                  <a:lnTo>
-                    <a:pt x="171198" y="1163174"/>
-                  </a:lnTo>
-                  <a:lnTo>
-                    <a:pt x="167774" y="1090476"/>
-                  </a:lnTo>
-                  <a:lnTo>
-                    <a:pt x="164350" y="1017777"/>
-                  </a:lnTo>
-                  <a:lnTo>
-                    <a:pt x="160927" y="945079"/>
-                  </a:lnTo>
-                  <a:lnTo>
-                    <a:pt x="157503" y="872381"/>
-                  </a:lnTo>
-                  <a:lnTo>
-                    <a:pt x="154079" y="799682"/>
-                  </a:lnTo>
-                  <a:lnTo>
-                    <a:pt x="150655" y="726984"/>
-                  </a:lnTo>
-                  <a:lnTo>
-                    <a:pt x="147231" y="654285"/>
-                  </a:lnTo>
-                  <a:lnTo>
-                    <a:pt x="143807" y="581587"/>
-                  </a:lnTo>
-                  <a:lnTo>
-                    <a:pt x="140383" y="508888"/>
-                  </a:lnTo>
-                  <a:lnTo>
-                    <a:pt x="136960" y="436190"/>
-                  </a:lnTo>
-                  <a:lnTo>
-                    <a:pt x="133536" y="363492"/>
-                  </a:lnTo>
-                  <a:lnTo>
-                    <a:pt x="130112" y="290793"/>
-                  </a:lnTo>
-                  <a:lnTo>
-                    <a:pt x="126688" y="218095"/>
-                  </a:lnTo>
-                  <a:lnTo>
-                    <a:pt x="123264" y="145396"/>
-                  </a:lnTo>
-                  <a:lnTo>
-                    <a:pt x="119840" y="72698"/>
-                  </a:lnTo>
-                  <a:lnTo>
-                    <a:pt x="116416" y="0"/>
-                  </a:lnTo>
-                  <a:lnTo>
-                    <a:pt x="0" y="8715"/>
-                  </a:lnTo>
-                  <a:lnTo>
-                    <a:pt x="7438" y="81113"/>
-                  </a:lnTo>
-                  <a:lnTo>
-                    <a:pt x="14876" y="153510"/>
-                  </a:lnTo>
-                  <a:lnTo>
-                    <a:pt x="22314" y="225908"/>
-                  </a:lnTo>
-                  <a:lnTo>
-                    <a:pt x="29752" y="298306"/>
-                  </a:lnTo>
-                  <a:lnTo>
-                    <a:pt x="37191" y="370704"/>
-                  </a:lnTo>
-                  <a:lnTo>
-                    <a:pt x="44629" y="443102"/>
-                  </a:lnTo>
-                  <a:lnTo>
-                    <a:pt x="52067" y="515500"/>
-                  </a:lnTo>
-                  <a:lnTo>
-                    <a:pt x="59505" y="587898"/>
-                  </a:lnTo>
-                  <a:lnTo>
-                    <a:pt x="66944" y="660296"/>
-                  </a:lnTo>
-                  <a:lnTo>
-                    <a:pt x="74382" y="732694"/>
-                  </a:lnTo>
-                  <a:lnTo>
-                    <a:pt x="81820" y="805092"/>
-                  </a:lnTo>
-                  <a:lnTo>
-                    <a:pt x="89258" y="877489"/>
-                  </a:lnTo>
-                  <a:lnTo>
-                    <a:pt x="96697" y="949887"/>
-                  </a:lnTo>
-                  <a:lnTo>
-                    <a:pt x="104135" y="1022285"/>
-                  </a:lnTo>
-                  <a:lnTo>
-                    <a:pt x="111573" y="1094683"/>
-                  </a:lnTo>
-                  <a:lnTo>
-                    <a:pt x="119011" y="1167081"/>
-                  </a:lnTo>
-                  <a:lnTo>
-                    <a:pt x="126449" y="1239479"/>
-                  </a:lnTo>
-                  <a:lnTo>
-                    <a:pt x="133888" y="1311877"/>
-                  </a:lnTo>
-                  <a:lnTo>
-                    <a:pt x="141326" y="1384275"/>
-                  </a:lnTo>
-                  <a:lnTo>
-                    <a:pt x="148764" y="1456673"/>
-                  </a:lnTo>
-                  <a:lnTo>
-                    <a:pt x="156202" y="1529070"/>
-                  </a:lnTo>
-                  <a:lnTo>
-                    <a:pt x="163641" y="1601468"/>
-                  </a:lnTo>
-                  <a:lnTo>
-                    <a:pt x="171079" y="1673866"/>
-                  </a:lnTo>
-                  <a:lnTo>
-                    <a:pt x="178517" y="1746264"/>
-                  </a:lnTo>
-                  <a:lnTo>
-                    <a:pt x="185955" y="1818662"/>
-                  </a:lnTo>
-                  <a:lnTo>
-                    <a:pt x="193394" y="1891060"/>
-                  </a:lnTo>
-                  <a:lnTo>
-                    <a:pt x="200832" y="1963458"/>
-                  </a:lnTo>
-                  <a:lnTo>
-                    <a:pt x="208270" y="2035856"/>
+                    <a:pt x="188895" y="1811281"/>
+                  </a:lnTo>
+                  <a:lnTo>
+                    <a:pt x="185849" y="1746593"/>
+                  </a:lnTo>
+                  <a:lnTo>
+                    <a:pt x="182802" y="1681904"/>
+                  </a:lnTo>
+                  <a:lnTo>
+                    <a:pt x="179755" y="1617216"/>
+                  </a:lnTo>
+                  <a:lnTo>
+                    <a:pt x="176709" y="1552527"/>
+                  </a:lnTo>
+                  <a:lnTo>
+                    <a:pt x="173662" y="1487838"/>
+                  </a:lnTo>
+                  <a:lnTo>
+                    <a:pt x="170616" y="1423150"/>
+                  </a:lnTo>
+                  <a:lnTo>
+                    <a:pt x="167569" y="1358461"/>
+                  </a:lnTo>
+                  <a:lnTo>
+                    <a:pt x="164522" y="1293772"/>
+                  </a:lnTo>
+                  <a:lnTo>
+                    <a:pt x="161476" y="1229084"/>
+                  </a:lnTo>
+                  <a:lnTo>
+                    <a:pt x="158429" y="1164395"/>
+                  </a:lnTo>
+                  <a:lnTo>
+                    <a:pt x="155382" y="1099706"/>
+                  </a:lnTo>
+                  <a:lnTo>
+                    <a:pt x="152336" y="1035018"/>
+                  </a:lnTo>
+                  <a:lnTo>
+                    <a:pt x="149289" y="970329"/>
+                  </a:lnTo>
+                  <a:lnTo>
+                    <a:pt x="146243" y="905640"/>
+                  </a:lnTo>
+                  <a:lnTo>
+                    <a:pt x="143196" y="840952"/>
+                  </a:lnTo>
+                  <a:lnTo>
+                    <a:pt x="140149" y="776263"/>
+                  </a:lnTo>
+                  <a:lnTo>
+                    <a:pt x="137103" y="711575"/>
+                  </a:lnTo>
+                  <a:lnTo>
+                    <a:pt x="134056" y="646886"/>
+                  </a:lnTo>
+                  <a:lnTo>
+                    <a:pt x="131009" y="582197"/>
+                  </a:lnTo>
+                  <a:lnTo>
+                    <a:pt x="127963" y="517509"/>
+                  </a:lnTo>
+                  <a:lnTo>
+                    <a:pt x="124916" y="452820"/>
+                  </a:lnTo>
+                  <a:lnTo>
+                    <a:pt x="121870" y="388131"/>
+                  </a:lnTo>
+                  <a:lnTo>
+                    <a:pt x="118823" y="323443"/>
+                  </a:lnTo>
+                  <a:lnTo>
+                    <a:pt x="115776" y="258754"/>
+                  </a:lnTo>
+                  <a:lnTo>
+                    <a:pt x="112730" y="194065"/>
+                  </a:lnTo>
+                  <a:lnTo>
+                    <a:pt x="109683" y="129377"/>
+                  </a:lnTo>
+                  <a:lnTo>
+                    <a:pt x="106636" y="64688"/>
+                  </a:lnTo>
+                  <a:lnTo>
+                    <a:pt x="103590" y="0"/>
+                  </a:lnTo>
+                  <a:lnTo>
+                    <a:pt x="0" y="7754"/>
+                  </a:lnTo>
+                  <a:lnTo>
+                    <a:pt x="6618" y="72176"/>
+                  </a:lnTo>
+                  <a:lnTo>
+                    <a:pt x="13237" y="136597"/>
+                  </a:lnTo>
+                  <a:lnTo>
+                    <a:pt x="19856" y="201018"/>
+                  </a:lnTo>
+                  <a:lnTo>
+                    <a:pt x="26474" y="265439"/>
+                  </a:lnTo>
+                  <a:lnTo>
+                    <a:pt x="33093" y="329861"/>
+                  </a:lnTo>
+                  <a:lnTo>
+                    <a:pt x="39712" y="394282"/>
+                  </a:lnTo>
+                  <a:lnTo>
+                    <a:pt x="46330" y="458703"/>
+                  </a:lnTo>
+                  <a:lnTo>
+                    <a:pt x="52949" y="523124"/>
+                  </a:lnTo>
+                  <a:lnTo>
+                    <a:pt x="59568" y="587545"/>
+                  </a:lnTo>
+                  <a:lnTo>
+                    <a:pt x="66187" y="651967"/>
+                  </a:lnTo>
+                  <a:lnTo>
+                    <a:pt x="72805" y="716388"/>
+                  </a:lnTo>
+                  <a:lnTo>
+                    <a:pt x="79424" y="780809"/>
+                  </a:lnTo>
+                  <a:lnTo>
+                    <a:pt x="86043" y="845230"/>
+                  </a:lnTo>
+                  <a:lnTo>
+                    <a:pt x="92661" y="909652"/>
+                  </a:lnTo>
+                  <a:lnTo>
+                    <a:pt x="99280" y="974073"/>
+                  </a:lnTo>
+                  <a:lnTo>
+                    <a:pt x="105899" y="1038494"/>
+                  </a:lnTo>
+                  <a:lnTo>
+                    <a:pt x="112517" y="1102915"/>
+                  </a:lnTo>
+                  <a:lnTo>
+                    <a:pt x="119136" y="1167337"/>
+                  </a:lnTo>
+                  <a:lnTo>
+                    <a:pt x="125755" y="1231758"/>
+                  </a:lnTo>
+                  <a:lnTo>
+                    <a:pt x="132374" y="1296179"/>
+                  </a:lnTo>
+                  <a:lnTo>
+                    <a:pt x="138992" y="1360600"/>
+                  </a:lnTo>
+                  <a:lnTo>
+                    <a:pt x="145611" y="1425022"/>
+                  </a:lnTo>
+                  <a:lnTo>
+                    <a:pt x="152230" y="1489443"/>
+                  </a:lnTo>
+                  <a:lnTo>
+                    <a:pt x="158848" y="1553864"/>
+                  </a:lnTo>
+                  <a:lnTo>
+                    <a:pt x="165467" y="1618285"/>
+                  </a:lnTo>
+                  <a:lnTo>
+                    <a:pt x="172086" y="1682706"/>
+                  </a:lnTo>
+                  <a:lnTo>
+                    <a:pt x="178704" y="1747128"/>
+                  </a:lnTo>
+                  <a:lnTo>
+                    <a:pt x="185323" y="1811549"/>
                   </a:lnTo>
                   <a:close/>
                 </a:path>
@@ -8461,189 +8915,189 @@
           </p:nvSpPr>
           <p:spPr>
             <a:xfrm>
-              <a:off x="4440026" y="1850619"/>
-              <a:ext cx="99291" cy="2110259"/>
+              <a:off x="4450966" y="1792447"/>
+              <a:ext cx="88352" cy="1877754"/>
             </a:xfrm>
             <a:custGeom>
               <a:avLst/>
               <a:pathLst>
-                <a:path w="99291" h="2110259">
+                <a:path w="88352" h="1877754">
                   <a:moveTo>
-                    <a:pt x="99291" y="2110259"/>
+                    <a:pt x="88352" y="1877754"/>
                   </a:moveTo>
                   <a:lnTo>
-                    <a:pt x="98001" y="2037491"/>
-                  </a:lnTo>
-                  <a:lnTo>
-                    <a:pt x="96710" y="1964723"/>
-                  </a:lnTo>
-                  <a:lnTo>
-                    <a:pt x="95419" y="1891956"/>
-                  </a:lnTo>
-                  <a:lnTo>
-                    <a:pt x="94128" y="1819188"/>
-                  </a:lnTo>
-                  <a:lnTo>
-                    <a:pt x="92837" y="1746421"/>
-                  </a:lnTo>
-                  <a:lnTo>
-                    <a:pt x="91547" y="1673653"/>
-                  </a:lnTo>
-                  <a:lnTo>
-                    <a:pt x="90256" y="1600886"/>
-                  </a:lnTo>
-                  <a:lnTo>
-                    <a:pt x="88965" y="1528118"/>
-                  </a:lnTo>
-                  <a:lnTo>
-                    <a:pt x="87674" y="1455351"/>
-                  </a:lnTo>
-                  <a:lnTo>
-                    <a:pt x="86383" y="1382583"/>
-                  </a:lnTo>
-                  <a:lnTo>
-                    <a:pt x="85093" y="1309815"/>
-                  </a:lnTo>
-                  <a:lnTo>
-                    <a:pt x="83802" y="1237048"/>
-                  </a:lnTo>
-                  <a:lnTo>
-                    <a:pt x="82511" y="1164280"/>
-                  </a:lnTo>
-                  <a:lnTo>
-                    <a:pt x="81220" y="1091513"/>
-                  </a:lnTo>
-                  <a:lnTo>
-                    <a:pt x="79929" y="1018745"/>
-                  </a:lnTo>
-                  <a:lnTo>
-                    <a:pt x="78638" y="945978"/>
-                  </a:lnTo>
-                  <a:lnTo>
-                    <a:pt x="77348" y="873210"/>
-                  </a:lnTo>
-                  <a:lnTo>
-                    <a:pt x="76057" y="800443"/>
-                  </a:lnTo>
-                  <a:lnTo>
-                    <a:pt x="74766" y="727675"/>
-                  </a:lnTo>
-                  <a:lnTo>
-                    <a:pt x="73475" y="654907"/>
-                  </a:lnTo>
-                  <a:lnTo>
-                    <a:pt x="72184" y="582140"/>
-                  </a:lnTo>
-                  <a:lnTo>
-                    <a:pt x="70894" y="509372"/>
-                  </a:lnTo>
-                  <a:lnTo>
-                    <a:pt x="69603" y="436605"/>
-                  </a:lnTo>
-                  <a:lnTo>
-                    <a:pt x="68312" y="363837"/>
-                  </a:lnTo>
-                  <a:lnTo>
-                    <a:pt x="67021" y="291070"/>
-                  </a:lnTo>
-                  <a:lnTo>
-                    <a:pt x="65730" y="218302"/>
-                  </a:lnTo>
-                  <a:lnTo>
-                    <a:pt x="64440" y="145535"/>
-                  </a:lnTo>
-                  <a:lnTo>
-                    <a:pt x="63149" y="72767"/>
-                  </a:lnTo>
-                  <a:lnTo>
-                    <a:pt x="61858" y="0"/>
-                  </a:lnTo>
-                  <a:lnTo>
-                    <a:pt x="0" y="2004"/>
-                  </a:lnTo>
-                  <a:lnTo>
-                    <a:pt x="3423" y="74703"/>
-                  </a:lnTo>
-                  <a:lnTo>
-                    <a:pt x="6847" y="147401"/>
-                  </a:lnTo>
-                  <a:lnTo>
-                    <a:pt x="10271" y="220100"/>
-                  </a:lnTo>
-                  <a:lnTo>
-                    <a:pt x="13695" y="292798"/>
-                  </a:lnTo>
-                  <a:lnTo>
-                    <a:pt x="17119" y="365496"/>
-                  </a:lnTo>
-                  <a:lnTo>
-                    <a:pt x="20543" y="438195"/>
-                  </a:lnTo>
-                  <a:lnTo>
-                    <a:pt x="23966" y="510893"/>
-                  </a:lnTo>
-                  <a:lnTo>
-                    <a:pt x="27390" y="583592"/>
-                  </a:lnTo>
-                  <a:lnTo>
-                    <a:pt x="30814" y="656290"/>
-                  </a:lnTo>
-                  <a:lnTo>
-                    <a:pt x="34238" y="728989"/>
-                  </a:lnTo>
-                  <a:lnTo>
-                    <a:pt x="37662" y="801687"/>
-                  </a:lnTo>
-                  <a:lnTo>
-                    <a:pt x="41086" y="874385"/>
-                  </a:lnTo>
-                  <a:lnTo>
-                    <a:pt x="44510" y="947084"/>
-                  </a:lnTo>
-                  <a:lnTo>
-                    <a:pt x="47933" y="1019782"/>
-                  </a:lnTo>
-                  <a:lnTo>
-                    <a:pt x="51357" y="1092481"/>
-                  </a:lnTo>
-                  <a:lnTo>
-                    <a:pt x="54781" y="1165179"/>
-                  </a:lnTo>
-                  <a:lnTo>
-                    <a:pt x="58205" y="1237878"/>
-                  </a:lnTo>
-                  <a:lnTo>
-                    <a:pt x="61629" y="1310576"/>
-                  </a:lnTo>
-                  <a:lnTo>
-                    <a:pt x="65053" y="1383274"/>
-                  </a:lnTo>
-                  <a:lnTo>
-                    <a:pt x="68477" y="1455973"/>
-                  </a:lnTo>
-                  <a:lnTo>
-                    <a:pt x="71900" y="1528671"/>
-                  </a:lnTo>
-                  <a:lnTo>
-                    <a:pt x="75324" y="1601370"/>
-                  </a:lnTo>
-                  <a:lnTo>
-                    <a:pt x="78748" y="1674068"/>
-                  </a:lnTo>
-                  <a:lnTo>
-                    <a:pt x="82172" y="1746766"/>
-                  </a:lnTo>
-                  <a:lnTo>
-                    <a:pt x="85596" y="1819465"/>
-                  </a:lnTo>
-                  <a:lnTo>
-                    <a:pt x="89020" y="1892163"/>
-                  </a:lnTo>
-                  <a:lnTo>
-                    <a:pt x="92444" y="1964862"/>
-                  </a:lnTo>
-                  <a:lnTo>
-                    <a:pt x="95867" y="2037560"/>
+                    <a:pt x="87203" y="1813004"/>
+                  </a:lnTo>
+                  <a:lnTo>
+                    <a:pt x="86054" y="1748254"/>
+                  </a:lnTo>
+                  <a:lnTo>
+                    <a:pt x="84906" y="1683504"/>
+                  </a:lnTo>
+                  <a:lnTo>
+                    <a:pt x="83757" y="1618753"/>
+                  </a:lnTo>
+                  <a:lnTo>
+                    <a:pt x="82609" y="1554003"/>
+                  </a:lnTo>
+                  <a:lnTo>
+                    <a:pt x="81460" y="1489253"/>
+                  </a:lnTo>
+                  <a:lnTo>
+                    <a:pt x="80311" y="1424503"/>
+                  </a:lnTo>
+                  <a:lnTo>
+                    <a:pt x="79163" y="1359753"/>
+                  </a:lnTo>
+                  <a:lnTo>
+                    <a:pt x="78014" y="1295003"/>
+                  </a:lnTo>
+                  <a:lnTo>
+                    <a:pt x="76866" y="1230253"/>
+                  </a:lnTo>
+                  <a:lnTo>
+                    <a:pt x="75717" y="1165502"/>
+                  </a:lnTo>
+                  <a:lnTo>
+                    <a:pt x="74569" y="1100752"/>
+                  </a:lnTo>
+                  <a:lnTo>
+                    <a:pt x="73420" y="1036002"/>
+                  </a:lnTo>
+                  <a:lnTo>
+                    <a:pt x="72271" y="971252"/>
+                  </a:lnTo>
+                  <a:lnTo>
+                    <a:pt x="71123" y="906502"/>
+                  </a:lnTo>
+                  <a:lnTo>
+                    <a:pt x="69974" y="841752"/>
+                  </a:lnTo>
+                  <a:lnTo>
+                    <a:pt x="68826" y="777001"/>
+                  </a:lnTo>
+                  <a:lnTo>
+                    <a:pt x="67677" y="712251"/>
+                  </a:lnTo>
+                  <a:lnTo>
+                    <a:pt x="66528" y="647501"/>
+                  </a:lnTo>
+                  <a:lnTo>
+                    <a:pt x="65380" y="582751"/>
+                  </a:lnTo>
+                  <a:lnTo>
+                    <a:pt x="64231" y="518001"/>
+                  </a:lnTo>
+                  <a:lnTo>
+                    <a:pt x="63083" y="453251"/>
+                  </a:lnTo>
+                  <a:lnTo>
+                    <a:pt x="61934" y="388500"/>
+                  </a:lnTo>
+                  <a:lnTo>
+                    <a:pt x="60786" y="323750"/>
+                  </a:lnTo>
+                  <a:lnTo>
+                    <a:pt x="59637" y="259000"/>
+                  </a:lnTo>
+                  <a:lnTo>
+                    <a:pt x="58488" y="194250"/>
+                  </a:lnTo>
+                  <a:lnTo>
+                    <a:pt x="57340" y="129500"/>
+                  </a:lnTo>
+                  <a:lnTo>
+                    <a:pt x="56191" y="64750"/>
+                  </a:lnTo>
+                  <a:lnTo>
+                    <a:pt x="55043" y="0"/>
+                  </a:lnTo>
+                  <a:lnTo>
+                    <a:pt x="0" y="1783"/>
+                  </a:lnTo>
+                  <a:lnTo>
+                    <a:pt x="3046" y="66472"/>
+                  </a:lnTo>
+                  <a:lnTo>
+                    <a:pt x="6093" y="131161"/>
+                  </a:lnTo>
+                  <a:lnTo>
+                    <a:pt x="9139" y="195849"/>
+                  </a:lnTo>
+                  <a:lnTo>
+                    <a:pt x="12186" y="260538"/>
+                  </a:lnTo>
+                  <a:lnTo>
+                    <a:pt x="15233" y="325227"/>
+                  </a:lnTo>
+                  <a:lnTo>
+                    <a:pt x="18279" y="389915"/>
+                  </a:lnTo>
+                  <a:lnTo>
+                    <a:pt x="21326" y="454604"/>
+                  </a:lnTo>
+                  <a:lnTo>
+                    <a:pt x="24372" y="519293"/>
+                  </a:lnTo>
+                  <a:lnTo>
+                    <a:pt x="27419" y="583981"/>
+                  </a:lnTo>
+                  <a:lnTo>
+                    <a:pt x="30466" y="648670"/>
+                  </a:lnTo>
+                  <a:lnTo>
+                    <a:pt x="33512" y="713359"/>
+                  </a:lnTo>
+                  <a:lnTo>
+                    <a:pt x="36559" y="778047"/>
+                  </a:lnTo>
+                  <a:lnTo>
+                    <a:pt x="39606" y="842736"/>
+                  </a:lnTo>
+                  <a:lnTo>
+                    <a:pt x="42652" y="907424"/>
+                  </a:lnTo>
+                  <a:lnTo>
+                    <a:pt x="45699" y="972113"/>
+                  </a:lnTo>
+                  <a:lnTo>
+                    <a:pt x="48745" y="1036802"/>
+                  </a:lnTo>
+                  <a:lnTo>
+                    <a:pt x="51792" y="1101490"/>
+                  </a:lnTo>
+                  <a:lnTo>
+                    <a:pt x="54839" y="1166179"/>
+                  </a:lnTo>
+                  <a:lnTo>
+                    <a:pt x="57885" y="1230868"/>
+                  </a:lnTo>
+                  <a:lnTo>
+                    <a:pt x="60932" y="1295556"/>
+                  </a:lnTo>
+                  <a:lnTo>
+                    <a:pt x="63979" y="1360245"/>
+                  </a:lnTo>
+                  <a:lnTo>
+                    <a:pt x="67025" y="1424934"/>
+                  </a:lnTo>
+                  <a:lnTo>
+                    <a:pt x="70072" y="1489622"/>
+                  </a:lnTo>
+                  <a:lnTo>
+                    <a:pt x="73118" y="1554311"/>
+                  </a:lnTo>
+                  <a:lnTo>
+                    <a:pt x="76165" y="1619000"/>
+                  </a:lnTo>
+                  <a:lnTo>
+                    <a:pt x="79212" y="1683688"/>
+                  </a:lnTo>
+                  <a:lnTo>
+                    <a:pt x="82258" y="1748377"/>
+                  </a:lnTo>
+                  <a:lnTo>
+                    <a:pt x="85305" y="1813065"/>
                   </a:lnTo>
                   <a:close/>
                 </a:path>
@@ -8678,189 +9132,189 @@
           </p:nvSpPr>
           <p:spPr>
             <a:xfrm>
-              <a:off x="4501885" y="1850287"/>
-              <a:ext cx="37433" cy="2110591"/>
+              <a:off x="4506009" y="1792152"/>
+              <a:ext cx="33308" cy="1878050"/>
             </a:xfrm>
             <a:custGeom>
               <a:avLst/>
               <a:pathLst>
-                <a:path w="37433" h="2110591">
+                <a:path w="33308" h="1878050">
                   <a:moveTo>
-                    <a:pt x="37433" y="2110591"/>
+                    <a:pt x="33308" y="1878050"/>
                   </a:moveTo>
                   <a:lnTo>
-                    <a:pt x="37433" y="2037812"/>
-                  </a:lnTo>
-                  <a:lnTo>
-                    <a:pt x="37433" y="1965033"/>
-                  </a:lnTo>
-                  <a:lnTo>
-                    <a:pt x="37433" y="1892254"/>
-                  </a:lnTo>
-                  <a:lnTo>
-                    <a:pt x="37433" y="1819475"/>
-                  </a:lnTo>
-                  <a:lnTo>
-                    <a:pt x="37433" y="1746696"/>
-                  </a:lnTo>
-                  <a:lnTo>
-                    <a:pt x="37433" y="1673917"/>
-                  </a:lnTo>
-                  <a:lnTo>
-                    <a:pt x="37433" y="1601138"/>
-                  </a:lnTo>
-                  <a:lnTo>
-                    <a:pt x="37433" y="1528359"/>
-                  </a:lnTo>
-                  <a:lnTo>
-                    <a:pt x="37433" y="1455580"/>
-                  </a:lnTo>
-                  <a:lnTo>
-                    <a:pt x="37433" y="1382801"/>
-                  </a:lnTo>
-                  <a:lnTo>
-                    <a:pt x="37433" y="1310022"/>
-                  </a:lnTo>
-                  <a:lnTo>
-                    <a:pt x="37433" y="1237243"/>
-                  </a:lnTo>
-                  <a:lnTo>
-                    <a:pt x="37433" y="1164464"/>
-                  </a:lnTo>
-                  <a:lnTo>
-                    <a:pt x="37433" y="1091685"/>
-                  </a:lnTo>
-                  <a:lnTo>
-                    <a:pt x="37433" y="1018906"/>
-                  </a:lnTo>
-                  <a:lnTo>
-                    <a:pt x="37433" y="946127"/>
-                  </a:lnTo>
-                  <a:lnTo>
-                    <a:pt x="37433" y="873348"/>
-                  </a:lnTo>
-                  <a:lnTo>
-                    <a:pt x="37433" y="800569"/>
-                  </a:lnTo>
-                  <a:lnTo>
-                    <a:pt x="37433" y="727790"/>
-                  </a:lnTo>
-                  <a:lnTo>
-                    <a:pt x="37433" y="655011"/>
-                  </a:lnTo>
-                  <a:lnTo>
-                    <a:pt x="37433" y="582232"/>
-                  </a:lnTo>
-                  <a:lnTo>
-                    <a:pt x="37433" y="509453"/>
-                  </a:lnTo>
-                  <a:lnTo>
-                    <a:pt x="37433" y="436674"/>
-                  </a:lnTo>
-                  <a:lnTo>
-                    <a:pt x="37433" y="363895"/>
-                  </a:lnTo>
-                  <a:lnTo>
-                    <a:pt x="37433" y="291116"/>
-                  </a:lnTo>
-                  <a:lnTo>
-                    <a:pt x="37433" y="218337"/>
-                  </a:lnTo>
-                  <a:lnTo>
-                    <a:pt x="37433" y="145558"/>
-                  </a:lnTo>
-                  <a:lnTo>
-                    <a:pt x="37433" y="72779"/>
-                  </a:lnTo>
-                  <a:lnTo>
-                    <a:pt x="37433" y="0"/>
-                  </a:lnTo>
-                  <a:lnTo>
-                    <a:pt x="0" y="331"/>
-                  </a:lnTo>
-                  <a:lnTo>
-                    <a:pt x="1290" y="73099"/>
-                  </a:lnTo>
-                  <a:lnTo>
-                    <a:pt x="2581" y="145867"/>
-                  </a:lnTo>
-                  <a:lnTo>
-                    <a:pt x="3872" y="218634"/>
-                  </a:lnTo>
-                  <a:lnTo>
-                    <a:pt x="5163" y="291402"/>
-                  </a:lnTo>
-                  <a:lnTo>
-                    <a:pt x="6454" y="364169"/>
-                  </a:lnTo>
-                  <a:lnTo>
-                    <a:pt x="7744" y="436937"/>
-                  </a:lnTo>
-                  <a:lnTo>
-                    <a:pt x="9035" y="509704"/>
-                  </a:lnTo>
-                  <a:lnTo>
-                    <a:pt x="10326" y="582472"/>
-                  </a:lnTo>
-                  <a:lnTo>
-                    <a:pt x="11617" y="655239"/>
-                  </a:lnTo>
-                  <a:lnTo>
-                    <a:pt x="12908" y="728007"/>
-                  </a:lnTo>
-                  <a:lnTo>
-                    <a:pt x="14198" y="800775"/>
-                  </a:lnTo>
-                  <a:lnTo>
-                    <a:pt x="15489" y="873542"/>
-                  </a:lnTo>
-                  <a:lnTo>
-                    <a:pt x="16780" y="946310"/>
-                  </a:lnTo>
-                  <a:lnTo>
-                    <a:pt x="18071" y="1019077"/>
-                  </a:lnTo>
-                  <a:lnTo>
-                    <a:pt x="19362" y="1091845"/>
-                  </a:lnTo>
-                  <a:lnTo>
-                    <a:pt x="20652" y="1164612"/>
-                  </a:lnTo>
-                  <a:lnTo>
-                    <a:pt x="21943" y="1237380"/>
-                  </a:lnTo>
-                  <a:lnTo>
-                    <a:pt x="23234" y="1310147"/>
-                  </a:lnTo>
-                  <a:lnTo>
-                    <a:pt x="24525" y="1382915"/>
-                  </a:lnTo>
-                  <a:lnTo>
-                    <a:pt x="25816" y="1455683"/>
-                  </a:lnTo>
-                  <a:lnTo>
-                    <a:pt x="27106" y="1528450"/>
-                  </a:lnTo>
-                  <a:lnTo>
-                    <a:pt x="28397" y="1601218"/>
-                  </a:lnTo>
-                  <a:lnTo>
-                    <a:pt x="29688" y="1673985"/>
-                  </a:lnTo>
-                  <a:lnTo>
-                    <a:pt x="30979" y="1746753"/>
-                  </a:lnTo>
-                  <a:lnTo>
-                    <a:pt x="32270" y="1819520"/>
-                  </a:lnTo>
-                  <a:lnTo>
-                    <a:pt x="33560" y="1892288"/>
-                  </a:lnTo>
-                  <a:lnTo>
-                    <a:pt x="34851" y="1965055"/>
-                  </a:lnTo>
-                  <a:lnTo>
-                    <a:pt x="36142" y="2037823"/>
+                    <a:pt x="33308" y="1813289"/>
+                  </a:lnTo>
+                  <a:lnTo>
+                    <a:pt x="33308" y="1748529"/>
+                  </a:lnTo>
+                  <a:lnTo>
+                    <a:pt x="33308" y="1683768"/>
+                  </a:lnTo>
+                  <a:lnTo>
+                    <a:pt x="33308" y="1619008"/>
+                  </a:lnTo>
+                  <a:lnTo>
+                    <a:pt x="33308" y="1554248"/>
+                  </a:lnTo>
+                  <a:lnTo>
+                    <a:pt x="33308" y="1489487"/>
+                  </a:lnTo>
+                  <a:lnTo>
+                    <a:pt x="33308" y="1424727"/>
+                  </a:lnTo>
+                  <a:lnTo>
+                    <a:pt x="33308" y="1359967"/>
+                  </a:lnTo>
+                  <a:lnTo>
+                    <a:pt x="33308" y="1295206"/>
+                  </a:lnTo>
+                  <a:lnTo>
+                    <a:pt x="33308" y="1230446"/>
+                  </a:lnTo>
+                  <a:lnTo>
+                    <a:pt x="33308" y="1165686"/>
+                  </a:lnTo>
+                  <a:lnTo>
+                    <a:pt x="33308" y="1100925"/>
+                  </a:lnTo>
+                  <a:lnTo>
+                    <a:pt x="33308" y="1036165"/>
+                  </a:lnTo>
+                  <a:lnTo>
+                    <a:pt x="33308" y="971405"/>
+                  </a:lnTo>
+                  <a:lnTo>
+                    <a:pt x="33308" y="906644"/>
+                  </a:lnTo>
+                  <a:lnTo>
+                    <a:pt x="33308" y="841884"/>
+                  </a:lnTo>
+                  <a:lnTo>
+                    <a:pt x="33308" y="777124"/>
+                  </a:lnTo>
+                  <a:lnTo>
+                    <a:pt x="33308" y="712363"/>
+                  </a:lnTo>
+                  <a:lnTo>
+                    <a:pt x="33308" y="647603"/>
+                  </a:lnTo>
+                  <a:lnTo>
+                    <a:pt x="33308" y="582843"/>
+                  </a:lnTo>
+                  <a:lnTo>
+                    <a:pt x="33308" y="518082"/>
+                  </a:lnTo>
+                  <a:lnTo>
+                    <a:pt x="33308" y="453322"/>
+                  </a:lnTo>
+                  <a:lnTo>
+                    <a:pt x="33308" y="388562"/>
+                  </a:lnTo>
+                  <a:lnTo>
+                    <a:pt x="33308" y="323801"/>
+                  </a:lnTo>
+                  <a:lnTo>
+                    <a:pt x="33308" y="259041"/>
+                  </a:lnTo>
+                  <a:lnTo>
+                    <a:pt x="33308" y="194281"/>
+                  </a:lnTo>
+                  <a:lnTo>
+                    <a:pt x="33308" y="129520"/>
+                  </a:lnTo>
+                  <a:lnTo>
+                    <a:pt x="33308" y="64760"/>
+                  </a:lnTo>
+                  <a:lnTo>
+                    <a:pt x="33308" y="0"/>
+                  </a:lnTo>
+                  <a:lnTo>
+                    <a:pt x="0" y="295"/>
+                  </a:lnTo>
+                  <a:lnTo>
+                    <a:pt x="1148" y="65045"/>
+                  </a:lnTo>
+                  <a:lnTo>
+                    <a:pt x="2297" y="129795"/>
+                  </a:lnTo>
+                  <a:lnTo>
+                    <a:pt x="3445" y="194545"/>
+                  </a:lnTo>
+                  <a:lnTo>
+                    <a:pt x="4594" y="259296"/>
+                  </a:lnTo>
+                  <a:lnTo>
+                    <a:pt x="5742" y="324046"/>
+                  </a:lnTo>
+                  <a:lnTo>
+                    <a:pt x="6891" y="388796"/>
+                  </a:lnTo>
+                  <a:lnTo>
+                    <a:pt x="8040" y="453546"/>
+                  </a:lnTo>
+                  <a:lnTo>
+                    <a:pt x="9188" y="518296"/>
+                  </a:lnTo>
+                  <a:lnTo>
+                    <a:pt x="10337" y="583046"/>
+                  </a:lnTo>
+                  <a:lnTo>
+                    <a:pt x="11485" y="647796"/>
+                  </a:lnTo>
+                  <a:lnTo>
+                    <a:pt x="12634" y="712547"/>
+                  </a:lnTo>
+                  <a:lnTo>
+                    <a:pt x="13783" y="777297"/>
+                  </a:lnTo>
+                  <a:lnTo>
+                    <a:pt x="14931" y="842047"/>
+                  </a:lnTo>
+                  <a:lnTo>
+                    <a:pt x="16080" y="906797"/>
+                  </a:lnTo>
+                  <a:lnTo>
+                    <a:pt x="17228" y="971547"/>
+                  </a:lnTo>
+                  <a:lnTo>
+                    <a:pt x="18377" y="1036297"/>
+                  </a:lnTo>
+                  <a:lnTo>
+                    <a:pt x="19525" y="1101048"/>
+                  </a:lnTo>
+                  <a:lnTo>
+                    <a:pt x="20674" y="1165798"/>
+                  </a:lnTo>
+                  <a:lnTo>
+                    <a:pt x="21823" y="1230548"/>
+                  </a:lnTo>
+                  <a:lnTo>
+                    <a:pt x="22971" y="1295298"/>
+                  </a:lnTo>
+                  <a:lnTo>
+                    <a:pt x="24120" y="1360048"/>
+                  </a:lnTo>
+                  <a:lnTo>
+                    <a:pt x="25268" y="1424798"/>
+                  </a:lnTo>
+                  <a:lnTo>
+                    <a:pt x="26417" y="1489549"/>
+                  </a:lnTo>
+                  <a:lnTo>
+                    <a:pt x="27566" y="1554299"/>
+                  </a:lnTo>
+                  <a:lnTo>
+                    <a:pt x="28714" y="1619049"/>
+                  </a:lnTo>
+                  <a:lnTo>
+                    <a:pt x="29863" y="1683799"/>
+                  </a:lnTo>
+                  <a:lnTo>
+                    <a:pt x="31011" y="1748549"/>
+                  </a:lnTo>
+                  <a:lnTo>
+                    <a:pt x="32160" y="1813299"/>
                   </a:lnTo>
                   <a:close/>
                 </a:path>
@@ -8895,7 +9349,7 @@
           </p:nvSpPr>
           <p:spPr>
             <a:xfrm>
-              <a:off x="5458299" y="3490572"/>
+              <a:off x="5350043" y="3242318"/>
               <a:ext cx="127136" cy="167096"/>
             </a:xfrm>
             <a:prstGeom prst="rect">
@@ -8941,7 +9395,7 @@
           </p:nvSpPr>
           <p:spPr>
             <a:xfrm>
-              <a:off x="5530623" y="3911048"/>
+              <a:off x="5414399" y="3617081"/>
               <a:ext cx="127136" cy="161515"/>
             </a:xfrm>
             <a:prstGeom prst="rect">
@@ -8987,7 +9441,7 @@
           </p:nvSpPr>
           <p:spPr>
             <a:xfrm>
-              <a:off x="5384584" y="4411947"/>
+              <a:off x="5284451" y="4062177"/>
               <a:ext cx="127136" cy="167096"/>
             </a:xfrm>
             <a:prstGeom prst="rect">
@@ -9033,7 +9487,7 @@
           </p:nvSpPr>
           <p:spPr>
             <a:xfrm>
-              <a:off x="4928354" y="4828909"/>
+              <a:off x="4878487" y="4433199"/>
               <a:ext cx="127136" cy="167096"/>
             </a:xfrm>
             <a:prstGeom prst="rect">
@@ -9079,7 +9533,7 @@
           </p:nvSpPr>
           <p:spPr>
             <a:xfrm>
-              <a:off x="4138230" y="4894717"/>
+              <a:off x="4168413" y="4491756"/>
               <a:ext cx="254272" cy="167096"/>
             </a:xfrm>
             <a:prstGeom prst="rect">
@@ -9125,7 +9579,7 @@
           </p:nvSpPr>
           <p:spPr>
             <a:xfrm>
-              <a:off x="3508749" y="4420997"/>
+              <a:off x="3608288" y="4070230"/>
               <a:ext cx="254272" cy="167096"/>
             </a:xfrm>
             <a:prstGeom prst="rect">
@@ -9171,7 +9625,7 @@
           </p:nvSpPr>
           <p:spPr>
             <a:xfrm>
-              <a:off x="3428199" y="3747982"/>
+              <a:off x="3543616" y="3471367"/>
               <a:ext cx="127136" cy="167096"/>
             </a:xfrm>
             <a:prstGeom prst="rect">
@@ -9217,7 +9671,7 @@
           </p:nvSpPr>
           <p:spPr>
             <a:xfrm>
-              <a:off x="3619195" y="3259190"/>
+              <a:off x="3713568" y="3036428"/>
               <a:ext cx="127136" cy="167096"/>
             </a:xfrm>
             <a:prstGeom prst="rect">
@@ -9263,7 +9717,7 @@
           </p:nvSpPr>
           <p:spPr>
             <a:xfrm>
-              <a:off x="3868662" y="3017993"/>
+              <a:off x="3935549" y="2822422"/>
               <a:ext cx="127136" cy="161515"/>
             </a:xfrm>
             <a:prstGeom prst="rect">
@@ -9309,7 +9763,7 @@
           </p:nvSpPr>
           <p:spPr>
             <a:xfrm>
-              <a:off x="4064682" y="2903657"/>
+              <a:off x="4109973" y="2720068"/>
               <a:ext cx="127136" cy="167096"/>
             </a:xfrm>
             <a:prstGeom prst="rect">
@@ -9355,7 +9809,7 @@
           </p:nvSpPr>
           <p:spPr>
             <a:xfrm>
-              <a:off x="4374119" y="1495827"/>
+              <a:off x="4374119" y="1466759"/>
               <a:ext cx="330398" cy="172454"/>
             </a:xfrm>
             <a:prstGeom prst="rect">
@@ -9401,7 +9855,7 @@
           </p:nvSpPr>
           <p:spPr>
             <a:xfrm>
-              <a:off x="5706197" y="1949300"/>
+              <a:off x="5552427" y="1870270"/>
               <a:ext cx="457534" cy="172454"/>
             </a:xfrm>
             <a:prstGeom prst="rect">
@@ -9447,7 +9901,7 @@
           </p:nvSpPr>
           <p:spPr>
             <a:xfrm>
-              <a:off x="6315336" y="2597967"/>
+              <a:off x="6094452" y="2447467"/>
               <a:ext cx="457534" cy="172454"/>
             </a:xfrm>
             <a:prstGeom prst="rect">
@@ -9493,7 +9947,7 @@
           </p:nvSpPr>
           <p:spPr>
             <a:xfrm>
-              <a:off x="6642908" y="3425321"/>
+              <a:off x="6385933" y="3183665"/>
               <a:ext cx="457534" cy="172454"/>
             </a:xfrm>
             <a:prstGeom prst="rect">
@@ -9539,7 +9993,7 @@
           </p:nvSpPr>
           <p:spPr>
             <a:xfrm>
-              <a:off x="6610369" y="4460735"/>
+              <a:off x="6356979" y="4104999"/>
               <a:ext cx="457534" cy="172454"/>
             </a:xfrm>
             <a:prstGeom prst="rect">
@@ -9585,7 +10039,7 @@
           </p:nvSpPr>
           <p:spPr>
             <a:xfrm>
-              <a:off x="5935950" y="5601116"/>
+              <a:off x="5756866" y="5119735"/>
               <a:ext cx="457534" cy="172454"/>
             </a:xfrm>
             <a:prstGeom prst="rect">
@@ -9631,7 +10085,7 @@
           </p:nvSpPr>
           <p:spPr>
             <a:xfrm>
-              <a:off x="4608144" y="6225934"/>
+              <a:off x="4575356" y="5675712"/>
               <a:ext cx="457534" cy="172454"/>
             </a:xfrm>
             <a:prstGeom prst="rect">
@@ -9677,7 +10131,7 @@
           </p:nvSpPr>
           <p:spPr>
             <a:xfrm>
-              <a:off x="2914905" y="5791184"/>
+              <a:off x="3068674" y="5288862"/>
               <a:ext cx="457534" cy="172454"/>
             </a:xfrm>
             <a:prstGeom prst="rect">
@@ -9723,7 +10177,7 @@
           </p:nvSpPr>
           <p:spPr>
             <a:xfrm>
-              <a:off x="1978193" y="4315163"/>
+              <a:off x="2235168" y="3975466"/>
               <a:ext cx="457534" cy="172454"/>
             </a:xfrm>
             <a:prstGeom prst="rect">
@@ -9769,7 +10223,7 @@
           </p:nvSpPr>
           <p:spPr>
             <a:xfrm>
-              <a:off x="2162116" y="2859265"/>
+              <a:off x="2398826" y="2679977"/>
               <a:ext cx="457534" cy="172454"/>
             </a:xfrm>
             <a:prstGeom prst="rect">
@@ -9815,7 +10269,7 @@
           </p:nvSpPr>
           <p:spPr>
             <a:xfrm>
-              <a:off x="2685152" y="2139368"/>
+              <a:off x="2864235" y="2039396"/>
               <a:ext cx="457534" cy="172454"/>
             </a:xfrm>
             <a:prstGeom prst="rect">
@@ -9849,6 +10303,144 @@
                   <a:cs typeface="Arial"/>
                 </a:rPr>
                 <a:t>88%</a:t>
+              </a:r>
+            </a:p>
+          </p:txBody>
+        </p:sp>
+        <p:sp>
+          <p:nvSpPr>
+            <p:cNvPr id="49" name="tx47"/>
+            <p:cNvSpPr/>
+            <p:nvPr/>
+          </p:nvSpPr>
+          <p:spPr>
+            <a:xfrm>
+              <a:off x="2134819" y="6329898"/>
+              <a:ext cx="8653258" cy="119067"/>
+            </a:xfrm>
+            <a:prstGeom prst="rect">
+              <a:avLst/>
+            </a:prstGeom>
+            <a:noFill/>
+          </p:spPr>
+          <p:txBody>
+            <a:bodyPr lIns="0" rIns="0" tIns="0" bIns="0" anchorCtr="1" anchor="ctr" wrap="none"/>
+            <a:lstStyle/>
+            <a:p>
+              <a:pPr algn="l" marL="0" marR="0" indent="0">
+                <a:lnSpc>
+                  <a:spcPts val="999"/>
+                </a:lnSpc>
+                <a:spcBef>
+                  <a:spcPts val="0"/>
+                </a:spcBef>
+                <a:spcAft>
+                  <a:spcPts val="0"/>
+                </a:spcAft>
+              </a:pPr>
+              <a:r>
+                <a:rPr sz="999" i="1">
+                  <a:solidFill>
+                    <a:srgbClr val="000000">
+                      <a:alpha val="100000"/>
+                    </a:srgbClr>
+                  </a:solidFill>
+                  <a:latin typeface="Arial"/>
+                  <a:cs typeface="Arial"/>
+                </a:rPr>
+                <a:t>Notes: Projections to 2020-21 assume 2% wage growth and 0% growth in the number of taxfilers from 2019-20 to 2020-21. Voluntary pre-tax contributions</a:t>
+              </a:r>
+            </a:p>
+          </p:txBody>
+        </p:sp>
+        <p:sp>
+          <p:nvSpPr>
+            <p:cNvPr id="50" name="tx48"/>
+            <p:cNvSpPr/>
+            <p:nvPr/>
+          </p:nvSpPr>
+          <p:spPr>
+            <a:xfrm>
+              <a:off x="2134819" y="6492073"/>
+              <a:ext cx="3173435" cy="93915"/>
+            </a:xfrm>
+            <a:prstGeom prst="rect">
+              <a:avLst/>
+            </a:prstGeom>
+            <a:noFill/>
+          </p:spPr>
+          <p:txBody>
+            <a:bodyPr lIns="0" rIns="0" tIns="0" bIns="0" anchorCtr="1" anchor="ctr" wrap="none"/>
+            <a:lstStyle/>
+            <a:p>
+              <a:pPr algn="l" marL="0" marR="0" indent="0">
+                <a:lnSpc>
+                  <a:spcPts val="999"/>
+                </a:lnSpc>
+                <a:spcBef>
+                  <a:spcPts val="0"/>
+                </a:spcBef>
+                <a:spcAft>
+                  <a:spcPts val="0"/>
+                </a:spcAft>
+              </a:pPr>
+              <a:r>
+                <a:rPr sz="999" i="1">
+                  <a:solidFill>
+                    <a:srgbClr val="000000">
+                      <a:alpha val="100000"/>
+                    </a:srgbClr>
+                  </a:solidFill>
+                  <a:latin typeface="Arial"/>
+                  <a:cs typeface="Arial"/>
+                </a:rPr>
+                <a:t>means concessional contributions less SG contributions.</a:t>
+              </a:r>
+            </a:p>
+          </p:txBody>
+        </p:sp>
+        <p:sp>
+          <p:nvSpPr>
+            <p:cNvPr id="51" name="tx49"/>
+            <p:cNvSpPr/>
+            <p:nvPr/>
+          </p:nvSpPr>
+          <p:spPr>
+            <a:xfrm>
+              <a:off x="2134819" y="6605431"/>
+              <a:ext cx="2094457" cy="117580"/>
+            </a:xfrm>
+            <a:prstGeom prst="rect">
+              <a:avLst/>
+            </a:prstGeom>
+            <a:noFill/>
+          </p:spPr>
+          <p:txBody>
+            <a:bodyPr lIns="0" rIns="0" tIns="0" bIns="0" anchorCtr="1" anchor="ctr" wrap="none"/>
+            <a:lstStyle/>
+            <a:p>
+              <a:pPr algn="l" marL="0" marR="0" indent="0">
+                <a:lnSpc>
+                  <a:spcPts val="999"/>
+                </a:lnSpc>
+                <a:spcBef>
+                  <a:spcPts val="0"/>
+                </a:spcBef>
+                <a:spcAft>
+                  <a:spcPts val="0"/>
+                </a:spcAft>
+              </a:pPr>
+              <a:r>
+                <a:rPr sz="999" i="1">
+                  <a:solidFill>
+                    <a:srgbClr val="000000">
+                      <a:alpha val="100000"/>
+                    </a:srgbClr>
+                  </a:solidFill>
+                  <a:latin typeface="Arial"/>
+                  <a:cs typeface="Arial"/>
+                </a:rPr>
+                <a:t>Source: ATO 2017-18 2% sample file</a:t>
               </a:r>
             </a:p>
           </p:txBody>
